--- a/src/select.pptx
+++ b/src/select.pptx
@@ -3372,7 +3372,11 @@
               <a:rPr sz="1800">
                 <a:latin typeface="Courier"/>
               </a:rPr>
-              <a:t>select r2017 as current_bump_rate, r2016 as previous_bump_rate from airlines_table</a:t>
+              <a:t>select 
+  Airline, 
+  r2017 as current_rate, 
+  r2016 as previous_rate
+  from airlines_table</a:t>
             </a:r>
           </a:p>
         </p:txBody>
@@ -3470,19 +3474,19 @@
               <a:rPr sz="1800">
                 <a:latin typeface="Courier"/>
               </a:rPr>
-              <a:t>##    current_bump_rate previous_bump_rate
-## 1               0.07               0.09
-## 2               0.27               0.13
-## 3               0.54               0.82
-## 4               0.30               0.45
-## 5               0.11               0.04
-## 6               0.67               1.58
-## 7               0.37               0.96
-## 8               0.46               0.66
-## 9               0.35               0.41
-## 10              0.58               1.06
-## 11              0.45               0.63
-## 12              0.88               0.93</a:t>
+              <a:t>##       Airline current_rate previous_rate
+## 1       DELTA         0.07          0.09
+## 2      VIRGIN         0.27          0.13
+## 3     JETBLUE         0.54          0.82
+## 4      UNITED         0.30          0.45
+## 5    HAWAIIAN         0.11          0.04
+## 6  EXPRESSJET         0.67          1.58
+## 7     SKYWEST         0.37          0.96
+## 8    AMERICAN         0.46          0.66
+## 9      ALASKA         0.35          0.41
+## 10  SOUTHWEST         0.58          1.06
+## 11   FRONTIER         0.45          0.63
+## 12     SPIRIT         0.88          0.93</a:t>
             </a:r>
           </a:p>
         </p:txBody>
@@ -3691,7 +3695,8 @@
               <a:rPr sz="1800">
                 <a:latin typeface="Courier"/>
               </a:rPr>
-              <a:t>select * from airlines_table</a:t>
+              <a:t>select * 
+  from airlines_table</a:t>
             </a:r>
           </a:p>
         </p:txBody>
@@ -4023,7 +4028,8 @@
               <a:rPr sz="1800">
                 <a:latin typeface="Courier"/>
               </a:rPr>
-              <a:t>select airline from airlines_table</a:t>
+              <a:t>select airline
+  from airlines_table</a:t>
             </a:r>
           </a:p>
         </p:txBody>
@@ -4246,7 +4252,8 @@
               <a:rPr sz="1800">
                 <a:latin typeface="Courier"/>
               </a:rPr>
-              <a:t>select r2016, r2017 from airlines_table</a:t>
+              <a:t>select Airline, r2016, r2017
+  from airlines_table</a:t>
             </a:r>
           </a:p>
         </p:txBody>
@@ -4344,19 +4351,19 @@
               <a:rPr sz="1800">
                 <a:latin typeface="Courier"/>
               </a:rPr>
-              <a:t>##    r2016 r2017
-## 1   0.09  0.07
-## 2   0.13  0.27
-## 3   0.82  0.54
-## 4   0.45  0.30
-## 5   0.04  0.11
-## 6   1.58  0.67
-## 7   0.96  0.37
-## 8   0.66  0.46
-## 9   0.41  0.35
-## 10  1.06  0.58
-## 11  0.63  0.45
-## 12  0.93  0.88</a:t>
+              <a:t>##       Airline r2016 r2017
+## 1       DELTA  0.09  0.07
+## 2      VIRGIN  0.13  0.27
+## 3     JETBLUE  0.82  0.54
+## 4      UNITED  0.45  0.30
+## 5    HAWAIIAN  0.04  0.11
+## 6  EXPRESSJET  1.58  0.67
+## 7     SKYWEST  0.96  0.37
+## 8    AMERICAN  0.66  0.46
+## 9      ALASKA  0.41  0.35
+## 10  SOUTHWEST  1.06  0.58
+## 11   FRONTIER  0.63  0.45
+## 12     SPIRIT  0.93  0.88</a:t>
             </a:r>
           </a:p>
         </p:txBody>

--- a/src/select.pptx
+++ b/src/select.pptx
@@ -4,6 +4,9 @@
   <p:sldMasterIdLst>
     <p:sldMasterId id="2147483648" r:id="rId1"/>
   </p:sldMasterIdLst>
+  <p:notesMasterIdLst>
+    <p:NotesMasterId r:id="rId24"/>
+  </p:notesMasterIdLst>
   <p:sldIdLst>
     <p:sldId id="256" r:id="rId2"/>
     <p:sldId id="257" r:id="rId3"/>
@@ -16,6 +19,17 @@
     <p:sldId id="264" r:id="rId10"/>
     <p:sldId id="265" r:id="rId11"/>
     <p:sldId id="266" r:id="rId12"/>
+    <p:sldId id="267" r:id="rId13"/>
+    <p:sldId id="268" r:id="rId14"/>
+    <p:sldId id="269" r:id="rId15"/>
+    <p:sldId id="270" r:id="rId16"/>
+    <p:sldId id="271" r:id="rId17"/>
+    <p:sldId id="272" r:id="rId18"/>
+    <p:sldId id="273" r:id="rId19"/>
+    <p:sldId id="274" r:id="rId20"/>
+    <p:sldId id="275" r:id="rId21"/>
+    <p:sldId id="276" r:id="rId22"/>
+    <p:sldId id="277" r:id="rId23"/>
   </p:sldIdLst>
   <p:sldSz cx="9144000" cy="6858000" type="screen4x3"/>
   <p:notesSz cx="6858000" cy="9144000"/>
@@ -131,6 +145,4952 @@
     </p:ext>
   </p:extLst>
 </p:presentation>
+</file>
+
+<file path=ppt/notesMasters/notesMaster1.xml><?xml version="1.0" encoding="utf-8"?>
+<p:notesMaster xmlns:a="http://schemas.openxmlformats.org/drawingml/2006/main" xmlns:r="http://schemas.openxmlformats.org/officeDocument/2006/relationships" xmlns:p="http://schemas.openxmlformats.org/presentationml/2006/main">
+  <p:cSld>
+    <p:bg>
+      <p:bgRef idx="1001">
+        <a:schemeClr val="bg1"/>
+      </p:bgRef>
+    </p:bg>
+    <p:spTree>
+      <p:nvGrpSpPr>
+        <p:cNvPr id="1" name=""/>
+        <p:cNvGrpSpPr/>
+        <p:nvPr/>
+      </p:nvGrpSpPr>
+      <p:grpSpPr>
+        <a:xfrm>
+          <a:off x="0" y="0"/>
+          <a:ext cx="0" cy="0"/>
+          <a:chOff x="0" y="0"/>
+          <a:chExt cx="0" cy="0"/>
+        </a:xfrm>
+      </p:grpSpPr>
+      <p:sp>
+        <p:nvSpPr>
+          <p:cNvPr id="2" name="Header Placeholder 1"/>
+          <p:cNvSpPr>
+            <a:spLocks noGrp="1"/>
+          </p:cNvSpPr>
+          <p:nvPr>
+            <p:ph type="hdr" sz="quarter"/>
+          </p:nvPr>
+        </p:nvSpPr>
+        <p:spPr>
+          <a:xfrm>
+            <a:off x="0" y="0"/>
+            <a:ext cx="2971800" cy="458788"/>
+          </a:xfrm>
+          <a:prstGeom prst="rect">
+            <a:avLst/>
+          </a:prstGeom>
+        </p:spPr>
+        <p:txBody>
+          <a:bodyPr vert="horz" lIns="91440" tIns="45720" rIns="91440" bIns="45720" rtlCol="0"/>
+          <a:lstStyle>
+            <a:lvl1pPr algn="l">
+              <a:defRPr sz="1200"/>
+            </a:lvl1pPr>
+          </a:lstStyle>
+          <a:p>
+            <a:endParaRPr lang="en-US"/>
+          </a:p>
+        </p:txBody>
+      </p:sp>
+      <p:sp>
+        <p:nvSpPr>
+          <p:cNvPr id="3" name="Date Placeholder 2"/>
+          <p:cNvSpPr>
+            <a:spLocks noGrp="1"/>
+          </p:cNvSpPr>
+          <p:nvPr>
+            <p:ph type="dt" idx="1"/>
+          </p:nvPr>
+        </p:nvSpPr>
+        <p:spPr>
+          <a:xfrm>
+            <a:off x="3884613" y="0"/>
+            <a:ext cx="2971800" cy="458788"/>
+          </a:xfrm>
+          <a:prstGeom prst="rect">
+            <a:avLst/>
+          </a:prstGeom>
+        </p:spPr>
+        <p:txBody>
+          <a:bodyPr vert="horz" lIns="91440" tIns="45720" rIns="91440" bIns="45720" rtlCol="0"/>
+          <a:lstStyle>
+            <a:lvl1pPr algn="r">
+              <a:defRPr sz="1200"/>
+            </a:lvl1pPr>
+          </a:lstStyle>
+          <a:p>
+            <a:fld id="{0F9C1CCF-B725-44A7-AA57-5E433BD85C9F}" type="datetimeFigureOut">
+              <a:rPr lang="en-US" smtClean="0"/>
+              <a:t>2/17/2018</a:t>
+            </a:fld>
+            <a:endParaRPr lang="en-US"/>
+          </a:p>
+        </p:txBody>
+      </p:sp>
+      <p:sp>
+        <p:nvSpPr>
+          <p:cNvPr id="4" name="Slide Image Placeholder 3"/>
+          <p:cNvSpPr>
+            <a:spLocks noGrp="1" noRot="1" noChangeAspect="1"/>
+          </p:cNvSpPr>
+          <p:nvPr>
+            <p:ph type="sldImg" idx="2"/>
+          </p:nvPr>
+        </p:nvSpPr>
+        <p:spPr>
+          <a:xfrm>
+            <a:off x="1371600" y="1143000"/>
+            <a:ext cx="4114800" cy="3086100"/>
+          </a:xfrm>
+          <a:prstGeom prst="rect">
+            <a:avLst/>
+          </a:prstGeom>
+          <a:noFill/>
+          <a:ln w="12700">
+            <a:solidFill>
+              <a:prstClr val="black"/>
+            </a:solidFill>
+          </a:ln>
+        </p:spPr>
+        <p:txBody>
+          <a:bodyPr vert="horz" lIns="91440" tIns="45720" rIns="91440" bIns="45720" rtlCol="0" anchor="ctr"/>
+          <a:lstStyle/>
+          <a:p>
+            <a:endParaRPr lang="en-US"/>
+          </a:p>
+        </p:txBody>
+      </p:sp>
+      <p:sp>
+        <p:nvSpPr>
+          <p:cNvPr id="5" name="Notes Placeholder 4"/>
+          <p:cNvSpPr>
+            <a:spLocks noGrp="1"/>
+          </p:cNvSpPr>
+          <p:nvPr>
+            <p:ph type="body" sz="quarter" idx="3"/>
+          </p:nvPr>
+        </p:nvSpPr>
+        <p:spPr>
+          <a:xfrm>
+            <a:off x="685800" y="4400550"/>
+            <a:ext cx="5486400" cy="3600450"/>
+          </a:xfrm>
+          <a:prstGeom prst="rect">
+            <a:avLst/>
+          </a:prstGeom>
+        </p:spPr>
+        <p:txBody>
+          <a:bodyPr vert="horz" lIns="91440" tIns="45720" rIns="91440" bIns="45720" rtlCol="0"/>
+          <a:lstStyle/>
+          <a:p>
+            <a:pPr lvl="0"/>
+            <a:r>
+              <a:rPr lang="en-US" smtClean="0"/>
+              <a:t>Click to edit Master text styles</a:t>
+            </a:r>
+          </a:p>
+          <a:p>
+            <a:pPr lvl="1"/>
+            <a:r>
+              <a:rPr lang="en-US" smtClean="0"/>
+              <a:t>Second level</a:t>
+            </a:r>
+          </a:p>
+          <a:p>
+            <a:pPr lvl="2"/>
+            <a:r>
+              <a:rPr lang="en-US" smtClean="0"/>
+              <a:t>Third level</a:t>
+            </a:r>
+          </a:p>
+          <a:p>
+            <a:pPr lvl="3"/>
+            <a:r>
+              <a:rPr lang="en-US" smtClean="0"/>
+              <a:t>Fourth level</a:t>
+            </a:r>
+          </a:p>
+          <a:p>
+            <a:pPr lvl="4"/>
+            <a:r>
+              <a:rPr lang="en-US" smtClean="0"/>
+              <a:t>Fifth level</a:t>
+            </a:r>
+            <a:endParaRPr lang="en-US"/>
+          </a:p>
+        </p:txBody>
+      </p:sp>
+      <p:sp>
+        <p:nvSpPr>
+          <p:cNvPr id="6" name="Footer Placeholder 5"/>
+          <p:cNvSpPr>
+            <a:spLocks noGrp="1"/>
+          </p:cNvSpPr>
+          <p:nvPr>
+            <p:ph type="ftr" sz="quarter" idx="4"/>
+          </p:nvPr>
+        </p:nvSpPr>
+        <p:spPr>
+          <a:xfrm>
+            <a:off x="0" y="8685213"/>
+            <a:ext cx="2971800" cy="458787"/>
+          </a:xfrm>
+          <a:prstGeom prst="rect">
+            <a:avLst/>
+          </a:prstGeom>
+        </p:spPr>
+        <p:txBody>
+          <a:bodyPr vert="horz" lIns="91440" tIns="45720" rIns="91440" bIns="45720" rtlCol="0" anchor="b"/>
+          <a:lstStyle>
+            <a:lvl1pPr algn="l">
+              <a:defRPr sz="1200"/>
+            </a:lvl1pPr>
+          </a:lstStyle>
+          <a:p>
+            <a:endParaRPr lang="en-US"/>
+          </a:p>
+        </p:txBody>
+      </p:sp>
+      <p:sp>
+        <p:nvSpPr>
+          <p:cNvPr id="7" name="Slide Number Placeholder 6"/>
+          <p:cNvSpPr>
+            <a:spLocks noGrp="1"/>
+          </p:cNvSpPr>
+          <p:nvPr>
+            <p:ph type="sldNum" sz="quarter" idx="5"/>
+          </p:nvPr>
+        </p:nvSpPr>
+        <p:spPr>
+          <a:xfrm>
+            <a:off x="3884613" y="8685213"/>
+            <a:ext cx="2971800" cy="458787"/>
+          </a:xfrm>
+          <a:prstGeom prst="rect">
+            <a:avLst/>
+          </a:prstGeom>
+        </p:spPr>
+        <p:txBody>
+          <a:bodyPr vert="horz" lIns="91440" tIns="45720" rIns="91440" bIns="45720" rtlCol="0" anchor="b"/>
+          <a:lstStyle>
+            <a:lvl1pPr algn="r">
+              <a:defRPr sz="1200"/>
+            </a:lvl1pPr>
+          </a:lstStyle>
+          <a:p>
+            <a:fld id="{18BDFEC3-8487-43E8-A154-7C12CBC1FFF2}" type="slidenum">
+              <a:rPr lang="en-US" smtClean="0"/>
+              <a:t>‹#›</a:t>
+            </a:fld>
+            <a:endParaRPr lang="en-US"/>
+          </a:p>
+        </p:txBody>
+      </p:sp>
+    </p:spTree>
+    <p:extLst>
+      <p:ext uri="{BB962C8B-B14F-4D97-AF65-F5344CB8AC3E}">
+        <p14:creationId xmlns:p14="http://schemas.microsoft.com/office/powerpoint/2010/main" val="3782709779"/>
+      </p:ext>
+    </p:extLst>
+  </p:cSld>
+  <p:clrMap bg1="lt1" tx1="dk1" bg2="lt2" tx2="dk2" accent1="accent1" accent2="accent2" accent3="accent3" accent4="accent4" accent5="accent5" accent6="accent6" hlink="hlink" folHlink="folHlink"/>
+  <p:notesStyle>
+    <a:lvl1pPr marL="0" algn="l" defTabSz="914400" rtl="0" eaLnBrk="1" latinLnBrk="0" hangingPunct="1">
+      <a:defRPr sz="1200" kern="1200">
+        <a:solidFill>
+          <a:schemeClr val="tx1"/>
+        </a:solidFill>
+        <a:latin typeface="+mn-lt"/>
+        <a:ea typeface="+mn-ea"/>
+        <a:cs typeface="+mn-cs"/>
+      </a:defRPr>
+    </a:lvl1pPr>
+    <a:lvl2pPr marL="457200" algn="l" defTabSz="914400" rtl="0" eaLnBrk="1" latinLnBrk="0" hangingPunct="1">
+      <a:defRPr sz="1200" kern="1200">
+        <a:solidFill>
+          <a:schemeClr val="tx1"/>
+        </a:solidFill>
+        <a:latin typeface="+mn-lt"/>
+        <a:ea typeface="+mn-ea"/>
+        <a:cs typeface="+mn-cs"/>
+      </a:defRPr>
+    </a:lvl2pPr>
+    <a:lvl3pPr marL="914400" algn="l" defTabSz="914400" rtl="0" eaLnBrk="1" latinLnBrk="0" hangingPunct="1">
+      <a:defRPr sz="1200" kern="1200">
+        <a:solidFill>
+          <a:schemeClr val="tx1"/>
+        </a:solidFill>
+        <a:latin typeface="+mn-lt"/>
+        <a:ea typeface="+mn-ea"/>
+        <a:cs typeface="+mn-cs"/>
+      </a:defRPr>
+    </a:lvl3pPr>
+    <a:lvl4pPr marL="1371600" algn="l" defTabSz="914400" rtl="0" eaLnBrk="1" latinLnBrk="0" hangingPunct="1">
+      <a:defRPr sz="1200" kern="1200">
+        <a:solidFill>
+          <a:schemeClr val="tx1"/>
+        </a:solidFill>
+        <a:latin typeface="+mn-lt"/>
+        <a:ea typeface="+mn-ea"/>
+        <a:cs typeface="+mn-cs"/>
+      </a:defRPr>
+    </a:lvl4pPr>
+    <a:lvl5pPr marL="1828800" algn="l" defTabSz="914400" rtl="0" eaLnBrk="1" latinLnBrk="0" hangingPunct="1">
+      <a:defRPr sz="1200" kern="1200">
+        <a:solidFill>
+          <a:schemeClr val="tx1"/>
+        </a:solidFill>
+        <a:latin typeface="+mn-lt"/>
+        <a:ea typeface="+mn-ea"/>
+        <a:cs typeface="+mn-cs"/>
+      </a:defRPr>
+    </a:lvl5pPr>
+    <a:lvl6pPr marL="2286000" algn="l" defTabSz="914400" rtl="0" eaLnBrk="1" latinLnBrk="0" hangingPunct="1">
+      <a:defRPr sz="1200" kern="1200">
+        <a:solidFill>
+          <a:schemeClr val="tx1"/>
+        </a:solidFill>
+        <a:latin typeface="+mn-lt"/>
+        <a:ea typeface="+mn-ea"/>
+        <a:cs typeface="+mn-cs"/>
+      </a:defRPr>
+    </a:lvl6pPr>
+    <a:lvl7pPr marL="2743200" algn="l" defTabSz="914400" rtl="0" eaLnBrk="1" latinLnBrk="0" hangingPunct="1">
+      <a:defRPr sz="1200" kern="1200">
+        <a:solidFill>
+          <a:schemeClr val="tx1"/>
+        </a:solidFill>
+        <a:latin typeface="+mn-lt"/>
+        <a:ea typeface="+mn-ea"/>
+        <a:cs typeface="+mn-cs"/>
+      </a:defRPr>
+    </a:lvl7pPr>
+    <a:lvl8pPr marL="3200400" algn="l" defTabSz="914400" rtl="0" eaLnBrk="1" latinLnBrk="0" hangingPunct="1">
+      <a:defRPr sz="1200" kern="1200">
+        <a:solidFill>
+          <a:schemeClr val="tx1"/>
+        </a:solidFill>
+        <a:latin typeface="+mn-lt"/>
+        <a:ea typeface="+mn-ea"/>
+        <a:cs typeface="+mn-cs"/>
+      </a:defRPr>
+    </a:lvl8pPr>
+    <a:lvl9pPr marL="3657600" algn="l" defTabSz="914400" rtl="0" eaLnBrk="1" latinLnBrk="0" hangingPunct="1">
+      <a:defRPr sz="1200" kern="1200">
+        <a:solidFill>
+          <a:schemeClr val="tx1"/>
+        </a:solidFill>
+        <a:latin typeface="+mn-lt"/>
+        <a:ea typeface="+mn-ea"/>
+        <a:cs typeface="+mn-cs"/>
+      </a:defRPr>
+    </a:lvl9pPr>
+  </p:notesStyle>
+</p:notesMaster>
+</file>
+
+<file path=ppt/notesSlides/notesSlide1.xml><?xml version="1.0" encoding="utf-8"?>
+<p:notes xmlns:a="http://schemas.openxmlformats.org/drawingml/2006/main" xmlns:r="http://schemas.openxmlformats.org/officeDocument/2006/relationships" xmlns:p="http://schemas.openxmlformats.org/presentationml/2006/main">
+  <p:cSld>
+    <p:spTree>
+      <p:nvGrpSpPr>
+        <p:cNvPr id="1" name=""/>
+        <p:cNvGrpSpPr/>
+        <p:nvPr/>
+      </p:nvGrpSpPr>
+      <p:grpSpPr>
+        <a:xfrm>
+          <a:off x="0" y="0"/>
+          <a:ext cx="0" cy="0"/>
+          <a:chOff x="0" y="0"/>
+          <a:chExt cx="0" cy="0"/>
+        </a:xfrm>
+      </p:grpSpPr>
+      <p:sp>
+        <p:nvSpPr>
+          <p:cNvPr id="2" name="Slide Image Placeholder 1"/>
+          <p:cNvSpPr>
+            <a:spLocks noGrp="1" noRot="1" noChangeAspect="1"/>
+          </p:cNvSpPr>
+          <p:nvPr>
+            <p:ph type="sldImg"/>
+          </p:nvPr>
+        </p:nvSpPr>
+        <p:spPr/>
+      </p:sp>
+      <p:sp>
+        <p:nvSpPr>
+          <p:cNvPr id="3" name="Notes Placeholder 2"/>
+          <p:cNvSpPr>
+            <a:spLocks noGrp="1"/>
+          </p:cNvSpPr>
+          <p:nvPr>
+            <p:ph type="body" idx="1"/>
+          </p:nvPr>
+        </p:nvSpPr>
+        <p:spPr/>
+        <p:txBody>
+          <a:bodyPr/>
+          <a:lstStyle/>
+          <a:p>
+            <a:pPr lvl="0" marL="0" indent="0">
+              <a:buNone/>
+            </a:pPr>
+            <a:r>
+              <a:rPr/>
+              <a:t>The</a:t>
+            </a:r>
+            <a:r>
+              <a:rPr/>
+              <a:t> </a:t>
+            </a:r>
+            <a:r>
+              <a:rPr/>
+              <a:t>first</a:t>
+            </a:r>
+            <a:r>
+              <a:rPr/>
+              <a:t> </a:t>
+            </a:r>
+            <a:r>
+              <a:rPr/>
+              <a:t>data</a:t>
+            </a:r>
+            <a:r>
+              <a:rPr/>
+              <a:t> </a:t>
+            </a:r>
+            <a:r>
+              <a:rPr/>
+              <a:t>set</a:t>
+            </a:r>
+            <a:r>
+              <a:rPr/>
+              <a:t> </a:t>
+            </a:r>
+            <a:r>
+              <a:rPr/>
+              <a:t>is</a:t>
+            </a:r>
+            <a:r>
+              <a:rPr/>
+              <a:t> </a:t>
+            </a:r>
+            <a:r>
+              <a:rPr/>
+              <a:t>small.</a:t>
+            </a:r>
+            <a:r>
+              <a:rPr/>
+              <a:t> </a:t>
+            </a:r>
+            <a:r>
+              <a:rPr/>
+              <a:t>So</a:t>
+            </a:r>
+            <a:r>
+              <a:rPr/>
+              <a:t> </a:t>
+            </a:r>
+            <a:r>
+              <a:rPr/>
+              <a:t>small</a:t>
+            </a:r>
+            <a:r>
+              <a:rPr/>
+              <a:t> </a:t>
+            </a:r>
+            <a:r>
+              <a:rPr/>
+              <a:t>that</a:t>
+            </a:r>
+            <a:r>
+              <a:rPr/>
+              <a:t> </a:t>
+            </a:r>
+            <a:r>
+              <a:rPr/>
+              <a:t>you</a:t>
+            </a:r>
+            <a:r>
+              <a:rPr/>
+              <a:t> </a:t>
+            </a:r>
+            <a:r>
+              <a:rPr/>
+              <a:t>might</a:t>
+            </a:r>
+            <a:r>
+              <a:rPr/>
+              <a:t> </a:t>
+            </a:r>
+            <a:r>
+              <a:rPr/>
+              <a:t>wonder</a:t>
+            </a:r>
+            <a:r>
+              <a:rPr/>
+              <a:t> </a:t>
+            </a:r>
+            <a:r>
+              <a:rPr/>
+              <a:t>you</a:t>
+            </a:r>
+            <a:r>
+              <a:rPr/>
+              <a:t> </a:t>
+            </a:r>
+            <a:r>
+              <a:rPr/>
+              <a:t>would</a:t>
+            </a:r>
+            <a:r>
+              <a:rPr/>
+              <a:t> </a:t>
+            </a:r>
+            <a:r>
+              <a:rPr/>
+              <a:t>need</a:t>
+            </a:r>
+            <a:r>
+              <a:rPr/>
+              <a:t> </a:t>
+            </a:r>
+            <a:r>
+              <a:rPr/>
+              <a:t>a</a:t>
+            </a:r>
+            <a:r>
+              <a:rPr/>
+              <a:t> </a:t>
+            </a:r>
+            <a:r>
+              <a:rPr/>
+              <a:t>database</a:t>
+            </a:r>
+            <a:r>
+              <a:rPr/>
+              <a:t> </a:t>
+            </a:r>
+            <a:r>
+              <a:rPr/>
+              <a:t>for</a:t>
+            </a:r>
+            <a:r>
+              <a:rPr/>
+              <a:t> </a:t>
+            </a:r>
+            <a:r>
+              <a:rPr/>
+              <a:t>it.</a:t>
+            </a:r>
+          </a:p>
+          <a:p>
+            <a:pPr lvl="0" marL="0" indent="0">
+              <a:buNone/>
+            </a:pPr>
+          </a:p>
+          <a:p>
+            <a:pPr lvl="0" marL="0" indent="0">
+              <a:buNone/>
+            </a:pPr>
+            <a:r>
+              <a:rPr/>
+              <a:t>The</a:t>
+            </a:r>
+            <a:r>
+              <a:rPr/>
+              <a:t> </a:t>
+            </a:r>
+            <a:r>
+              <a:rPr/>
+              <a:t>airlines_db</a:t>
+            </a:r>
+            <a:r>
+              <a:rPr/>
+              <a:t> </a:t>
+            </a:r>
+            <a:r>
+              <a:rPr/>
+              <a:t>database</a:t>
+            </a:r>
+            <a:r>
+              <a:rPr/>
+              <a:t> </a:t>
+            </a:r>
+            <a:r>
+              <a:rPr/>
+              <a:t>has</a:t>
+            </a:r>
+            <a:r>
+              <a:rPr/>
+              <a:t> </a:t>
+            </a:r>
+            <a:r>
+              <a:rPr/>
+              <a:t>a</a:t>
+            </a:r>
+            <a:r>
+              <a:rPr/>
+              <a:t> </a:t>
+            </a:r>
+            <a:r>
+              <a:rPr/>
+              <a:t>single</a:t>
+            </a:r>
+            <a:r>
+              <a:rPr/>
+              <a:t> </a:t>
+            </a:r>
+            <a:r>
+              <a:rPr/>
+              <a:t>table</a:t>
+            </a:r>
+            <a:r>
+              <a:rPr/>
+              <a:t> </a:t>
+            </a:r>
+            <a:r>
+              <a:rPr/>
+              <a:t>and</a:t>
+            </a:r>
+            <a:r>
+              <a:rPr/>
+              <a:t> </a:t>
+            </a:r>
+            <a:r>
+              <a:rPr/>
+              <a:t>that</a:t>
+            </a:r>
+            <a:r>
+              <a:rPr/>
+              <a:t> </a:t>
+            </a:r>
+            <a:r>
+              <a:rPr/>
+              <a:t>table</a:t>
+            </a:r>
+            <a:r>
+              <a:rPr/>
+              <a:t> </a:t>
+            </a:r>
+            <a:r>
+              <a:rPr/>
+              <a:t>only</a:t>
+            </a:r>
+            <a:r>
+              <a:rPr/>
+              <a:t> </a:t>
+            </a:r>
+            <a:r>
+              <a:rPr/>
+              <a:t>has</a:t>
+            </a:r>
+            <a:r>
+              <a:rPr/>
+              <a:t> </a:t>
+            </a:r>
+            <a:r>
+              <a:rPr/>
+              <a:t>five</a:t>
+            </a:r>
+            <a:r>
+              <a:rPr/>
+              <a:t> </a:t>
+            </a:r>
+            <a:r>
+              <a:rPr/>
+              <a:t>fields</a:t>
+            </a:r>
+            <a:r>
+              <a:rPr/>
+              <a:t> </a:t>
+            </a:r>
+            <a:r>
+              <a:rPr/>
+              <a:t>and</a:t>
+            </a:r>
+            <a:r>
+              <a:rPr/>
+              <a:t> </a:t>
+            </a:r>
+            <a:r>
+              <a:rPr/>
+              <a:t>twelve</a:t>
+            </a:r>
+            <a:r>
+              <a:rPr/>
+              <a:t> </a:t>
+            </a:r>
+            <a:r>
+              <a:rPr/>
+              <a:t>records.</a:t>
+            </a:r>
+            <a:r>
+              <a:rPr/>
+              <a:t> </a:t>
+            </a:r>
+            <a:r>
+              <a:rPr/>
+              <a:t>I</a:t>
+            </a:r>
+            <a:r>
+              <a:rPr/>
+              <a:t> </a:t>
+            </a:r>
+            <a:r>
+              <a:rPr/>
+              <a:t>wanted</a:t>
+            </a:r>
+            <a:r>
+              <a:rPr/>
+              <a:t> </a:t>
+            </a:r>
+            <a:r>
+              <a:rPr/>
+              <a:t>a</a:t>
+            </a:r>
+            <a:r>
+              <a:rPr/>
+              <a:t> </a:t>
+            </a:r>
+            <a:r>
+              <a:rPr/>
+              <a:t>database</a:t>
+            </a:r>
+            <a:r>
+              <a:rPr/>
+              <a:t> </a:t>
+            </a:r>
+            <a:r>
+              <a:rPr/>
+              <a:t>small</a:t>
+            </a:r>
+            <a:r>
+              <a:rPr/>
+              <a:t> </a:t>
+            </a:r>
+            <a:r>
+              <a:rPr/>
+              <a:t>enough</a:t>
+            </a:r>
+            <a:r>
+              <a:rPr/>
+              <a:t> </a:t>
+            </a:r>
+            <a:r>
+              <a:rPr/>
+              <a:t>that</a:t>
+            </a:r>
+            <a:r>
+              <a:rPr/>
+              <a:t> </a:t>
+            </a:r>
+            <a:r>
+              <a:rPr/>
+              <a:t>you</a:t>
+            </a:r>
+            <a:r>
+              <a:rPr/>
+              <a:t> </a:t>
+            </a:r>
+            <a:r>
+              <a:rPr/>
+              <a:t>could</a:t>
+            </a:r>
+            <a:r>
+              <a:rPr/>
+              <a:t> </a:t>
+            </a:r>
+            <a:r>
+              <a:rPr/>
+              <a:t>list</a:t>
+            </a:r>
+            <a:r>
+              <a:rPr/>
+              <a:t> </a:t>
+            </a:r>
+            <a:r>
+              <a:rPr/>
+              <a:t>the</a:t>
+            </a:r>
+            <a:r>
+              <a:rPr/>
+              <a:t> </a:t>
+            </a:r>
+            <a:r>
+              <a:rPr/>
+              <a:t>entire</a:t>
+            </a:r>
+            <a:r>
+              <a:rPr/>
+              <a:t> </a:t>
+            </a:r>
+            <a:r>
+              <a:rPr/>
+              <a:t>thing</a:t>
+            </a:r>
+            <a:r>
+              <a:rPr/>
+              <a:t> </a:t>
+            </a:r>
+            <a:r>
+              <a:rPr/>
+              <a:t>on</a:t>
+            </a:r>
+            <a:r>
+              <a:rPr/>
+              <a:t> </a:t>
+            </a:r>
+            <a:r>
+              <a:rPr/>
+              <a:t>a</a:t>
+            </a:r>
+            <a:r>
+              <a:rPr/>
+              <a:t> </a:t>
+            </a:r>
+            <a:r>
+              <a:rPr/>
+              <a:t>single</a:t>
+            </a:r>
+            <a:r>
+              <a:rPr/>
+              <a:t> </a:t>
+            </a:r>
+            <a:r>
+              <a:rPr/>
+              <a:t>slide.</a:t>
+            </a:r>
+          </a:p>
+          <a:p>
+            <a:pPr lvl="0" marL="0" indent="0">
+              <a:buNone/>
+            </a:pPr>
+          </a:p>
+          <a:p>
+            <a:pPr lvl="0" marL="0" indent="0">
+              <a:buNone/>
+            </a:pPr>
+            <a:r>
+              <a:rPr/>
+              <a:t>You</a:t>
+            </a:r>
+            <a:r>
+              <a:rPr/>
+              <a:t> </a:t>
+            </a:r>
+            <a:r>
+              <a:rPr/>
+              <a:t>can</a:t>
+            </a:r>
+            <a:r>
+              <a:rPr/>
+              <a:t> </a:t>
+            </a:r>
+            <a:r>
+              <a:rPr/>
+              <a:t>check</a:t>
+            </a:r>
+            <a:r>
+              <a:rPr/>
+              <a:t> </a:t>
+            </a:r>
+            <a:r>
+              <a:rPr/>
+              <a:t>out</a:t>
+            </a:r>
+            <a:r>
+              <a:rPr/>
+              <a:t> </a:t>
+            </a:r>
+            <a:r>
+              <a:rPr/>
+              <a:t>the</a:t>
+            </a:r>
+            <a:r>
+              <a:rPr/>
+              <a:t> </a:t>
+            </a:r>
+            <a:r>
+              <a:rPr/>
+              <a:t>original</a:t>
+            </a:r>
+            <a:r>
+              <a:rPr/>
+              <a:t> </a:t>
+            </a:r>
+            <a:r>
+              <a:rPr/>
+              <a:t>source,</a:t>
+            </a:r>
+            <a:r>
+              <a:rPr/>
+              <a:t> </a:t>
+            </a:r>
+            <a:r>
+              <a:rPr/>
+              <a:t>though</a:t>
+            </a:r>
+            <a:r>
+              <a:rPr/>
+              <a:t> </a:t>
+            </a:r>
+            <a:r>
+              <a:rPr/>
+              <a:t>there</a:t>
+            </a:r>
+            <a:r>
+              <a:rPr/>
+              <a:t> </a:t>
+            </a:r>
+            <a:r>
+              <a:rPr/>
+              <a:t>are</a:t>
+            </a:r>
+            <a:r>
+              <a:rPr/>
+              <a:t> </a:t>
+            </a:r>
+            <a:r>
+              <a:rPr/>
+              <a:t>a</a:t>
+            </a:r>
+            <a:r>
+              <a:rPr/>
+              <a:t> </a:t>
+            </a:r>
+            <a:r>
+              <a:rPr/>
+              <a:t>few</a:t>
+            </a:r>
+            <a:r>
+              <a:rPr/>
+              <a:t> </a:t>
+            </a:r>
+            <a:r>
+              <a:rPr/>
+              <a:t>minor</a:t>
+            </a:r>
+            <a:r>
+              <a:rPr/>
+              <a:t> </a:t>
+            </a:r>
+            <a:r>
+              <a:rPr/>
+              <a:t>modifications.</a:t>
+            </a:r>
+          </a:p>
+        </p:txBody>
+      </p:sp>
+      <p:sp>
+        <p:nvSpPr>
+          <p:cNvPr id="4" name="Slide Number Placeholder 3"/>
+          <p:cNvSpPr>
+            <a:spLocks noGrp="1"/>
+          </p:cNvSpPr>
+          <p:nvPr>
+            <p:ph type="sldNum" sz="quarter" idx="10"/>
+          </p:nvPr>
+        </p:nvSpPr>
+        <p:spPr/>
+        <p:txBody>
+          <a:bodyPr/>
+          <a:lstStyle/>
+          <a:p>
+            <a:fld id="{18BDFEC3-8487-43E8-A154-7C12CBC1FFF2}" type="slidenum">
+              <a:rPr lang="en-US"/>
+              <a:t>2</a:t>
+            </a:fld>
+            <a:endParaRPr lang="en-US"/>
+          </a:p>
+        </p:txBody>
+      </p:sp>
+    </p:spTree>
+  </p:cSld>
+</p:notes>
+</file>
+
+<file path=ppt/notesSlides/notesSlide10.xml><?xml version="1.0" encoding="utf-8"?>
+<p:notes xmlns:a="http://schemas.openxmlformats.org/drawingml/2006/main" xmlns:r="http://schemas.openxmlformats.org/officeDocument/2006/relationships" xmlns:p="http://schemas.openxmlformats.org/presentationml/2006/main">
+  <p:cSld>
+    <p:spTree>
+      <p:nvGrpSpPr>
+        <p:cNvPr id="1" name=""/>
+        <p:cNvGrpSpPr/>
+        <p:nvPr/>
+      </p:nvGrpSpPr>
+      <p:grpSpPr>
+        <a:xfrm>
+          <a:off x="0" y="0"/>
+          <a:ext cx="0" cy="0"/>
+          <a:chOff x="0" y="0"/>
+          <a:chExt cx="0" cy="0"/>
+        </a:xfrm>
+      </p:grpSpPr>
+      <p:sp>
+        <p:nvSpPr>
+          <p:cNvPr id="2" name="Slide Image Placeholder 1"/>
+          <p:cNvSpPr>
+            <a:spLocks noGrp="1" noRot="1" noChangeAspect="1"/>
+          </p:cNvSpPr>
+          <p:nvPr>
+            <p:ph type="sldImg"/>
+          </p:nvPr>
+        </p:nvSpPr>
+        <p:spPr/>
+      </p:sp>
+      <p:sp>
+        <p:nvSpPr>
+          <p:cNvPr id="3" name="Notes Placeholder 2"/>
+          <p:cNvSpPr>
+            <a:spLocks noGrp="1"/>
+          </p:cNvSpPr>
+          <p:nvPr>
+            <p:ph type="body" idx="1"/>
+          </p:nvPr>
+        </p:nvSpPr>
+        <p:spPr/>
+        <p:txBody>
+          <a:bodyPr/>
+          <a:lstStyle/>
+          <a:p>
+            <a:pPr lvl="0" marL="0" indent="0">
+              <a:buNone/>
+            </a:pPr>
+            <a:r>
+              <a:rPr/>
+              <a:t>Here’s</a:t>
+            </a:r>
+            <a:r>
+              <a:rPr/>
+              <a:t> </a:t>
+            </a:r>
+            <a:r>
+              <a:rPr/>
+              <a:t>what</a:t>
+            </a:r>
+            <a:r>
+              <a:rPr/>
+              <a:t> </a:t>
+            </a:r>
+            <a:r>
+              <a:rPr/>
+              <a:t>the</a:t>
+            </a:r>
+            <a:r>
+              <a:rPr/>
+              <a:t> </a:t>
+            </a:r>
+            <a:r>
+              <a:rPr/>
+              <a:t>output</a:t>
+            </a:r>
+            <a:r>
+              <a:rPr/>
+              <a:t> </a:t>
+            </a:r>
+            <a:r>
+              <a:rPr/>
+              <a:t>looks</a:t>
+            </a:r>
+            <a:r>
+              <a:rPr/>
+              <a:t> </a:t>
+            </a:r>
+            <a:r>
+              <a:rPr/>
+              <a:t>like.</a:t>
+            </a:r>
+          </a:p>
+        </p:txBody>
+      </p:sp>
+      <p:sp>
+        <p:nvSpPr>
+          <p:cNvPr id="4" name="Slide Number Placeholder 3"/>
+          <p:cNvSpPr>
+            <a:spLocks noGrp="1"/>
+          </p:cNvSpPr>
+          <p:nvPr>
+            <p:ph type="sldNum" sz="quarter" idx="10"/>
+          </p:nvPr>
+        </p:nvSpPr>
+        <p:spPr/>
+        <p:txBody>
+          <a:bodyPr/>
+          <a:lstStyle/>
+          <a:p>
+            <a:fld id="{18BDFEC3-8487-43E8-A154-7C12CBC1FFF2}" type="slidenum">
+              <a:rPr lang="en-US"/>
+              <a:t>15</a:t>
+            </a:fld>
+            <a:endParaRPr lang="en-US"/>
+          </a:p>
+        </p:txBody>
+      </p:sp>
+    </p:spTree>
+  </p:cSld>
+</p:notes>
+</file>
+
+<file path=ppt/notesSlides/notesSlide11.xml><?xml version="1.0" encoding="utf-8"?>
+<p:notes xmlns:a="http://schemas.openxmlformats.org/drawingml/2006/main" xmlns:r="http://schemas.openxmlformats.org/officeDocument/2006/relationships" xmlns:p="http://schemas.openxmlformats.org/presentationml/2006/main">
+  <p:cSld>
+    <p:spTree>
+      <p:nvGrpSpPr>
+        <p:cNvPr id="1" name=""/>
+        <p:cNvGrpSpPr/>
+        <p:nvPr/>
+      </p:nvGrpSpPr>
+      <p:grpSpPr>
+        <a:xfrm>
+          <a:off x="0" y="0"/>
+          <a:ext cx="0" cy="0"/>
+          <a:chOff x="0" y="0"/>
+          <a:chExt cx="0" cy="0"/>
+        </a:xfrm>
+      </p:grpSpPr>
+      <p:sp>
+        <p:nvSpPr>
+          <p:cNvPr id="2" name="Slide Image Placeholder 1"/>
+          <p:cNvSpPr>
+            <a:spLocks noGrp="1" noRot="1" noChangeAspect="1"/>
+          </p:cNvSpPr>
+          <p:nvPr>
+            <p:ph type="sldImg"/>
+          </p:nvPr>
+        </p:nvSpPr>
+        <p:spPr/>
+      </p:sp>
+      <p:sp>
+        <p:nvSpPr>
+          <p:cNvPr id="3" name="Notes Placeholder 2"/>
+          <p:cNvSpPr>
+            <a:spLocks noGrp="1"/>
+          </p:cNvSpPr>
+          <p:nvPr>
+            <p:ph type="body" idx="1"/>
+          </p:nvPr>
+        </p:nvSpPr>
+        <p:spPr/>
+        <p:txBody>
+          <a:bodyPr/>
+          <a:lstStyle/>
+          <a:p>
+            <a:pPr lvl="0" marL="0" indent="0">
+              <a:buNone/>
+            </a:pPr>
+            <a:r>
+              <a:rPr/>
+              <a:t>This</a:t>
+            </a:r>
+            <a:r>
+              <a:rPr/>
+              <a:t> </a:t>
+            </a:r>
+            <a:r>
+              <a:rPr/>
+              <a:t>is</a:t>
+            </a:r>
+            <a:r>
+              <a:rPr/>
+              <a:t> </a:t>
+            </a:r>
+            <a:r>
+              <a:rPr/>
+              <a:t>how</a:t>
+            </a:r>
+            <a:r>
+              <a:rPr/>
+              <a:t> </a:t>
+            </a:r>
+            <a:r>
+              <a:rPr/>
+              <a:t>you</a:t>
+            </a:r>
+            <a:r>
+              <a:rPr/>
+              <a:t> </a:t>
+            </a:r>
+            <a:r>
+              <a:rPr/>
+              <a:t>select</a:t>
+            </a:r>
+            <a:r>
+              <a:rPr/>
+              <a:t> </a:t>
+            </a:r>
+            <a:r>
+              <a:rPr/>
+              <a:t>multiple</a:t>
+            </a:r>
+            <a:r>
+              <a:rPr/>
+              <a:t> </a:t>
+            </a:r>
+            <a:r>
+              <a:rPr/>
+              <a:t>fields.</a:t>
+            </a:r>
+          </a:p>
+        </p:txBody>
+      </p:sp>
+      <p:sp>
+        <p:nvSpPr>
+          <p:cNvPr id="4" name="Slide Number Placeholder 3"/>
+          <p:cNvSpPr>
+            <a:spLocks noGrp="1"/>
+          </p:cNvSpPr>
+          <p:nvPr>
+            <p:ph type="sldNum" sz="quarter" idx="10"/>
+          </p:nvPr>
+        </p:nvSpPr>
+        <p:spPr/>
+        <p:txBody>
+          <a:bodyPr/>
+          <a:lstStyle/>
+          <a:p>
+            <a:fld id="{18BDFEC3-8487-43E8-A154-7C12CBC1FFF2}" type="slidenum">
+              <a:rPr lang="en-US"/>
+              <a:t>16</a:t>
+            </a:fld>
+            <a:endParaRPr lang="en-US"/>
+          </a:p>
+        </p:txBody>
+      </p:sp>
+    </p:spTree>
+  </p:cSld>
+</p:notes>
+</file>
+
+<file path=ppt/notesSlides/notesSlide12.xml><?xml version="1.0" encoding="utf-8"?>
+<p:notes xmlns:a="http://schemas.openxmlformats.org/drawingml/2006/main" xmlns:r="http://schemas.openxmlformats.org/officeDocument/2006/relationships" xmlns:p="http://schemas.openxmlformats.org/presentationml/2006/main">
+  <p:cSld>
+    <p:spTree>
+      <p:nvGrpSpPr>
+        <p:cNvPr id="1" name=""/>
+        <p:cNvGrpSpPr/>
+        <p:nvPr/>
+      </p:nvGrpSpPr>
+      <p:grpSpPr>
+        <a:xfrm>
+          <a:off x="0" y="0"/>
+          <a:ext cx="0" cy="0"/>
+          <a:chOff x="0" y="0"/>
+          <a:chExt cx="0" cy="0"/>
+        </a:xfrm>
+      </p:grpSpPr>
+      <p:sp>
+        <p:nvSpPr>
+          <p:cNvPr id="2" name="Slide Image Placeholder 1"/>
+          <p:cNvSpPr>
+            <a:spLocks noGrp="1" noRot="1" noChangeAspect="1"/>
+          </p:cNvSpPr>
+          <p:nvPr>
+            <p:ph type="sldImg"/>
+          </p:nvPr>
+        </p:nvSpPr>
+        <p:spPr/>
+      </p:sp>
+      <p:sp>
+        <p:nvSpPr>
+          <p:cNvPr id="3" name="Notes Placeholder 2"/>
+          <p:cNvSpPr>
+            <a:spLocks noGrp="1"/>
+          </p:cNvSpPr>
+          <p:nvPr>
+            <p:ph type="body" idx="1"/>
+          </p:nvPr>
+        </p:nvSpPr>
+        <p:spPr/>
+        <p:txBody>
+          <a:bodyPr/>
+          <a:lstStyle/>
+          <a:p>
+            <a:pPr lvl="0" marL="0" indent="0">
+              <a:buNone/>
+            </a:pPr>
+            <a:r>
+              <a:rPr/>
+              <a:t>Here’s</a:t>
+            </a:r>
+            <a:r>
+              <a:rPr/>
+              <a:t> </a:t>
+            </a:r>
+            <a:r>
+              <a:rPr/>
+              <a:t>what</a:t>
+            </a:r>
+            <a:r>
+              <a:rPr/>
+              <a:t> </a:t>
+            </a:r>
+            <a:r>
+              <a:rPr/>
+              <a:t>the</a:t>
+            </a:r>
+            <a:r>
+              <a:rPr/>
+              <a:t> </a:t>
+            </a:r>
+            <a:r>
+              <a:rPr/>
+              <a:t>output</a:t>
+            </a:r>
+            <a:r>
+              <a:rPr/>
+              <a:t> </a:t>
+            </a:r>
+            <a:r>
+              <a:rPr/>
+              <a:t>looks</a:t>
+            </a:r>
+            <a:r>
+              <a:rPr/>
+              <a:t> </a:t>
+            </a:r>
+            <a:r>
+              <a:rPr/>
+              <a:t>like.</a:t>
+            </a:r>
+          </a:p>
+        </p:txBody>
+      </p:sp>
+      <p:sp>
+        <p:nvSpPr>
+          <p:cNvPr id="4" name="Slide Number Placeholder 3"/>
+          <p:cNvSpPr>
+            <a:spLocks noGrp="1"/>
+          </p:cNvSpPr>
+          <p:nvPr>
+            <p:ph type="sldNum" sz="quarter" idx="10"/>
+          </p:nvPr>
+        </p:nvSpPr>
+        <p:spPr/>
+        <p:txBody>
+          <a:bodyPr/>
+          <a:lstStyle/>
+          <a:p>
+            <a:fld id="{18BDFEC3-8487-43E8-A154-7C12CBC1FFF2}" type="slidenum">
+              <a:rPr lang="en-US"/>
+              <a:t>17</a:t>
+            </a:fld>
+            <a:endParaRPr lang="en-US"/>
+          </a:p>
+        </p:txBody>
+      </p:sp>
+    </p:spTree>
+  </p:cSld>
+</p:notes>
+</file>
+
+<file path=ppt/notesSlides/notesSlide13.xml><?xml version="1.0" encoding="utf-8"?>
+<p:notes xmlns:a="http://schemas.openxmlformats.org/drawingml/2006/main" xmlns:r="http://schemas.openxmlformats.org/officeDocument/2006/relationships" xmlns:p="http://schemas.openxmlformats.org/presentationml/2006/main">
+  <p:cSld>
+    <p:spTree>
+      <p:nvGrpSpPr>
+        <p:cNvPr id="1" name=""/>
+        <p:cNvGrpSpPr/>
+        <p:nvPr/>
+      </p:nvGrpSpPr>
+      <p:grpSpPr>
+        <a:xfrm>
+          <a:off x="0" y="0"/>
+          <a:ext cx="0" cy="0"/>
+          <a:chOff x="0" y="0"/>
+          <a:chExt cx="0" cy="0"/>
+        </a:xfrm>
+      </p:grpSpPr>
+      <p:sp>
+        <p:nvSpPr>
+          <p:cNvPr id="2" name="Slide Image Placeholder 1"/>
+          <p:cNvSpPr>
+            <a:spLocks noGrp="1" noRot="1" noChangeAspect="1"/>
+          </p:cNvSpPr>
+          <p:nvPr>
+            <p:ph type="sldImg"/>
+          </p:nvPr>
+        </p:nvSpPr>
+        <p:spPr/>
+      </p:sp>
+      <p:sp>
+        <p:nvSpPr>
+          <p:cNvPr id="3" name="Notes Placeholder 2"/>
+          <p:cNvSpPr>
+            <a:spLocks noGrp="1"/>
+          </p:cNvSpPr>
+          <p:nvPr>
+            <p:ph type="body" idx="1"/>
+          </p:nvPr>
+        </p:nvSpPr>
+        <p:spPr/>
+        <p:txBody>
+          <a:bodyPr/>
+          <a:lstStyle/>
+          <a:p>
+            <a:pPr lvl="0" marL="0" indent="0">
+              <a:buNone/>
+            </a:pPr>
+            <a:r>
+              <a:rPr/>
+              <a:t>Here’s</a:t>
+            </a:r>
+            <a:r>
+              <a:rPr/>
+              <a:t> </a:t>
+            </a:r>
+            <a:r>
+              <a:rPr/>
+              <a:t>what</a:t>
+            </a:r>
+            <a:r>
+              <a:rPr/>
+              <a:t> </a:t>
+            </a:r>
+            <a:r>
+              <a:rPr/>
+              <a:t>the</a:t>
+            </a:r>
+            <a:r>
+              <a:rPr/>
+              <a:t> </a:t>
+            </a:r>
+            <a:r>
+              <a:rPr/>
+              <a:t>output</a:t>
+            </a:r>
+            <a:r>
+              <a:rPr/>
+              <a:t> </a:t>
+            </a:r>
+            <a:r>
+              <a:rPr/>
+              <a:t>looks</a:t>
+            </a:r>
+            <a:r>
+              <a:rPr/>
+              <a:t> </a:t>
+            </a:r>
+            <a:r>
+              <a:rPr/>
+              <a:t>like.</a:t>
+            </a:r>
+          </a:p>
+        </p:txBody>
+      </p:sp>
+      <p:sp>
+        <p:nvSpPr>
+          <p:cNvPr id="4" name="Slide Number Placeholder 3"/>
+          <p:cNvSpPr>
+            <a:spLocks noGrp="1"/>
+          </p:cNvSpPr>
+          <p:nvPr>
+            <p:ph type="sldNum" sz="quarter" idx="10"/>
+          </p:nvPr>
+        </p:nvSpPr>
+        <p:spPr/>
+        <p:txBody>
+          <a:bodyPr/>
+          <a:lstStyle/>
+          <a:p>
+            <a:fld id="{18BDFEC3-8487-43E8-A154-7C12CBC1FFF2}" type="slidenum">
+              <a:rPr lang="en-US"/>
+              <a:t>20</a:t>
+            </a:fld>
+            <a:endParaRPr lang="en-US"/>
+          </a:p>
+        </p:txBody>
+      </p:sp>
+    </p:spTree>
+  </p:cSld>
+</p:notes>
+</file>
+
+<file path=ppt/notesSlides/notesSlide14.xml><?xml version="1.0" encoding="utf-8"?>
+<p:notes xmlns:a="http://schemas.openxmlformats.org/drawingml/2006/main" xmlns:r="http://schemas.openxmlformats.org/officeDocument/2006/relationships" xmlns:p="http://schemas.openxmlformats.org/presentationml/2006/main">
+  <p:cSld>
+    <p:spTree>
+      <p:nvGrpSpPr>
+        <p:cNvPr id="1" name=""/>
+        <p:cNvGrpSpPr/>
+        <p:nvPr/>
+      </p:nvGrpSpPr>
+      <p:grpSpPr>
+        <a:xfrm>
+          <a:off x="0" y="0"/>
+          <a:ext cx="0" cy="0"/>
+          <a:chOff x="0" y="0"/>
+          <a:chExt cx="0" cy="0"/>
+        </a:xfrm>
+      </p:grpSpPr>
+      <p:sp>
+        <p:nvSpPr>
+          <p:cNvPr id="2" name="Slide Image Placeholder 1"/>
+          <p:cNvSpPr>
+            <a:spLocks noGrp="1" noRot="1" noChangeAspect="1"/>
+          </p:cNvSpPr>
+          <p:nvPr>
+            <p:ph type="sldImg"/>
+          </p:nvPr>
+        </p:nvSpPr>
+        <p:spPr/>
+      </p:sp>
+      <p:sp>
+        <p:nvSpPr>
+          <p:cNvPr id="3" name="Notes Placeholder 2"/>
+          <p:cNvSpPr>
+            <a:spLocks noGrp="1"/>
+          </p:cNvSpPr>
+          <p:nvPr>
+            <p:ph type="body" idx="1"/>
+          </p:nvPr>
+        </p:nvSpPr>
+        <p:spPr/>
+        <p:txBody>
+          <a:bodyPr/>
+          <a:lstStyle/>
+          <a:p>
+            <a:pPr lvl="0" marL="0" indent="0">
+              <a:buNone/>
+            </a:pPr>
+            <a:r>
+              <a:rPr/>
+              <a:t>You</a:t>
+            </a:r>
+            <a:r>
+              <a:rPr/>
+              <a:t> </a:t>
+            </a:r>
+            <a:r>
+              <a:rPr/>
+              <a:t>can</a:t>
+            </a:r>
+            <a:r>
+              <a:rPr/>
+              <a:t> </a:t>
+            </a:r>
+            <a:r>
+              <a:rPr/>
+              <a:t>rename</a:t>
+            </a:r>
+            <a:r>
+              <a:rPr/>
+              <a:t> </a:t>
+            </a:r>
+            <a:r>
+              <a:rPr/>
+              <a:t>fields</a:t>
+            </a:r>
+            <a:r>
+              <a:rPr/>
+              <a:t> </a:t>
+            </a:r>
+            <a:r>
+              <a:rPr/>
+              <a:t>in</a:t>
+            </a:r>
+            <a:r>
+              <a:rPr/>
+              <a:t> </a:t>
+            </a:r>
+            <a:r>
+              <a:rPr/>
+              <a:t>proc</a:t>
+            </a:r>
+            <a:r>
+              <a:rPr/>
+              <a:t> </a:t>
+            </a:r>
+            <a:r>
+              <a:rPr/>
+              <a:t>sql,</a:t>
+            </a:r>
+            <a:r>
+              <a:rPr/>
+              <a:t> </a:t>
+            </a:r>
+            <a:r>
+              <a:rPr/>
+              <a:t>but</a:t>
+            </a:r>
+            <a:r>
+              <a:rPr/>
+              <a:t> </a:t>
+            </a:r>
+            <a:r>
+              <a:rPr/>
+              <a:t>be</a:t>
+            </a:r>
+            <a:r>
+              <a:rPr/>
+              <a:t> </a:t>
+            </a:r>
+            <a:r>
+              <a:rPr/>
+              <a:t>careful.</a:t>
+            </a:r>
+            <a:r>
+              <a:rPr/>
+              <a:t> </a:t>
+            </a:r>
+            <a:r>
+              <a:rPr/>
+              <a:t>Sometimes</a:t>
+            </a:r>
+            <a:r>
+              <a:rPr/>
+              <a:t> </a:t>
+            </a:r>
+            <a:r>
+              <a:rPr/>
+              <a:t>SAS</a:t>
+            </a:r>
+            <a:r>
+              <a:rPr/>
+              <a:t> </a:t>
+            </a:r>
+            <a:r>
+              <a:rPr/>
+              <a:t>retains</a:t>
+            </a:r>
+            <a:r>
+              <a:rPr/>
+              <a:t> </a:t>
+            </a:r>
+            <a:r>
+              <a:rPr/>
+              <a:t>the</a:t>
+            </a:r>
+            <a:r>
+              <a:rPr/>
+              <a:t> </a:t>
+            </a:r>
+            <a:r>
+              <a:rPr/>
+              <a:t>original</a:t>
+            </a:r>
+            <a:r>
+              <a:rPr/>
+              <a:t> </a:t>
+            </a:r>
+            <a:r>
+              <a:rPr/>
+              <a:t>name</a:t>
+            </a:r>
+            <a:r>
+              <a:rPr/>
+              <a:t> </a:t>
+            </a:r>
+            <a:r>
+              <a:rPr/>
+              <a:t>as</a:t>
+            </a:r>
+            <a:r>
+              <a:rPr/>
+              <a:t> </a:t>
+            </a:r>
+            <a:r>
+              <a:rPr/>
+              <a:t>the</a:t>
+            </a:r>
+            <a:r>
+              <a:rPr/>
+              <a:t> </a:t>
+            </a:r>
+            <a:r>
+              <a:rPr/>
+              <a:t>variable</a:t>
+            </a:r>
+            <a:r>
+              <a:rPr/>
+              <a:t> </a:t>
+            </a:r>
+            <a:r>
+              <a:rPr/>
+              <a:t>label.</a:t>
+            </a:r>
+            <a:r>
+              <a:rPr/>
+              <a:t> </a:t>
+            </a:r>
+            <a:r>
+              <a:rPr/>
+              <a:t>If</a:t>
+            </a:r>
+            <a:r>
+              <a:rPr/>
+              <a:t> </a:t>
+            </a:r>
+            <a:r>
+              <a:rPr/>
+              <a:t>you</a:t>
+            </a:r>
+            <a:r>
+              <a:rPr/>
+              <a:t> </a:t>
+            </a:r>
+            <a:r>
+              <a:rPr/>
+              <a:t>have</a:t>
+            </a:r>
+            <a:r>
+              <a:rPr/>
+              <a:t> </a:t>
+            </a:r>
+            <a:r>
+              <a:rPr/>
+              <a:t>trouble</a:t>
+            </a:r>
+            <a:r>
+              <a:rPr/>
+              <a:t> </a:t>
+            </a:r>
+            <a:r>
+              <a:rPr/>
+              <a:t>with</a:t>
+            </a:r>
+            <a:r>
+              <a:rPr/>
+              <a:t> </a:t>
+            </a:r>
+            <a:r>
+              <a:rPr/>
+              <a:t>renaming,</a:t>
+            </a:r>
+            <a:r>
+              <a:rPr/>
+              <a:t> </a:t>
+            </a:r>
+            <a:r>
+              <a:rPr/>
+              <a:t>you</a:t>
+            </a:r>
+            <a:r>
+              <a:rPr/>
+              <a:t> </a:t>
+            </a:r>
+            <a:r>
+              <a:rPr/>
+              <a:t>may</a:t>
+            </a:r>
+            <a:r>
+              <a:rPr/>
+              <a:t> </a:t>
+            </a:r>
+            <a:r>
+              <a:rPr/>
+              <a:t>want</a:t>
+            </a:r>
+            <a:r>
+              <a:rPr/>
+              <a:t> </a:t>
+            </a:r>
+            <a:r>
+              <a:rPr/>
+              <a:t>to</a:t>
+            </a:r>
+            <a:r>
+              <a:rPr/>
+              <a:t> </a:t>
+            </a:r>
+            <a:r>
+              <a:rPr/>
+              <a:t>do</a:t>
+            </a:r>
+            <a:r>
+              <a:rPr/>
+              <a:t> </a:t>
+            </a:r>
+            <a:r>
+              <a:rPr/>
+              <a:t>the</a:t>
+            </a:r>
+            <a:r>
+              <a:rPr/>
+              <a:t> </a:t>
+            </a:r>
+            <a:r>
+              <a:rPr/>
+              <a:t>renaming</a:t>
+            </a:r>
+            <a:r>
+              <a:rPr/>
+              <a:t> </a:t>
+            </a:r>
+            <a:r>
+              <a:rPr/>
+              <a:t>in</a:t>
+            </a:r>
+            <a:r>
+              <a:rPr/>
+              <a:t> </a:t>
+            </a:r>
+            <a:r>
+              <a:rPr/>
+              <a:t>SAS</a:t>
+            </a:r>
+            <a:r>
+              <a:rPr/>
+              <a:t> </a:t>
+            </a:r>
+            <a:r>
+              <a:rPr/>
+              <a:t>itself.</a:t>
+            </a:r>
+          </a:p>
+        </p:txBody>
+      </p:sp>
+      <p:sp>
+        <p:nvSpPr>
+          <p:cNvPr id="4" name="Slide Number Placeholder 3"/>
+          <p:cNvSpPr>
+            <a:spLocks noGrp="1"/>
+          </p:cNvSpPr>
+          <p:nvPr>
+            <p:ph type="sldNum" sz="quarter" idx="10"/>
+          </p:nvPr>
+        </p:nvSpPr>
+        <p:spPr/>
+        <p:txBody>
+          <a:bodyPr/>
+          <a:lstStyle/>
+          <a:p>
+            <a:fld id="{18BDFEC3-8487-43E8-A154-7C12CBC1FFF2}" type="slidenum">
+              <a:rPr lang="en-US"/>
+              <a:t>21</a:t>
+            </a:fld>
+            <a:endParaRPr lang="en-US"/>
+          </a:p>
+        </p:txBody>
+      </p:sp>
+    </p:spTree>
+  </p:cSld>
+</p:notes>
+</file>
+
+<file path=ppt/notesSlides/notesSlide15.xml><?xml version="1.0" encoding="utf-8"?>
+<p:notes xmlns:a="http://schemas.openxmlformats.org/drawingml/2006/main" xmlns:r="http://schemas.openxmlformats.org/officeDocument/2006/relationships" xmlns:p="http://schemas.openxmlformats.org/presentationml/2006/main">
+  <p:cSld>
+    <p:spTree>
+      <p:nvGrpSpPr>
+        <p:cNvPr id="1" name=""/>
+        <p:cNvGrpSpPr/>
+        <p:nvPr/>
+      </p:nvGrpSpPr>
+      <p:grpSpPr>
+        <a:xfrm>
+          <a:off x="0" y="0"/>
+          <a:ext cx="0" cy="0"/>
+          <a:chOff x="0" y="0"/>
+          <a:chExt cx="0" cy="0"/>
+        </a:xfrm>
+      </p:grpSpPr>
+      <p:sp>
+        <p:nvSpPr>
+          <p:cNvPr id="2" name="Slide Image Placeholder 1"/>
+          <p:cNvSpPr>
+            <a:spLocks noGrp="1" noRot="1" noChangeAspect="1"/>
+          </p:cNvSpPr>
+          <p:nvPr>
+            <p:ph type="sldImg"/>
+          </p:nvPr>
+        </p:nvSpPr>
+        <p:spPr/>
+      </p:sp>
+      <p:sp>
+        <p:nvSpPr>
+          <p:cNvPr id="3" name="Notes Placeholder 2"/>
+          <p:cNvSpPr>
+            <a:spLocks noGrp="1"/>
+          </p:cNvSpPr>
+          <p:nvPr>
+            <p:ph type="body" idx="1"/>
+          </p:nvPr>
+        </p:nvSpPr>
+        <p:spPr/>
+        <p:txBody>
+          <a:bodyPr/>
+          <a:lstStyle/>
+          <a:p>
+            <a:pPr lvl="0" marL="0" indent="0">
+              <a:buNone/>
+            </a:pPr>
+            <a:r>
+              <a:rPr/>
+              <a:t>Here’s</a:t>
+            </a:r>
+            <a:r>
+              <a:rPr/>
+              <a:t> </a:t>
+            </a:r>
+            <a:r>
+              <a:rPr/>
+              <a:t>what</a:t>
+            </a:r>
+            <a:r>
+              <a:rPr/>
+              <a:t> </a:t>
+            </a:r>
+            <a:r>
+              <a:rPr/>
+              <a:t>the</a:t>
+            </a:r>
+            <a:r>
+              <a:rPr/>
+              <a:t> </a:t>
+            </a:r>
+            <a:r>
+              <a:rPr/>
+              <a:t>output</a:t>
+            </a:r>
+            <a:r>
+              <a:rPr/>
+              <a:t> </a:t>
+            </a:r>
+            <a:r>
+              <a:rPr/>
+              <a:t>looks</a:t>
+            </a:r>
+            <a:r>
+              <a:rPr/>
+              <a:t> </a:t>
+            </a:r>
+            <a:r>
+              <a:rPr/>
+              <a:t>like.</a:t>
+            </a:r>
+          </a:p>
+        </p:txBody>
+      </p:sp>
+      <p:sp>
+        <p:nvSpPr>
+          <p:cNvPr id="4" name="Slide Number Placeholder 3"/>
+          <p:cNvSpPr>
+            <a:spLocks noGrp="1"/>
+          </p:cNvSpPr>
+          <p:nvPr>
+            <p:ph type="sldNum" sz="quarter" idx="10"/>
+          </p:nvPr>
+        </p:nvSpPr>
+        <p:spPr/>
+        <p:txBody>
+          <a:bodyPr/>
+          <a:lstStyle/>
+          <a:p>
+            <a:fld id="{18BDFEC3-8487-43E8-A154-7C12CBC1FFF2}" type="slidenum">
+              <a:rPr lang="en-US"/>
+              <a:t>22</a:t>
+            </a:fld>
+            <a:endParaRPr lang="en-US"/>
+          </a:p>
+        </p:txBody>
+      </p:sp>
+    </p:spTree>
+  </p:cSld>
+</p:notes>
+</file>
+
+<file path=ppt/notesSlides/notesSlide2.xml><?xml version="1.0" encoding="utf-8"?>
+<p:notes xmlns:a="http://schemas.openxmlformats.org/drawingml/2006/main" xmlns:r="http://schemas.openxmlformats.org/officeDocument/2006/relationships" xmlns:p="http://schemas.openxmlformats.org/presentationml/2006/main">
+  <p:cSld>
+    <p:spTree>
+      <p:nvGrpSpPr>
+        <p:cNvPr id="1" name=""/>
+        <p:cNvGrpSpPr/>
+        <p:nvPr/>
+      </p:nvGrpSpPr>
+      <p:grpSpPr>
+        <a:xfrm>
+          <a:off x="0" y="0"/>
+          <a:ext cx="0" cy="0"/>
+          <a:chOff x="0" y="0"/>
+          <a:chExt cx="0" cy="0"/>
+        </a:xfrm>
+      </p:grpSpPr>
+      <p:sp>
+        <p:nvSpPr>
+          <p:cNvPr id="2" name="Slide Image Placeholder 1"/>
+          <p:cNvSpPr>
+            <a:spLocks noGrp="1" noRot="1" noChangeAspect="1"/>
+          </p:cNvSpPr>
+          <p:nvPr>
+            <p:ph type="sldImg"/>
+          </p:nvPr>
+        </p:nvSpPr>
+        <p:spPr/>
+      </p:sp>
+      <p:sp>
+        <p:nvSpPr>
+          <p:cNvPr id="3" name="Notes Placeholder 2"/>
+          <p:cNvSpPr>
+            <a:spLocks noGrp="1"/>
+          </p:cNvSpPr>
+          <p:nvPr>
+            <p:ph type="body" idx="1"/>
+          </p:nvPr>
+        </p:nvSpPr>
+        <p:spPr/>
+        <p:txBody>
+          <a:bodyPr/>
+          <a:lstStyle/>
+          <a:p>
+            <a:pPr lvl="0" marL="0" indent="0">
+              <a:buNone/>
+            </a:pPr>
+            <a:r>
+              <a:rPr/>
+              <a:t>To</a:t>
+            </a:r>
+            <a:r>
+              <a:rPr/>
+              <a:t> </a:t>
+            </a:r>
+            <a:r>
+              <a:rPr/>
+              <a:t>select</a:t>
+            </a:r>
+            <a:r>
+              <a:rPr/>
+              <a:t> </a:t>
+            </a:r>
+            <a:r>
+              <a:rPr/>
+              <a:t>an</a:t>
+            </a:r>
+            <a:r>
+              <a:rPr/>
+              <a:t> </a:t>
+            </a:r>
+            <a:r>
+              <a:rPr/>
+              <a:t>entire</a:t>
+            </a:r>
+            <a:r>
+              <a:rPr/>
+              <a:t> </a:t>
+            </a:r>
+            <a:r>
+              <a:rPr/>
+              <a:t>table</a:t>
+            </a:r>
+            <a:r>
+              <a:rPr/>
+              <a:t> </a:t>
+            </a:r>
+            <a:r>
+              <a:rPr/>
+              <a:t>in</a:t>
+            </a:r>
+            <a:r>
+              <a:rPr/>
+              <a:t> </a:t>
+            </a:r>
+            <a:r>
+              <a:rPr/>
+              <a:t>SQL</a:t>
+            </a:r>
+            <a:r>
+              <a:rPr/>
+              <a:t> </a:t>
+            </a:r>
+            <a:r>
+              <a:rPr/>
+              <a:t>use</a:t>
+            </a:r>
+            <a:r>
+              <a:rPr/>
+              <a:t> </a:t>
+            </a:r>
+            <a:r>
+              <a:rPr/>
+              <a:t>the</a:t>
+            </a:r>
+            <a:r>
+              <a:rPr/>
+              <a:t> </a:t>
+            </a:r>
+            <a:r>
+              <a:rPr/>
+              <a:t>wild</a:t>
+            </a:r>
+            <a:r>
+              <a:rPr/>
+              <a:t> </a:t>
+            </a:r>
+            <a:r>
+              <a:rPr/>
+              <a:t>card</a:t>
+            </a:r>
+            <a:r>
+              <a:rPr/>
+              <a:t> </a:t>
+            </a:r>
+            <a:r>
+              <a:rPr/>
+              <a:t>symbol,</a:t>
+            </a:r>
+            <a:r>
+              <a:rPr/>
+              <a:t> </a:t>
+            </a:r>
+            <a:r>
+              <a:rPr/>
+              <a:t>asterisk.</a:t>
+            </a:r>
+            <a:r>
+              <a:rPr/>
+              <a:t> </a:t>
+            </a:r>
+            <a:r>
+              <a:rPr/>
+              <a:t>If</a:t>
+            </a:r>
+            <a:r>
+              <a:rPr/>
+              <a:t> </a:t>
+            </a:r>
+            <a:r>
+              <a:rPr/>
+              <a:t>you</a:t>
+            </a:r>
+            <a:r>
+              <a:rPr/>
+              <a:t> </a:t>
+            </a:r>
+            <a:r>
+              <a:rPr/>
+              <a:t>are</a:t>
+            </a:r>
+            <a:r>
+              <a:rPr/>
+              <a:t> </a:t>
+            </a:r>
+            <a:r>
+              <a:rPr/>
+              <a:t>working</a:t>
+            </a:r>
+            <a:r>
+              <a:rPr/>
+              <a:t> </a:t>
+            </a:r>
+            <a:r>
+              <a:rPr/>
+              <a:t>directly</a:t>
+            </a:r>
+            <a:r>
+              <a:rPr/>
+              <a:t> </a:t>
+            </a:r>
+            <a:r>
+              <a:rPr/>
+              <a:t>with</a:t>
+            </a:r>
+            <a:r>
+              <a:rPr/>
+              <a:t> </a:t>
+            </a:r>
+            <a:r>
+              <a:rPr/>
+              <a:t>your</a:t>
+            </a:r>
+            <a:r>
+              <a:rPr/>
+              <a:t> </a:t>
+            </a:r>
+            <a:r>
+              <a:rPr/>
+              <a:t>database,</a:t>
+            </a:r>
+            <a:r>
+              <a:rPr/>
+              <a:t> </a:t>
+            </a:r>
+            <a:r>
+              <a:rPr/>
+              <a:t>you</a:t>
+            </a:r>
+            <a:r>
+              <a:rPr/>
+              <a:t> </a:t>
+            </a:r>
+            <a:r>
+              <a:rPr/>
+              <a:t>do</a:t>
+            </a:r>
+            <a:r>
+              <a:rPr/>
+              <a:t> </a:t>
+            </a:r>
+            <a:r>
+              <a:rPr/>
+              <a:t>not</a:t>
+            </a:r>
+            <a:r>
+              <a:rPr/>
+              <a:t> </a:t>
+            </a:r>
+            <a:r>
+              <a:rPr/>
+              <a:t>need</a:t>
+            </a:r>
+            <a:r>
+              <a:rPr/>
+              <a:t> </a:t>
+            </a:r>
+            <a:r>
+              <a:rPr/>
+              <a:t>any</a:t>
+            </a:r>
+            <a:r>
+              <a:rPr/>
+              <a:t> </a:t>
+            </a:r>
+            <a:r>
+              <a:rPr/>
+              <a:t>extra</a:t>
+            </a:r>
+            <a:r>
+              <a:rPr/>
+              <a:t> </a:t>
+            </a:r>
+            <a:r>
+              <a:rPr/>
+              <a:t>code,</a:t>
+            </a:r>
+            <a:r>
+              <a:rPr/>
+              <a:t> </a:t>
+            </a:r>
+            <a:r>
+              <a:rPr/>
+              <a:t>but</a:t>
+            </a:r>
+            <a:r>
+              <a:rPr/>
+              <a:t> </a:t>
+            </a:r>
+            <a:r>
+              <a:rPr/>
+              <a:t>in</a:t>
+            </a:r>
+            <a:r>
+              <a:rPr/>
+              <a:t> </a:t>
+            </a:r>
+            <a:r>
+              <a:rPr/>
+              <a:t>R</a:t>
+            </a:r>
+            <a:r>
+              <a:rPr/>
+              <a:t> </a:t>
+            </a:r>
+            <a:r>
+              <a:rPr/>
+              <a:t>and</a:t>
+            </a:r>
+            <a:r>
+              <a:rPr/>
+              <a:t> </a:t>
+            </a:r>
+            <a:r>
+              <a:rPr/>
+              <a:t>SAS</a:t>
+            </a:r>
+            <a:r>
+              <a:rPr/>
+              <a:t> </a:t>
+            </a:r>
+            <a:r>
+              <a:rPr/>
+              <a:t>there’s</a:t>
+            </a:r>
+            <a:r>
+              <a:rPr/>
+              <a:t> </a:t>
+            </a:r>
+            <a:r>
+              <a:rPr/>
+              <a:t>just</a:t>
+            </a:r>
+            <a:r>
+              <a:rPr/>
+              <a:t> </a:t>
+            </a:r>
+            <a:r>
+              <a:rPr/>
+              <a:t>a</a:t>
+            </a:r>
+            <a:r>
+              <a:rPr/>
+              <a:t> </a:t>
+            </a:r>
+            <a:r>
+              <a:rPr/>
+              <a:t>bit</a:t>
+            </a:r>
+            <a:r>
+              <a:rPr/>
+              <a:t> </a:t>
+            </a:r>
+            <a:r>
+              <a:rPr/>
+              <a:t>more</a:t>
+            </a:r>
+            <a:r>
+              <a:rPr/>
+              <a:t> </a:t>
+            </a:r>
+            <a:r>
+              <a:rPr/>
+              <a:t>to</a:t>
+            </a:r>
+            <a:r>
+              <a:rPr/>
+              <a:t> </a:t>
+            </a:r>
+            <a:r>
+              <a:rPr/>
+              <a:t>it.</a:t>
+            </a:r>
+          </a:p>
+        </p:txBody>
+      </p:sp>
+      <p:sp>
+        <p:nvSpPr>
+          <p:cNvPr id="4" name="Slide Number Placeholder 3"/>
+          <p:cNvSpPr>
+            <a:spLocks noGrp="1"/>
+          </p:cNvSpPr>
+          <p:nvPr>
+            <p:ph type="sldNum" sz="quarter" idx="10"/>
+          </p:nvPr>
+        </p:nvSpPr>
+        <p:spPr/>
+        <p:txBody>
+          <a:bodyPr/>
+          <a:lstStyle/>
+          <a:p>
+            <a:fld id="{18BDFEC3-8487-43E8-A154-7C12CBC1FFF2}" type="slidenum">
+              <a:rPr lang="en-US"/>
+              <a:t>3</a:t>
+            </a:fld>
+            <a:endParaRPr lang="en-US"/>
+          </a:p>
+        </p:txBody>
+      </p:sp>
+    </p:spTree>
+  </p:cSld>
+</p:notes>
+</file>
+
+<file path=ppt/notesSlides/notesSlide3.xml><?xml version="1.0" encoding="utf-8"?>
+<p:notes xmlns:a="http://schemas.openxmlformats.org/drawingml/2006/main" xmlns:r="http://schemas.openxmlformats.org/officeDocument/2006/relationships" xmlns:p="http://schemas.openxmlformats.org/presentationml/2006/main">
+  <p:cSld>
+    <p:spTree>
+      <p:nvGrpSpPr>
+        <p:cNvPr id="1" name=""/>
+        <p:cNvGrpSpPr/>
+        <p:nvPr/>
+      </p:nvGrpSpPr>
+      <p:grpSpPr>
+        <a:xfrm>
+          <a:off x="0" y="0"/>
+          <a:ext cx="0" cy="0"/>
+          <a:chOff x="0" y="0"/>
+          <a:chExt cx="0" cy="0"/>
+        </a:xfrm>
+      </p:grpSpPr>
+      <p:sp>
+        <p:nvSpPr>
+          <p:cNvPr id="2" name="Slide Image Placeholder 1"/>
+          <p:cNvSpPr>
+            <a:spLocks noGrp="1" noRot="1" noChangeAspect="1"/>
+          </p:cNvSpPr>
+          <p:nvPr>
+            <p:ph type="sldImg"/>
+          </p:nvPr>
+        </p:nvSpPr>
+        <p:spPr/>
+      </p:sp>
+      <p:sp>
+        <p:nvSpPr>
+          <p:cNvPr id="3" name="Notes Placeholder 2"/>
+          <p:cNvSpPr>
+            <a:spLocks noGrp="1"/>
+          </p:cNvSpPr>
+          <p:nvPr>
+            <p:ph type="body" idx="1"/>
+          </p:nvPr>
+        </p:nvSpPr>
+        <p:spPr/>
+        <p:txBody>
+          <a:bodyPr/>
+          <a:lstStyle/>
+          <a:p>
+            <a:pPr lvl="0" marL="0" indent="0">
+              <a:buNone/>
+            </a:pPr>
+            <a:r>
+              <a:rPr/>
+              <a:t>In</a:t>
+            </a:r>
+            <a:r>
+              <a:rPr/>
+              <a:t> </a:t>
+            </a:r>
+            <a:r>
+              <a:rPr/>
+              <a:t>R,</a:t>
+            </a:r>
+            <a:r>
+              <a:rPr/>
+              <a:t> </a:t>
+            </a:r>
+            <a:r>
+              <a:rPr/>
+              <a:t>you</a:t>
+            </a:r>
+            <a:r>
+              <a:rPr/>
+              <a:t> </a:t>
+            </a:r>
+            <a:r>
+              <a:rPr/>
+              <a:t>need</a:t>
+            </a:r>
+            <a:r>
+              <a:rPr/>
+              <a:t> </a:t>
+            </a:r>
+            <a:r>
+              <a:rPr/>
+              <a:t>a</a:t>
+            </a:r>
+            <a:r>
+              <a:rPr/>
+              <a:t> </a:t>
+            </a:r>
+            <a:r>
+              <a:rPr/>
+              <a:t>third</a:t>
+            </a:r>
+            <a:r>
+              <a:rPr/>
+              <a:t> </a:t>
+            </a:r>
+            <a:r>
+              <a:rPr/>
+              <a:t>party</a:t>
+            </a:r>
+            <a:r>
+              <a:rPr/>
+              <a:t> </a:t>
+            </a:r>
+            <a:r>
+              <a:rPr/>
+              <a:t>extension.</a:t>
+            </a:r>
+            <a:r>
+              <a:rPr/>
+              <a:t> </a:t>
+            </a:r>
+            <a:r>
+              <a:rPr/>
+              <a:t>There</a:t>
+            </a:r>
+            <a:r>
+              <a:rPr/>
+              <a:t> </a:t>
+            </a:r>
+            <a:r>
+              <a:rPr/>
+              <a:t>are</a:t>
+            </a:r>
+            <a:r>
+              <a:rPr/>
+              <a:t> </a:t>
+            </a:r>
+            <a:r>
+              <a:rPr/>
+              <a:t>several</a:t>
+            </a:r>
+            <a:r>
+              <a:rPr/>
+              <a:t> </a:t>
+            </a:r>
+            <a:r>
+              <a:rPr/>
+              <a:t>that</a:t>
+            </a:r>
+            <a:r>
+              <a:rPr/>
+              <a:t> </a:t>
+            </a:r>
+            <a:r>
+              <a:rPr/>
+              <a:t>will</a:t>
+            </a:r>
+            <a:r>
+              <a:rPr/>
+              <a:t> </a:t>
+            </a:r>
+            <a:r>
+              <a:rPr/>
+              <a:t>work.</a:t>
+            </a:r>
+            <a:r>
+              <a:rPr/>
+              <a:t> </a:t>
+            </a:r>
+            <a:r>
+              <a:rPr/>
+              <a:t>I’ve</a:t>
+            </a:r>
+            <a:r>
+              <a:rPr/>
+              <a:t> </a:t>
+            </a:r>
+            <a:r>
+              <a:rPr/>
+              <a:t>had</a:t>
+            </a:r>
+            <a:r>
+              <a:rPr/>
+              <a:t> </a:t>
+            </a:r>
+            <a:r>
+              <a:rPr/>
+              <a:t>pretty</a:t>
+            </a:r>
+            <a:r>
+              <a:rPr/>
+              <a:t> </a:t>
+            </a:r>
+            <a:r>
+              <a:rPr/>
+              <a:t>good</a:t>
+            </a:r>
+            <a:r>
+              <a:rPr/>
+              <a:t> </a:t>
+            </a:r>
+            <a:r>
+              <a:rPr/>
+              <a:t>luck</a:t>
+            </a:r>
+            <a:r>
+              <a:rPr/>
+              <a:t> </a:t>
+            </a:r>
+            <a:r>
+              <a:rPr/>
+              <a:t>with</a:t>
+            </a:r>
+            <a:r>
+              <a:rPr/>
+              <a:t> </a:t>
+            </a:r>
+            <a:r>
+              <a:rPr/>
+              <a:t>the</a:t>
+            </a:r>
+            <a:r>
+              <a:rPr/>
+              <a:t> </a:t>
+            </a:r>
+            <a:r>
+              <a:rPr/>
+              <a:t>sqldf</a:t>
+            </a:r>
+            <a:r>
+              <a:rPr/>
+              <a:t> </a:t>
+            </a:r>
+            <a:r>
+              <a:rPr/>
+              <a:t>library.</a:t>
+            </a:r>
+            <a:r>
+              <a:rPr/>
+              <a:t> </a:t>
+            </a:r>
+            <a:r>
+              <a:rPr/>
+              <a:t>There</a:t>
+            </a:r>
+            <a:r>
+              <a:rPr/>
+              <a:t> </a:t>
+            </a:r>
+            <a:r>
+              <a:rPr/>
+              <a:t>is</a:t>
+            </a:r>
+            <a:r>
+              <a:rPr/>
+              <a:t> </a:t>
+            </a:r>
+            <a:r>
+              <a:rPr/>
+              <a:t>a</a:t>
+            </a:r>
+            <a:r>
+              <a:rPr/>
+              <a:t> </a:t>
+            </a:r>
+            <a:r>
+              <a:rPr/>
+              <a:t>generic</a:t>
+            </a:r>
+            <a:r>
+              <a:rPr/>
+              <a:t> </a:t>
+            </a:r>
+            <a:r>
+              <a:rPr/>
+              <a:t>library</a:t>
+            </a:r>
+            <a:r>
+              <a:rPr/>
+              <a:t> </a:t>
+            </a:r>
+            <a:r>
+              <a:rPr/>
+              <a:t>dbi</a:t>
+            </a:r>
+            <a:r>
+              <a:rPr/>
+              <a:t> </a:t>
+            </a:r>
+            <a:r>
+              <a:rPr/>
+              <a:t>and</a:t>
+            </a:r>
+            <a:r>
+              <a:rPr/>
+              <a:t> </a:t>
+            </a:r>
+            <a:r>
+              <a:rPr/>
+              <a:t>an</a:t>
+            </a:r>
+            <a:r>
+              <a:rPr/>
+              <a:t> </a:t>
+            </a:r>
+            <a:r>
+              <a:rPr/>
+              <a:t>extension</a:t>
+            </a:r>
+            <a:r>
+              <a:rPr/>
+              <a:t> </a:t>
+            </a:r>
+            <a:r>
+              <a:rPr/>
+              <a:t>to</a:t>
+            </a:r>
+            <a:r>
+              <a:rPr/>
+              <a:t> </a:t>
+            </a:r>
+            <a:r>
+              <a:rPr/>
+              <a:t>Oracle</a:t>
+            </a:r>
+            <a:r>
+              <a:rPr/>
+              <a:t> </a:t>
+            </a:r>
+            <a:r>
+              <a:rPr/>
+              <a:t>called</a:t>
+            </a:r>
+            <a:r>
+              <a:rPr/>
+              <a:t> </a:t>
+            </a:r>
+            <a:r>
+              <a:rPr/>
+              <a:t>ROracle.</a:t>
+            </a:r>
+          </a:p>
+          <a:p>
+            <a:pPr lvl="0" marL="0" indent="0">
+              <a:buNone/>
+            </a:pPr>
+          </a:p>
+          <a:p>
+            <a:pPr lvl="0" marL="0" indent="0">
+              <a:buNone/>
+            </a:pPr>
+            <a:r>
+              <a:rPr/>
+              <a:t>You</a:t>
+            </a:r>
+            <a:r>
+              <a:rPr/>
+              <a:t> </a:t>
+            </a:r>
+            <a:r>
+              <a:rPr/>
+              <a:t>also</a:t>
+            </a:r>
+            <a:r>
+              <a:rPr/>
+              <a:t> </a:t>
+            </a:r>
+            <a:r>
+              <a:rPr/>
+              <a:t>need</a:t>
+            </a:r>
+            <a:r>
+              <a:rPr/>
+              <a:t> </a:t>
+            </a:r>
+            <a:r>
+              <a:rPr/>
+              <a:t>to</a:t>
+            </a:r>
+            <a:r>
+              <a:rPr/>
+              <a:t> </a:t>
+            </a:r>
+            <a:r>
+              <a:rPr/>
+              <a:t>connect</a:t>
+            </a:r>
+            <a:r>
+              <a:rPr/>
+              <a:t> </a:t>
+            </a:r>
+            <a:r>
+              <a:rPr/>
+              <a:t>to</a:t>
+            </a:r>
+            <a:r>
+              <a:rPr/>
+              <a:t> </a:t>
+            </a:r>
+            <a:r>
+              <a:rPr/>
+              <a:t>the</a:t>
+            </a:r>
+            <a:r>
+              <a:rPr/>
+              <a:t> </a:t>
+            </a:r>
+            <a:r>
+              <a:rPr/>
+              <a:t>database</a:t>
+            </a:r>
+            <a:r>
+              <a:rPr/>
+              <a:t> </a:t>
+            </a:r>
+            <a:r>
+              <a:rPr/>
+              <a:t>before</a:t>
+            </a:r>
+            <a:r>
+              <a:rPr/>
+              <a:t> </a:t>
+            </a:r>
+            <a:r>
+              <a:rPr/>
+              <a:t>you</a:t>
+            </a:r>
+            <a:r>
+              <a:rPr/>
+              <a:t> </a:t>
+            </a:r>
+            <a:r>
+              <a:rPr/>
+              <a:t>can</a:t>
+            </a:r>
+            <a:r>
+              <a:rPr/>
+              <a:t> </a:t>
+            </a:r>
+            <a:r>
+              <a:rPr/>
+              <a:t>extract</a:t>
+            </a:r>
+            <a:r>
+              <a:rPr/>
+              <a:t> </a:t>
+            </a:r>
+            <a:r>
+              <a:rPr/>
+              <a:t>any</a:t>
+            </a:r>
+            <a:r>
+              <a:rPr/>
+              <a:t> </a:t>
+            </a:r>
+            <a:r>
+              <a:rPr/>
+              <a:t>information.</a:t>
+            </a:r>
+            <a:r>
+              <a:rPr/>
+              <a:t> </a:t>
+            </a:r>
+            <a:r>
+              <a:rPr/>
+              <a:t>use</a:t>
+            </a:r>
+            <a:r>
+              <a:rPr/>
+              <a:t> </a:t>
+            </a:r>
+            <a:r>
+              <a:rPr/>
+              <a:t>the</a:t>
+            </a:r>
+            <a:r>
+              <a:rPr/>
+              <a:t> </a:t>
+            </a:r>
+            <a:r>
+              <a:rPr/>
+              <a:t>dbConnect</a:t>
+            </a:r>
+            <a:r>
+              <a:rPr/>
+              <a:t> </a:t>
+            </a:r>
+            <a:r>
+              <a:rPr/>
+              <a:t>function</a:t>
+            </a:r>
+            <a:r>
+              <a:rPr/>
+              <a:t> </a:t>
+            </a:r>
+            <a:r>
+              <a:rPr/>
+              <a:t>for</a:t>
+            </a:r>
+            <a:r>
+              <a:rPr/>
+              <a:t> </a:t>
+            </a:r>
+            <a:r>
+              <a:rPr/>
+              <a:t>this.</a:t>
+            </a:r>
+            <a:r>
+              <a:rPr/>
+              <a:t> </a:t>
+            </a:r>
+            <a:r>
+              <a:rPr/>
+              <a:t>For</a:t>
+            </a:r>
+            <a:r>
+              <a:rPr/>
+              <a:t> </a:t>
+            </a:r>
+            <a:r>
+              <a:rPr/>
+              <a:t>a</a:t>
+            </a:r>
+            <a:r>
+              <a:rPr/>
+              <a:t> </a:t>
+            </a:r>
+            <a:r>
+              <a:rPr/>
+              <a:t>password</a:t>
+            </a:r>
+            <a:r>
+              <a:rPr/>
+              <a:t> </a:t>
+            </a:r>
+            <a:r>
+              <a:rPr/>
+              <a:t>protected</a:t>
+            </a:r>
+            <a:r>
+              <a:rPr/>
+              <a:t> </a:t>
+            </a:r>
+            <a:r>
+              <a:rPr/>
+              <a:t>database,</a:t>
+            </a:r>
+            <a:r>
+              <a:rPr/>
+              <a:t> </a:t>
+            </a:r>
+            <a:r>
+              <a:rPr/>
+              <a:t>you</a:t>
+            </a:r>
+            <a:r>
+              <a:rPr/>
+              <a:t> </a:t>
+            </a:r>
+            <a:r>
+              <a:rPr/>
+              <a:t>would</a:t>
+            </a:r>
+            <a:r>
+              <a:rPr/>
+              <a:t> </a:t>
+            </a:r>
+            <a:r>
+              <a:rPr/>
+              <a:t>need</a:t>
+            </a:r>
+            <a:r>
+              <a:rPr/>
+              <a:t> </a:t>
+            </a:r>
+            <a:r>
+              <a:rPr/>
+              <a:t>extra</a:t>
+            </a:r>
+            <a:r>
+              <a:rPr/>
+              <a:t> </a:t>
+            </a:r>
+            <a:r>
+              <a:rPr/>
+              <a:t>arguments</a:t>
+            </a:r>
+            <a:r>
+              <a:rPr/>
+              <a:t> </a:t>
+            </a:r>
+            <a:r>
+              <a:rPr/>
+              <a:t>for</a:t>
+            </a:r>
+            <a:r>
+              <a:rPr/>
+              <a:t> </a:t>
+            </a:r>
+            <a:r>
+              <a:rPr/>
+              <a:t>the</a:t>
+            </a:r>
+            <a:r>
+              <a:rPr/>
+              <a:t> </a:t>
+            </a:r>
+            <a:r>
+              <a:rPr/>
+              <a:t>user</a:t>
+            </a:r>
+            <a:r>
+              <a:rPr/>
+              <a:t> </a:t>
+            </a:r>
+            <a:r>
+              <a:rPr/>
+              <a:t>name</a:t>
+            </a:r>
+            <a:r>
+              <a:rPr/>
+              <a:t> </a:t>
+            </a:r>
+            <a:r>
+              <a:rPr/>
+              <a:t>and</a:t>
+            </a:r>
+            <a:r>
+              <a:rPr/>
+              <a:t> </a:t>
+            </a:r>
+            <a:r>
+              <a:rPr/>
+              <a:t>password.</a:t>
+            </a:r>
+          </a:p>
+          <a:p>
+            <a:pPr lvl="0" marL="0" indent="0">
+              <a:buNone/>
+            </a:pPr>
+          </a:p>
+          <a:p>
+            <a:pPr lvl="0" marL="0" indent="0">
+              <a:buNone/>
+            </a:pPr>
+            <a:r>
+              <a:rPr/>
+              <a:t>Finally,</a:t>
+            </a:r>
+            <a:r>
+              <a:rPr/>
+              <a:t> </a:t>
+            </a:r>
+            <a:r>
+              <a:rPr/>
+              <a:t>enclose</a:t>
+            </a:r>
+            <a:r>
+              <a:rPr/>
+              <a:t> </a:t>
+            </a:r>
+            <a:r>
+              <a:rPr/>
+              <a:t>your</a:t>
+            </a:r>
+            <a:r>
+              <a:rPr/>
+              <a:t> </a:t>
+            </a:r>
+            <a:r>
+              <a:rPr/>
+              <a:t>SQL</a:t>
+            </a:r>
+            <a:r>
+              <a:rPr/>
+              <a:t> </a:t>
+            </a:r>
+            <a:r>
+              <a:rPr/>
+              <a:t>code</a:t>
+            </a:r>
+            <a:r>
+              <a:rPr/>
+              <a:t> </a:t>
+            </a:r>
+            <a:r>
+              <a:rPr/>
+              <a:t>in</a:t>
+            </a:r>
+            <a:r>
+              <a:rPr/>
+              <a:t> </a:t>
+            </a:r>
+            <a:r>
+              <a:rPr/>
+              <a:t>quotes</a:t>
+            </a:r>
+            <a:r>
+              <a:rPr/>
+              <a:t> </a:t>
+            </a:r>
+            <a:r>
+              <a:rPr/>
+              <a:t>and</a:t>
+            </a:r>
+            <a:r>
+              <a:rPr/>
+              <a:t> </a:t>
+            </a:r>
+            <a:r>
+              <a:rPr/>
+              <a:t>pass</a:t>
+            </a:r>
+            <a:r>
+              <a:rPr/>
+              <a:t> </a:t>
+            </a:r>
+            <a:r>
+              <a:rPr/>
+              <a:t>it</a:t>
+            </a:r>
+            <a:r>
+              <a:rPr/>
+              <a:t> </a:t>
+            </a:r>
+            <a:r>
+              <a:rPr/>
+              <a:t>to</a:t>
+            </a:r>
+            <a:r>
+              <a:rPr/>
+              <a:t> </a:t>
+            </a:r>
+            <a:r>
+              <a:rPr/>
+              <a:t>the</a:t>
+            </a:r>
+            <a:r>
+              <a:rPr/>
+              <a:t> </a:t>
+            </a:r>
+            <a:r>
+              <a:rPr/>
+              <a:t>dbGetQuery</a:t>
+            </a:r>
+            <a:r>
+              <a:rPr/>
+              <a:t> </a:t>
+            </a:r>
+            <a:r>
+              <a:rPr/>
+              <a:t>function.</a:t>
+            </a:r>
+            <a:r>
+              <a:rPr/>
+              <a:t> </a:t>
+            </a:r>
+            <a:r>
+              <a:rPr/>
+              <a:t>This</a:t>
+            </a:r>
+            <a:r>
+              <a:rPr/>
+              <a:t> </a:t>
+            </a:r>
+            <a:r>
+              <a:rPr/>
+              <a:t>function</a:t>
+            </a:r>
+            <a:r>
+              <a:rPr/>
+              <a:t> </a:t>
+            </a:r>
+            <a:r>
+              <a:rPr/>
+              <a:t>produces</a:t>
+            </a:r>
+            <a:r>
+              <a:rPr/>
+              <a:t> </a:t>
+            </a:r>
+            <a:r>
+              <a:rPr/>
+              <a:t>a</a:t>
+            </a:r>
+            <a:r>
+              <a:rPr/>
+              <a:t> </a:t>
+            </a:r>
+            <a:r>
+              <a:rPr/>
+              <a:t>data</a:t>
+            </a:r>
+            <a:r>
+              <a:rPr/>
+              <a:t> </a:t>
+            </a:r>
+            <a:r>
+              <a:rPr/>
+              <a:t>frame</a:t>
+            </a:r>
+            <a:r>
+              <a:rPr/>
+              <a:t> </a:t>
+            </a:r>
+            <a:r>
+              <a:rPr/>
+              <a:t>which</a:t>
+            </a:r>
+            <a:r>
+              <a:rPr/>
+              <a:t> </a:t>
+            </a:r>
+            <a:r>
+              <a:rPr/>
+              <a:t>I</a:t>
+            </a:r>
+            <a:r>
+              <a:rPr/>
+              <a:t> </a:t>
+            </a:r>
+            <a:r>
+              <a:rPr/>
+              <a:t>have</a:t>
+            </a:r>
+            <a:r>
+              <a:rPr/>
+              <a:t> </a:t>
+            </a:r>
+            <a:r>
+              <a:rPr/>
+              <a:t>stored</a:t>
+            </a:r>
+            <a:r>
+              <a:rPr/>
+              <a:t> </a:t>
+            </a:r>
+            <a:r>
+              <a:rPr/>
+              <a:t>in</a:t>
+            </a:r>
+            <a:r>
+              <a:rPr/>
+              <a:t> </a:t>
+            </a:r>
+            <a:r>
+              <a:rPr/>
+              <a:t>airlines_data.</a:t>
+            </a:r>
+          </a:p>
+        </p:txBody>
+      </p:sp>
+      <p:sp>
+        <p:nvSpPr>
+          <p:cNvPr id="4" name="Slide Number Placeholder 3"/>
+          <p:cNvSpPr>
+            <a:spLocks noGrp="1"/>
+          </p:cNvSpPr>
+          <p:nvPr>
+            <p:ph type="sldNum" sz="quarter" idx="10"/>
+          </p:nvPr>
+        </p:nvSpPr>
+        <p:spPr/>
+        <p:txBody>
+          <a:bodyPr/>
+          <a:lstStyle/>
+          <a:p>
+            <a:fld id="{18BDFEC3-8487-43E8-A154-7C12CBC1FFF2}" type="slidenum">
+              <a:rPr lang="en-US"/>
+              <a:t>4</a:t>
+            </a:fld>
+            <a:endParaRPr lang="en-US"/>
+          </a:p>
+        </p:txBody>
+      </p:sp>
+    </p:spTree>
+  </p:cSld>
+</p:notes>
+</file>
+
+<file path=ppt/notesSlides/notesSlide4.xml><?xml version="1.0" encoding="utf-8"?>
+<p:notes xmlns:a="http://schemas.openxmlformats.org/drawingml/2006/main" xmlns:r="http://schemas.openxmlformats.org/officeDocument/2006/relationships" xmlns:p="http://schemas.openxmlformats.org/presentationml/2006/main">
+  <p:cSld>
+    <p:spTree>
+      <p:nvGrpSpPr>
+        <p:cNvPr id="1" name=""/>
+        <p:cNvGrpSpPr/>
+        <p:nvPr/>
+      </p:nvGrpSpPr>
+      <p:grpSpPr>
+        <a:xfrm>
+          <a:off x="0" y="0"/>
+          <a:ext cx="0" cy="0"/>
+          <a:chOff x="0" y="0"/>
+          <a:chExt cx="0" cy="0"/>
+        </a:xfrm>
+      </p:grpSpPr>
+      <p:sp>
+        <p:nvSpPr>
+          <p:cNvPr id="2" name="Slide Image Placeholder 1"/>
+          <p:cNvSpPr>
+            <a:spLocks noGrp="1" noRot="1" noChangeAspect="1"/>
+          </p:cNvSpPr>
+          <p:nvPr>
+            <p:ph type="sldImg"/>
+          </p:nvPr>
+        </p:nvSpPr>
+        <p:spPr/>
+      </p:sp>
+      <p:sp>
+        <p:nvSpPr>
+          <p:cNvPr id="3" name="Notes Placeholder 2"/>
+          <p:cNvSpPr>
+            <a:spLocks noGrp="1"/>
+          </p:cNvSpPr>
+          <p:nvPr>
+            <p:ph type="body" idx="1"/>
+          </p:nvPr>
+        </p:nvSpPr>
+        <p:spPr/>
+        <p:txBody>
+          <a:bodyPr/>
+          <a:lstStyle/>
+          <a:p>
+            <a:pPr lvl="0" marL="0" indent="0">
+              <a:buNone/>
+            </a:pPr>
+            <a:r>
+              <a:rPr/>
+              <a:t>Here’s</a:t>
+            </a:r>
+            <a:r>
+              <a:rPr/>
+              <a:t> </a:t>
+            </a:r>
+            <a:r>
+              <a:rPr/>
+              <a:t>what</a:t>
+            </a:r>
+            <a:r>
+              <a:rPr/>
+              <a:t> </a:t>
+            </a:r>
+            <a:r>
+              <a:rPr/>
+              <a:t>the</a:t>
+            </a:r>
+            <a:r>
+              <a:rPr/>
+              <a:t> </a:t>
+            </a:r>
+            <a:r>
+              <a:rPr/>
+              <a:t>data</a:t>
+            </a:r>
+            <a:r>
+              <a:rPr/>
+              <a:t> </a:t>
+            </a:r>
+            <a:r>
+              <a:rPr/>
+              <a:t>frame</a:t>
+            </a:r>
+            <a:r>
+              <a:rPr/>
+              <a:t> </a:t>
+            </a:r>
+            <a:r>
+              <a:rPr/>
+              <a:t>looks</a:t>
+            </a:r>
+            <a:r>
+              <a:rPr/>
+              <a:t> </a:t>
+            </a:r>
+            <a:r>
+              <a:rPr/>
+              <a:t>like.</a:t>
+            </a:r>
+          </a:p>
+        </p:txBody>
+      </p:sp>
+      <p:sp>
+        <p:nvSpPr>
+          <p:cNvPr id="4" name="Slide Number Placeholder 3"/>
+          <p:cNvSpPr>
+            <a:spLocks noGrp="1"/>
+          </p:cNvSpPr>
+          <p:nvPr>
+            <p:ph type="sldNum" sz="quarter" idx="10"/>
+          </p:nvPr>
+        </p:nvSpPr>
+        <p:spPr/>
+        <p:txBody>
+          <a:bodyPr/>
+          <a:lstStyle/>
+          <a:p>
+            <a:fld id="{18BDFEC3-8487-43E8-A154-7C12CBC1FFF2}" type="slidenum">
+              <a:rPr lang="en-US"/>
+              <a:t>5</a:t>
+            </a:fld>
+            <a:endParaRPr lang="en-US"/>
+          </a:p>
+        </p:txBody>
+      </p:sp>
+    </p:spTree>
+  </p:cSld>
+</p:notes>
+</file>
+
+<file path=ppt/notesSlides/notesSlide5.xml><?xml version="1.0" encoding="utf-8"?>
+<p:notes xmlns:a="http://schemas.openxmlformats.org/drawingml/2006/main" xmlns:r="http://schemas.openxmlformats.org/officeDocument/2006/relationships" xmlns:p="http://schemas.openxmlformats.org/presentationml/2006/main">
+  <p:cSld>
+    <p:spTree>
+      <p:nvGrpSpPr>
+        <p:cNvPr id="1" name=""/>
+        <p:cNvGrpSpPr/>
+        <p:nvPr/>
+      </p:nvGrpSpPr>
+      <p:grpSpPr>
+        <a:xfrm>
+          <a:off x="0" y="0"/>
+          <a:ext cx="0" cy="0"/>
+          <a:chOff x="0" y="0"/>
+          <a:chExt cx="0" cy="0"/>
+        </a:xfrm>
+      </p:grpSpPr>
+      <p:sp>
+        <p:nvSpPr>
+          <p:cNvPr id="2" name="Slide Image Placeholder 1"/>
+          <p:cNvSpPr>
+            <a:spLocks noGrp="1" noRot="1" noChangeAspect="1"/>
+          </p:cNvSpPr>
+          <p:nvPr>
+            <p:ph type="sldImg"/>
+          </p:nvPr>
+        </p:nvSpPr>
+        <p:spPr/>
+      </p:sp>
+      <p:sp>
+        <p:nvSpPr>
+          <p:cNvPr id="3" name="Notes Placeholder 2"/>
+          <p:cNvSpPr>
+            <a:spLocks noGrp="1"/>
+          </p:cNvSpPr>
+          <p:nvPr>
+            <p:ph type="body" idx="1"/>
+          </p:nvPr>
+        </p:nvSpPr>
+        <p:spPr/>
+        <p:txBody>
+          <a:bodyPr/>
+          <a:lstStyle/>
+          <a:p>
+            <a:pPr lvl="0" marL="0" indent="0">
+              <a:buNone/>
+            </a:pPr>
+            <a:r>
+              <a:rPr/>
+              <a:t>This</a:t>
+            </a:r>
+            <a:r>
+              <a:rPr/>
+              <a:t> </a:t>
+            </a:r>
+            <a:r>
+              <a:rPr/>
+              <a:t>program</a:t>
+            </a:r>
+            <a:r>
+              <a:rPr/>
+              <a:t> </a:t>
+            </a:r>
+            <a:r>
+              <a:rPr/>
+              <a:t>shows</a:t>
+            </a:r>
+            <a:r>
+              <a:rPr/>
+              <a:t> </a:t>
+            </a:r>
+            <a:r>
+              <a:rPr/>
+              <a:t>how</a:t>
+            </a:r>
+            <a:r>
+              <a:rPr/>
+              <a:t> </a:t>
+            </a:r>
+            <a:r>
+              <a:rPr/>
+              <a:t>to</a:t>
+            </a:r>
+            <a:r>
+              <a:rPr/>
+              <a:t> </a:t>
+            </a:r>
+            <a:r>
+              <a:rPr/>
+              <a:t>use</a:t>
+            </a:r>
+            <a:r>
+              <a:rPr/>
+              <a:t> </a:t>
+            </a:r>
+            <a:r>
+              <a:rPr/>
+              <a:t>the</a:t>
+            </a:r>
+            <a:r>
+              <a:rPr/>
+              <a:t> </a:t>
+            </a:r>
+            <a:r>
+              <a:rPr/>
+              <a:t>SELECT</a:t>
+            </a:r>
+            <a:r>
+              <a:rPr/>
+              <a:t> </a:t>
+            </a:r>
+            <a:r>
+              <a:rPr/>
+              <a:t>statement</a:t>
+            </a:r>
+            <a:r>
+              <a:rPr/>
+              <a:t> </a:t>
+            </a:r>
+            <a:r>
+              <a:rPr/>
+              <a:t>for</a:t>
+            </a:r>
+            <a:r>
+              <a:rPr/>
+              <a:t> </a:t>
+            </a:r>
+            <a:r>
+              <a:rPr/>
+              <a:t>SQL</a:t>
+            </a:r>
+            <a:r>
+              <a:rPr/>
+              <a:t> </a:t>
+            </a:r>
+            <a:r>
+              <a:rPr/>
+              <a:t>within</a:t>
+            </a:r>
+            <a:r>
+              <a:rPr/>
+              <a:t> </a:t>
+            </a:r>
+            <a:r>
+              <a:rPr/>
+              <a:t>a</a:t>
+            </a:r>
+            <a:r>
+              <a:rPr/>
+              <a:t> </a:t>
+            </a:r>
+            <a:r>
+              <a:rPr/>
+              <a:t>SAS</a:t>
+            </a:r>
+            <a:r>
+              <a:rPr/>
+              <a:t> </a:t>
+            </a:r>
+            <a:r>
+              <a:rPr/>
+              <a:t>program.</a:t>
+            </a:r>
+            <a:r>
+              <a:rPr/>
+              <a:t> </a:t>
+            </a:r>
+            <a:r>
+              <a:rPr/>
+              <a:t>The</a:t>
+            </a:r>
+            <a:r>
+              <a:rPr/>
+              <a:t> </a:t>
+            </a:r>
+            <a:r>
+              <a:rPr/>
+              <a:t>first</a:t>
+            </a:r>
+            <a:r>
+              <a:rPr/>
+              <a:t> </a:t>
+            </a:r>
+            <a:r>
+              <a:rPr/>
+              <a:t>example</a:t>
+            </a:r>
+            <a:r>
+              <a:rPr/>
+              <a:t> </a:t>
+            </a:r>
+            <a:r>
+              <a:rPr/>
+              <a:t>shows</a:t>
+            </a:r>
+            <a:r>
+              <a:rPr/>
+              <a:t> </a:t>
+            </a:r>
+            <a:r>
+              <a:rPr/>
+              <a:t>how</a:t>
+            </a:r>
+            <a:r>
+              <a:rPr/>
+              <a:t> </a:t>
+            </a:r>
+            <a:r>
+              <a:rPr/>
+              <a:t>to</a:t>
+            </a:r>
+            <a:r>
+              <a:rPr/>
+              <a:t> </a:t>
+            </a:r>
+            <a:r>
+              <a:rPr/>
+              <a:t>select</a:t>
+            </a:r>
+            <a:r>
+              <a:rPr/>
+              <a:t> </a:t>
+            </a:r>
+            <a:r>
+              <a:rPr/>
+              <a:t>an</a:t>
+            </a:r>
+            <a:r>
+              <a:rPr/>
+              <a:t> </a:t>
+            </a:r>
+            <a:r>
+              <a:rPr/>
+              <a:t>entire</a:t>
+            </a:r>
+            <a:r>
+              <a:rPr/>
+              <a:t> </a:t>
+            </a:r>
+            <a:r>
+              <a:rPr/>
+              <a:t>table</a:t>
+            </a:r>
+            <a:r>
+              <a:rPr/>
+              <a:t> </a:t>
+            </a:r>
+            <a:r>
+              <a:rPr/>
+              <a:t>(all</a:t>
+            </a:r>
+            <a:r>
+              <a:rPr/>
+              <a:t> </a:t>
+            </a:r>
+            <a:r>
+              <a:rPr/>
+              <a:t>records</a:t>
+            </a:r>
+            <a:r>
+              <a:rPr/>
+              <a:t> </a:t>
+            </a:r>
+            <a:r>
+              <a:rPr/>
+              <a:t>and</a:t>
+            </a:r>
+            <a:r>
+              <a:rPr/>
+              <a:t> </a:t>
+            </a:r>
+            <a:r>
+              <a:rPr/>
+              <a:t>all</a:t>
+            </a:r>
+            <a:r>
+              <a:rPr/>
+              <a:t> </a:t>
+            </a:r>
+            <a:r>
+              <a:rPr/>
+              <a:t>fields).</a:t>
+            </a:r>
+          </a:p>
+          <a:p>
+            <a:pPr lvl="0" marL="0" indent="0">
+              <a:buNone/>
+            </a:pPr>
+          </a:p>
+          <a:p>
+            <a:pPr lvl="0" marL="0" indent="0">
+              <a:buNone/>
+            </a:pPr>
+            <a:r>
+              <a:rPr/>
+              <a:t>First</a:t>
+            </a:r>
+            <a:r>
+              <a:rPr/>
+              <a:t> </a:t>
+            </a:r>
+            <a:r>
+              <a:rPr/>
+              <a:t>you</a:t>
+            </a:r>
+            <a:r>
+              <a:rPr/>
+              <a:t> </a:t>
+            </a:r>
+            <a:r>
+              <a:rPr/>
+              <a:t>need</a:t>
+            </a:r>
+            <a:r>
+              <a:rPr/>
+              <a:t> </a:t>
+            </a:r>
+            <a:r>
+              <a:rPr/>
+              <a:t>to</a:t>
+            </a:r>
+            <a:r>
+              <a:rPr/>
+              <a:t> </a:t>
+            </a:r>
+            <a:r>
+              <a:rPr/>
+              <a:t>point</a:t>
+            </a:r>
+            <a:r>
+              <a:rPr/>
+              <a:t> </a:t>
+            </a:r>
+            <a:r>
+              <a:rPr/>
+              <a:t>to</a:t>
+            </a:r>
+            <a:r>
+              <a:rPr/>
+              <a:t> </a:t>
+            </a:r>
+            <a:r>
+              <a:rPr/>
+              <a:t>the</a:t>
+            </a:r>
+            <a:r>
+              <a:rPr/>
+              <a:t> </a:t>
+            </a:r>
+            <a:r>
+              <a:rPr/>
+              <a:t>database</a:t>
+            </a:r>
+            <a:r>
+              <a:rPr/>
+              <a:t> </a:t>
+            </a:r>
+            <a:r>
+              <a:rPr/>
+              <a:t>with</a:t>
+            </a:r>
+            <a:r>
+              <a:rPr/>
+              <a:t> </a:t>
+            </a:r>
+            <a:r>
+              <a:rPr/>
+              <a:t>a</a:t>
+            </a:r>
+            <a:r>
+              <a:rPr/>
+              <a:t> </a:t>
+            </a:r>
+            <a:r>
+              <a:rPr/>
+              <a:t>libname</a:t>
+            </a:r>
+            <a:r>
+              <a:rPr/>
+              <a:t> </a:t>
+            </a:r>
+            <a:r>
+              <a:rPr/>
+              <a:t>statement.</a:t>
+            </a:r>
+            <a:r>
+              <a:rPr/>
+              <a:t> </a:t>
+            </a:r>
+            <a:r>
+              <a:rPr/>
+              <a:t>Then</a:t>
+            </a:r>
+            <a:r>
+              <a:rPr/>
+              <a:t> </a:t>
+            </a:r>
+            <a:r>
+              <a:rPr/>
+              <a:t>you</a:t>
+            </a:r>
+            <a:r>
+              <a:rPr/>
+              <a:t> </a:t>
+            </a:r>
+            <a:r>
+              <a:rPr/>
+              <a:t>insert</a:t>
+            </a:r>
+            <a:r>
+              <a:rPr/>
+              <a:t> </a:t>
+            </a:r>
+            <a:r>
+              <a:rPr/>
+              <a:t>the</a:t>
+            </a:r>
+            <a:r>
+              <a:rPr/>
+              <a:t> </a:t>
+            </a:r>
+            <a:r>
+              <a:rPr/>
+              <a:t>code</a:t>
+            </a:r>
+            <a:r>
+              <a:rPr/>
+              <a:t> </a:t>
+            </a:r>
+            <a:r>
+              <a:rPr/>
+              <a:t>into</a:t>
+            </a:r>
+            <a:r>
+              <a:rPr/>
+              <a:t> </a:t>
+            </a:r>
+            <a:r>
+              <a:rPr/>
+              <a:t>proc</a:t>
+            </a:r>
+            <a:r>
+              <a:rPr/>
+              <a:t> </a:t>
+            </a:r>
+            <a:r>
+              <a:rPr/>
+              <a:t>sql.</a:t>
+            </a:r>
+          </a:p>
+          <a:p>
+            <a:pPr lvl="0" marL="0" indent="0">
+              <a:buNone/>
+            </a:pPr>
+          </a:p>
+          <a:p>
+            <a:pPr lvl="0" marL="0" indent="0">
+              <a:buNone/>
+            </a:pPr>
+            <a:r>
+              <a:rPr/>
+              <a:t>By</a:t>
+            </a:r>
+            <a:r>
+              <a:rPr/>
+              <a:t> </a:t>
+            </a:r>
+            <a:r>
+              <a:rPr/>
+              <a:t>default,</a:t>
+            </a:r>
+            <a:r>
+              <a:rPr/>
+              <a:t> </a:t>
+            </a:r>
+            <a:r>
+              <a:rPr/>
+              <a:t>proc</a:t>
+            </a:r>
+            <a:r>
+              <a:rPr/>
+              <a:t> </a:t>
+            </a:r>
+            <a:r>
+              <a:rPr/>
+              <a:t>sql</a:t>
+            </a:r>
+            <a:r>
+              <a:rPr/>
+              <a:t> </a:t>
+            </a:r>
+            <a:r>
+              <a:rPr/>
+              <a:t>will</a:t>
+            </a:r>
+            <a:r>
+              <a:rPr/>
+              <a:t> </a:t>
+            </a:r>
+            <a:r>
+              <a:rPr/>
+              <a:t>just</a:t>
+            </a:r>
+            <a:r>
+              <a:rPr/>
+              <a:t> </a:t>
+            </a:r>
+            <a:r>
+              <a:rPr/>
+              <a:t>display</a:t>
+            </a:r>
+            <a:r>
+              <a:rPr/>
+              <a:t> </a:t>
+            </a:r>
+            <a:r>
+              <a:rPr/>
+              <a:t>the</a:t>
+            </a:r>
+            <a:r>
+              <a:rPr/>
+              <a:t> </a:t>
+            </a:r>
+            <a:r>
+              <a:rPr/>
+              <a:t>results</a:t>
+            </a:r>
+            <a:r>
+              <a:rPr/>
+              <a:t> </a:t>
+            </a:r>
+            <a:r>
+              <a:rPr/>
+              <a:t>of</a:t>
+            </a:r>
+            <a:r>
+              <a:rPr/>
+              <a:t> </a:t>
+            </a:r>
+            <a:r>
+              <a:rPr/>
+              <a:t>your</a:t>
+            </a:r>
+            <a:r>
+              <a:rPr/>
+              <a:t> </a:t>
+            </a:r>
+            <a:r>
+              <a:rPr/>
+              <a:t>query.</a:t>
+            </a:r>
+            <a:r>
+              <a:rPr/>
+              <a:t> </a:t>
+            </a:r>
+            <a:r>
+              <a:rPr/>
+              <a:t>To</a:t>
+            </a:r>
+            <a:r>
+              <a:rPr/>
+              <a:t> </a:t>
+            </a:r>
+            <a:r>
+              <a:rPr/>
+              <a:t>save</a:t>
+            </a:r>
+            <a:r>
+              <a:rPr/>
+              <a:t> </a:t>
+            </a:r>
+            <a:r>
+              <a:rPr/>
+              <a:t>a</a:t>
+            </a:r>
+            <a:r>
+              <a:rPr/>
+              <a:t> </a:t>
+            </a:r>
+            <a:r>
+              <a:rPr/>
+              <a:t>file</a:t>
+            </a:r>
+            <a:r>
+              <a:rPr/>
+              <a:t> </a:t>
+            </a:r>
+            <a:r>
+              <a:rPr/>
+              <a:t>for</a:t>
+            </a:r>
+            <a:r>
+              <a:rPr/>
+              <a:t> </a:t>
+            </a:r>
+            <a:r>
+              <a:rPr/>
+              <a:t>further</a:t>
+            </a:r>
+            <a:r>
+              <a:rPr/>
+              <a:t> </a:t>
+            </a:r>
+            <a:r>
+              <a:rPr/>
+              <a:t>work,</a:t>
+            </a:r>
+            <a:r>
+              <a:rPr/>
+              <a:t> </a:t>
+            </a:r>
+            <a:r>
+              <a:rPr/>
+              <a:t>use</a:t>
+            </a:r>
+            <a:r>
+              <a:rPr/>
+              <a:t> </a:t>
+            </a:r>
+            <a:r>
+              <a:rPr/>
+              <a:t>the</a:t>
+            </a:r>
+            <a:r>
+              <a:rPr/>
+              <a:t> </a:t>
+            </a:r>
+            <a:r>
+              <a:rPr/>
+              <a:t>create</a:t>
+            </a:r>
+            <a:r>
+              <a:rPr/>
+              <a:t> </a:t>
+            </a:r>
+            <a:r>
+              <a:rPr/>
+              <a:t>table</a:t>
+            </a:r>
+            <a:r>
+              <a:rPr/>
+              <a:t> </a:t>
+            </a:r>
+            <a:r>
+              <a:rPr/>
+              <a:t>as</a:t>
+            </a:r>
+            <a:r>
+              <a:rPr/>
+              <a:t> </a:t>
+            </a:r>
+            <a:r>
+              <a:rPr/>
+              <a:t>statement.</a:t>
+            </a:r>
+          </a:p>
+          <a:p>
+            <a:pPr lvl="0" marL="0" indent="0">
+              <a:buNone/>
+            </a:pPr>
+          </a:p>
+          <a:p>
+            <a:pPr lvl="0" marL="0" indent="0">
+              <a:buNone/>
+            </a:pPr>
+            <a:r>
+              <a:rPr/>
+              <a:t>Notice</a:t>
+            </a:r>
+            <a:r>
+              <a:rPr/>
+              <a:t> </a:t>
+            </a:r>
+            <a:r>
+              <a:rPr/>
+              <a:t>that</a:t>
+            </a:r>
+            <a:r>
+              <a:rPr/>
+              <a:t> </a:t>
+            </a:r>
+            <a:r>
+              <a:rPr/>
+              <a:t>proc</a:t>
+            </a:r>
+            <a:r>
+              <a:rPr/>
+              <a:t> </a:t>
+            </a:r>
+            <a:r>
+              <a:rPr/>
+              <a:t>sql</a:t>
+            </a:r>
+            <a:r>
+              <a:rPr/>
+              <a:t> </a:t>
+            </a:r>
+            <a:r>
+              <a:rPr/>
+              <a:t>requires</a:t>
+            </a:r>
+            <a:r>
+              <a:rPr/>
+              <a:t> </a:t>
+            </a:r>
+            <a:r>
+              <a:rPr/>
+              <a:t>a</a:t>
+            </a:r>
+            <a:r>
+              <a:rPr/>
+              <a:t> </a:t>
+            </a:r>
+            <a:r>
+              <a:rPr/>
+              <a:t>quit</a:t>
+            </a:r>
+            <a:r>
+              <a:rPr/>
+              <a:t> </a:t>
+            </a:r>
+            <a:r>
+              <a:rPr/>
+              <a:t>statement</a:t>
+            </a:r>
+            <a:r>
+              <a:rPr/>
+              <a:t> </a:t>
+            </a:r>
+            <a:r>
+              <a:rPr/>
+              <a:t>rather</a:t>
+            </a:r>
+            <a:r>
+              <a:rPr/>
+              <a:t> </a:t>
+            </a:r>
+            <a:r>
+              <a:rPr/>
+              <a:t>than</a:t>
+            </a:r>
+            <a:r>
+              <a:rPr/>
+              <a:t> </a:t>
+            </a:r>
+            <a:r>
+              <a:rPr/>
+              <a:t>a</a:t>
+            </a:r>
+            <a:r>
+              <a:rPr/>
+              <a:t> </a:t>
+            </a:r>
+            <a:r>
+              <a:rPr/>
+              <a:t>run</a:t>
+            </a:r>
+            <a:r>
+              <a:rPr/>
+              <a:t> </a:t>
+            </a:r>
+            <a:r>
+              <a:rPr/>
+              <a:t>statement</a:t>
+            </a:r>
+            <a:r>
+              <a:rPr/>
+              <a:t> </a:t>
+            </a:r>
+            <a:r>
+              <a:rPr/>
+              <a:t>at</a:t>
+            </a:r>
+            <a:r>
+              <a:rPr/>
+              <a:t> </a:t>
+            </a:r>
+            <a:r>
+              <a:rPr/>
+              <a:t>the</a:t>
+            </a:r>
+            <a:r>
+              <a:rPr/>
+              <a:t> </a:t>
+            </a:r>
+            <a:r>
+              <a:rPr/>
+              <a:t>end.</a:t>
+            </a:r>
+          </a:p>
+        </p:txBody>
+      </p:sp>
+      <p:sp>
+        <p:nvSpPr>
+          <p:cNvPr id="4" name="Slide Number Placeholder 3"/>
+          <p:cNvSpPr>
+            <a:spLocks noGrp="1"/>
+          </p:cNvSpPr>
+          <p:nvPr>
+            <p:ph type="sldNum" sz="quarter" idx="10"/>
+          </p:nvPr>
+        </p:nvSpPr>
+        <p:spPr/>
+        <p:txBody>
+          <a:bodyPr/>
+          <a:lstStyle/>
+          <a:p>
+            <a:fld id="{18BDFEC3-8487-43E8-A154-7C12CBC1FFF2}" type="slidenum">
+              <a:rPr lang="en-US"/>
+              <a:t>6</a:t>
+            </a:fld>
+            <a:endParaRPr lang="en-US"/>
+          </a:p>
+        </p:txBody>
+      </p:sp>
+    </p:spTree>
+  </p:cSld>
+</p:notes>
+</file>
+
+<file path=ppt/notesSlides/notesSlide6.xml><?xml version="1.0" encoding="utf-8"?>
+<p:notes xmlns:a="http://schemas.openxmlformats.org/drawingml/2006/main" xmlns:r="http://schemas.openxmlformats.org/officeDocument/2006/relationships" xmlns:p="http://schemas.openxmlformats.org/presentationml/2006/main">
+  <p:cSld>
+    <p:spTree>
+      <p:nvGrpSpPr>
+        <p:cNvPr id="1" name=""/>
+        <p:cNvGrpSpPr/>
+        <p:nvPr/>
+      </p:nvGrpSpPr>
+      <p:grpSpPr>
+        <a:xfrm>
+          <a:off x="0" y="0"/>
+          <a:ext cx="0" cy="0"/>
+          <a:chOff x="0" y="0"/>
+          <a:chExt cx="0" cy="0"/>
+        </a:xfrm>
+      </p:grpSpPr>
+      <p:sp>
+        <p:nvSpPr>
+          <p:cNvPr id="2" name="Slide Image Placeholder 1"/>
+          <p:cNvSpPr>
+            <a:spLocks noGrp="1" noRot="1" noChangeAspect="1"/>
+          </p:cNvSpPr>
+          <p:nvPr>
+            <p:ph type="sldImg"/>
+          </p:nvPr>
+        </p:nvSpPr>
+        <p:spPr/>
+      </p:sp>
+      <p:sp>
+        <p:nvSpPr>
+          <p:cNvPr id="3" name="Notes Placeholder 2"/>
+          <p:cNvSpPr>
+            <a:spLocks noGrp="1"/>
+          </p:cNvSpPr>
+          <p:nvPr>
+            <p:ph type="body" idx="1"/>
+          </p:nvPr>
+        </p:nvSpPr>
+        <p:spPr/>
+        <p:txBody>
+          <a:bodyPr/>
+          <a:lstStyle/>
+          <a:p>
+            <a:pPr lvl="0" marL="0" indent="0">
+              <a:buNone/>
+            </a:pPr>
+            <a:r>
+              <a:rPr/>
+              <a:t>Here’s</a:t>
+            </a:r>
+            <a:r>
+              <a:rPr/>
+              <a:t> </a:t>
+            </a:r>
+            <a:r>
+              <a:rPr/>
+              <a:t>what</a:t>
+            </a:r>
+            <a:r>
+              <a:rPr/>
+              <a:t> </a:t>
+            </a:r>
+            <a:r>
+              <a:rPr/>
+              <a:t>the</a:t>
+            </a:r>
+            <a:r>
+              <a:rPr/>
+              <a:t> </a:t>
+            </a:r>
+            <a:r>
+              <a:rPr/>
+              <a:t>output</a:t>
+            </a:r>
+            <a:r>
+              <a:rPr/>
+              <a:t> </a:t>
+            </a:r>
+            <a:r>
+              <a:rPr/>
+              <a:t>looks</a:t>
+            </a:r>
+            <a:r>
+              <a:rPr/>
+              <a:t> </a:t>
+            </a:r>
+            <a:r>
+              <a:rPr/>
+              <a:t>like.</a:t>
+            </a:r>
+          </a:p>
+        </p:txBody>
+      </p:sp>
+      <p:sp>
+        <p:nvSpPr>
+          <p:cNvPr id="4" name="Slide Number Placeholder 3"/>
+          <p:cNvSpPr>
+            <a:spLocks noGrp="1"/>
+          </p:cNvSpPr>
+          <p:nvPr>
+            <p:ph type="sldNum" sz="quarter" idx="10"/>
+          </p:nvPr>
+        </p:nvSpPr>
+        <p:spPr/>
+        <p:txBody>
+          <a:bodyPr/>
+          <a:lstStyle/>
+          <a:p>
+            <a:fld id="{18BDFEC3-8487-43E8-A154-7C12CBC1FFF2}" type="slidenum">
+              <a:rPr lang="en-US"/>
+              <a:t>7</a:t>
+            </a:fld>
+            <a:endParaRPr lang="en-US"/>
+          </a:p>
+        </p:txBody>
+      </p:sp>
+    </p:spTree>
+  </p:cSld>
+</p:notes>
+</file>
+
+<file path=ppt/notesSlides/notesSlide7.xml><?xml version="1.0" encoding="utf-8"?>
+<p:notes xmlns:a="http://schemas.openxmlformats.org/drawingml/2006/main" xmlns:r="http://schemas.openxmlformats.org/officeDocument/2006/relationships" xmlns:p="http://schemas.openxmlformats.org/presentationml/2006/main">
+  <p:cSld>
+    <p:spTree>
+      <p:nvGrpSpPr>
+        <p:cNvPr id="1" name=""/>
+        <p:cNvGrpSpPr/>
+        <p:nvPr/>
+      </p:nvGrpSpPr>
+      <p:grpSpPr>
+        <a:xfrm>
+          <a:off x="0" y="0"/>
+          <a:ext cx="0" cy="0"/>
+          <a:chOff x="0" y="0"/>
+          <a:chExt cx="0" cy="0"/>
+        </a:xfrm>
+      </p:grpSpPr>
+      <p:sp>
+        <p:nvSpPr>
+          <p:cNvPr id="2" name="Slide Image Placeholder 1"/>
+          <p:cNvSpPr>
+            <a:spLocks noGrp="1" noRot="1" noChangeAspect="1"/>
+          </p:cNvSpPr>
+          <p:nvPr>
+            <p:ph type="sldImg"/>
+          </p:nvPr>
+        </p:nvSpPr>
+        <p:spPr/>
+      </p:sp>
+      <p:sp>
+        <p:nvSpPr>
+          <p:cNvPr id="3" name="Notes Placeholder 2"/>
+          <p:cNvSpPr>
+            <a:spLocks noGrp="1"/>
+          </p:cNvSpPr>
+          <p:nvPr>
+            <p:ph type="body" idx="1"/>
+          </p:nvPr>
+        </p:nvSpPr>
+        <p:spPr/>
+        <p:txBody>
+          <a:bodyPr/>
+          <a:lstStyle/>
+          <a:p>
+            <a:pPr lvl="0" marL="0" indent="0">
+              <a:buNone/>
+            </a:pPr>
+            <a:r>
+              <a:rPr/>
+              <a:t>Here’s</a:t>
+            </a:r>
+            <a:r>
+              <a:rPr/>
+              <a:t> </a:t>
+            </a:r>
+            <a:r>
+              <a:rPr/>
+              <a:t>what</a:t>
+            </a:r>
+            <a:r>
+              <a:rPr/>
+              <a:t> </a:t>
+            </a:r>
+            <a:r>
+              <a:rPr/>
+              <a:t>the</a:t>
+            </a:r>
+            <a:r>
+              <a:rPr/>
+              <a:t> </a:t>
+            </a:r>
+            <a:r>
+              <a:rPr/>
+              <a:t>output</a:t>
+            </a:r>
+            <a:r>
+              <a:rPr/>
+              <a:t> </a:t>
+            </a:r>
+            <a:r>
+              <a:rPr/>
+              <a:t>looks</a:t>
+            </a:r>
+            <a:r>
+              <a:rPr/>
+              <a:t> </a:t>
+            </a:r>
+            <a:r>
+              <a:rPr/>
+              <a:t>like.</a:t>
+            </a:r>
+          </a:p>
+        </p:txBody>
+      </p:sp>
+      <p:sp>
+        <p:nvSpPr>
+          <p:cNvPr id="4" name="Slide Number Placeholder 3"/>
+          <p:cNvSpPr>
+            <a:spLocks noGrp="1"/>
+          </p:cNvSpPr>
+          <p:nvPr>
+            <p:ph type="sldNum" sz="quarter" idx="10"/>
+          </p:nvPr>
+        </p:nvSpPr>
+        <p:spPr/>
+        <p:txBody>
+          <a:bodyPr/>
+          <a:lstStyle/>
+          <a:p>
+            <a:fld id="{18BDFEC3-8487-43E8-A154-7C12CBC1FFF2}" type="slidenum">
+              <a:rPr lang="en-US"/>
+              <a:t>10</a:t>
+            </a:fld>
+            <a:endParaRPr lang="en-US"/>
+          </a:p>
+        </p:txBody>
+      </p:sp>
+    </p:spTree>
+  </p:cSld>
+</p:notes>
+</file>
+
+<file path=ppt/notesSlides/notesSlide8.xml><?xml version="1.0" encoding="utf-8"?>
+<p:notes xmlns:a="http://schemas.openxmlformats.org/drawingml/2006/main" xmlns:r="http://schemas.openxmlformats.org/officeDocument/2006/relationships" xmlns:p="http://schemas.openxmlformats.org/presentationml/2006/main">
+  <p:cSld>
+    <p:spTree>
+      <p:nvGrpSpPr>
+        <p:cNvPr id="1" name=""/>
+        <p:cNvGrpSpPr/>
+        <p:nvPr/>
+      </p:nvGrpSpPr>
+      <p:grpSpPr>
+        <a:xfrm>
+          <a:off x="0" y="0"/>
+          <a:ext cx="0" cy="0"/>
+          <a:chOff x="0" y="0"/>
+          <a:chExt cx="0" cy="0"/>
+        </a:xfrm>
+      </p:grpSpPr>
+      <p:sp>
+        <p:nvSpPr>
+          <p:cNvPr id="2" name="Slide Image Placeholder 1"/>
+          <p:cNvSpPr>
+            <a:spLocks noGrp="1" noRot="1" noChangeAspect="1"/>
+          </p:cNvSpPr>
+          <p:nvPr>
+            <p:ph type="sldImg"/>
+          </p:nvPr>
+        </p:nvSpPr>
+        <p:spPr/>
+      </p:sp>
+      <p:sp>
+        <p:nvSpPr>
+          <p:cNvPr id="3" name="Notes Placeholder 2"/>
+          <p:cNvSpPr>
+            <a:spLocks noGrp="1"/>
+          </p:cNvSpPr>
+          <p:nvPr>
+            <p:ph type="body" idx="1"/>
+          </p:nvPr>
+        </p:nvSpPr>
+        <p:spPr/>
+        <p:txBody>
+          <a:bodyPr/>
+          <a:lstStyle/>
+          <a:p>
+            <a:pPr lvl="0" marL="0" indent="0">
+              <a:buNone/>
+            </a:pPr>
+            <a:r>
+              <a:rPr/>
+              <a:t>This</a:t>
+            </a:r>
+            <a:r>
+              <a:rPr/>
+              <a:t> </a:t>
+            </a:r>
+            <a:r>
+              <a:rPr/>
+              <a:t>is</a:t>
+            </a:r>
+            <a:r>
+              <a:rPr/>
+              <a:t> </a:t>
+            </a:r>
+            <a:r>
+              <a:rPr/>
+              <a:t>how</a:t>
+            </a:r>
+            <a:r>
+              <a:rPr/>
+              <a:t> </a:t>
+            </a:r>
+            <a:r>
+              <a:rPr/>
+              <a:t>you</a:t>
+            </a:r>
+            <a:r>
+              <a:rPr/>
+              <a:t> </a:t>
+            </a:r>
+            <a:r>
+              <a:rPr/>
+              <a:t>select</a:t>
+            </a:r>
+            <a:r>
+              <a:rPr/>
+              <a:t> </a:t>
+            </a:r>
+            <a:r>
+              <a:rPr/>
+              <a:t>a</a:t>
+            </a:r>
+            <a:r>
+              <a:rPr/>
+              <a:t> </a:t>
+            </a:r>
+            <a:r>
+              <a:rPr/>
+              <a:t>single</a:t>
+            </a:r>
+            <a:r>
+              <a:rPr/>
+              <a:t> </a:t>
+            </a:r>
+            <a:r>
+              <a:rPr/>
+              <a:t>field</a:t>
+            </a:r>
+            <a:r>
+              <a:rPr/>
+              <a:t> </a:t>
+            </a:r>
+            <a:r>
+              <a:rPr/>
+              <a:t>in</a:t>
+            </a:r>
+            <a:r>
+              <a:rPr/>
+              <a:t> </a:t>
+            </a:r>
+            <a:r>
+              <a:rPr/>
+              <a:t>SAS.</a:t>
+            </a:r>
+          </a:p>
+          <a:p>
+            <a:pPr lvl="0" marL="0" indent="0">
+              <a:buNone/>
+            </a:pPr>
+          </a:p>
+          <a:p>
+            <a:pPr lvl="0" marL="0" indent="0">
+              <a:buNone/>
+            </a:pPr>
+            <a:r>
+              <a:rPr/>
+              <a:t>As</a:t>
+            </a:r>
+            <a:r>
+              <a:rPr/>
+              <a:t> </a:t>
+            </a:r>
+            <a:r>
+              <a:rPr/>
+              <a:t>before,</a:t>
+            </a:r>
+            <a:r>
+              <a:rPr/>
+              <a:t> </a:t>
+            </a:r>
+            <a:r>
+              <a:rPr/>
+              <a:t>place</a:t>
+            </a:r>
+            <a:r>
+              <a:rPr/>
+              <a:t> </a:t>
+            </a:r>
+            <a:r>
+              <a:rPr/>
+              <a:t>the</a:t>
+            </a:r>
+            <a:r>
+              <a:rPr/>
+              <a:t> </a:t>
+            </a:r>
+            <a:r>
+              <a:rPr/>
+              <a:t>SQL</a:t>
+            </a:r>
+            <a:r>
+              <a:rPr/>
+              <a:t> </a:t>
+            </a:r>
+            <a:r>
+              <a:rPr/>
+              <a:t>query</a:t>
+            </a:r>
+            <a:r>
+              <a:rPr/>
+              <a:t> </a:t>
+            </a:r>
+            <a:r>
+              <a:rPr/>
+              <a:t>inside</a:t>
+            </a:r>
+            <a:r>
+              <a:rPr/>
+              <a:t> </a:t>
+            </a:r>
+            <a:r>
+              <a:rPr/>
+              <a:t>proc</a:t>
+            </a:r>
+            <a:r>
+              <a:rPr/>
+              <a:t> </a:t>
+            </a:r>
+            <a:r>
+              <a:rPr/>
+              <a:t>sql</a:t>
+            </a:r>
+            <a:r>
+              <a:rPr/>
+              <a:t> </a:t>
+            </a:r>
+            <a:r>
+              <a:rPr/>
+              <a:t>and</a:t>
+            </a:r>
+            <a:r>
+              <a:rPr/>
+              <a:t> </a:t>
+            </a:r>
+            <a:r>
+              <a:rPr/>
+              <a:t>use</a:t>
+            </a:r>
+            <a:r>
+              <a:rPr/>
+              <a:t> </a:t>
+            </a:r>
+            <a:r>
+              <a:rPr/>
+              <a:t>the</a:t>
+            </a:r>
+            <a:r>
+              <a:rPr/>
+              <a:t> </a:t>
+            </a:r>
+            <a:r>
+              <a:rPr/>
+              <a:t>create</a:t>
+            </a:r>
+            <a:r>
+              <a:rPr/>
+              <a:t> </a:t>
+            </a:r>
+            <a:r>
+              <a:rPr/>
+              <a:t>table</a:t>
+            </a:r>
+            <a:r>
+              <a:rPr/>
+              <a:t> </a:t>
+            </a:r>
+            <a:r>
+              <a:rPr/>
+              <a:t>as</a:t>
+            </a:r>
+            <a:r>
+              <a:rPr/>
+              <a:t> </a:t>
+            </a:r>
+            <a:r>
+              <a:rPr/>
+              <a:t>statement</a:t>
+            </a:r>
+            <a:r>
+              <a:rPr/>
+              <a:t> </a:t>
+            </a:r>
+            <a:r>
+              <a:rPr/>
+              <a:t>to</a:t>
+            </a:r>
+            <a:r>
+              <a:rPr/>
+              <a:t> </a:t>
+            </a:r>
+            <a:r>
+              <a:rPr/>
+              <a:t>store</a:t>
+            </a:r>
+            <a:r>
+              <a:rPr/>
+              <a:t> </a:t>
+            </a:r>
+            <a:r>
+              <a:rPr/>
+              <a:t>the</a:t>
+            </a:r>
+            <a:r>
+              <a:rPr/>
+              <a:t> </a:t>
+            </a:r>
+            <a:r>
+              <a:rPr/>
+              <a:t>results</a:t>
+            </a:r>
+            <a:r>
+              <a:rPr/>
+              <a:t> </a:t>
+            </a:r>
+            <a:r>
+              <a:rPr/>
+              <a:t>in</a:t>
+            </a:r>
+            <a:r>
+              <a:rPr/>
+              <a:t> </a:t>
+            </a:r>
+            <a:r>
+              <a:rPr/>
+              <a:t>a</a:t>
+            </a:r>
+            <a:r>
+              <a:rPr/>
+              <a:t> </a:t>
+            </a:r>
+            <a:r>
+              <a:rPr/>
+              <a:t>SAS</a:t>
+            </a:r>
+            <a:r>
+              <a:rPr/>
+              <a:t> </a:t>
+            </a:r>
+            <a:r>
+              <a:rPr/>
+              <a:t>data</a:t>
+            </a:r>
+            <a:r>
+              <a:rPr/>
+              <a:t> </a:t>
+            </a:r>
+            <a:r>
+              <a:rPr/>
+              <a:t>set.</a:t>
+            </a:r>
+          </a:p>
+          <a:p>
+            <a:pPr lvl="0" marL="0" indent="0">
+              <a:buNone/>
+            </a:pPr>
+          </a:p>
+          <a:p>
+            <a:pPr lvl="0" marL="0" indent="0">
+              <a:buNone/>
+            </a:pPr>
+            <a:r>
+              <a:rPr/>
+              <a:t>Watch</a:t>
+            </a:r>
+            <a:r>
+              <a:rPr/>
+              <a:t> </a:t>
+            </a:r>
+            <a:r>
+              <a:rPr/>
+              <a:t>your</a:t>
+            </a:r>
+            <a:r>
+              <a:rPr/>
+              <a:t> </a:t>
+            </a:r>
+            <a:r>
+              <a:rPr/>
+              <a:t>semicolons</a:t>
+            </a:r>
+            <a:r>
+              <a:rPr/>
+              <a:t> </a:t>
+            </a:r>
+            <a:r>
+              <a:rPr/>
+              <a:t>carefully</a:t>
+            </a:r>
+            <a:r>
+              <a:rPr/>
+              <a:t> </a:t>
+            </a:r>
+            <a:r>
+              <a:rPr/>
+              <a:t>in</a:t>
+            </a:r>
+            <a:r>
+              <a:rPr/>
+              <a:t> </a:t>
+            </a:r>
+            <a:r>
+              <a:rPr/>
+              <a:t>SAS!</a:t>
+            </a:r>
+          </a:p>
+        </p:txBody>
+      </p:sp>
+      <p:sp>
+        <p:nvSpPr>
+          <p:cNvPr id="4" name="Slide Number Placeholder 3"/>
+          <p:cNvSpPr>
+            <a:spLocks noGrp="1"/>
+          </p:cNvSpPr>
+          <p:nvPr>
+            <p:ph type="sldNum" sz="quarter" idx="10"/>
+          </p:nvPr>
+        </p:nvSpPr>
+        <p:spPr/>
+        <p:txBody>
+          <a:bodyPr/>
+          <a:lstStyle/>
+          <a:p>
+            <a:fld id="{18BDFEC3-8487-43E8-A154-7C12CBC1FFF2}" type="slidenum">
+              <a:rPr lang="en-US"/>
+              <a:t>11</a:t>
+            </a:fld>
+            <a:endParaRPr lang="en-US"/>
+          </a:p>
+        </p:txBody>
+      </p:sp>
+    </p:spTree>
+  </p:cSld>
+</p:notes>
+</file>
+
+<file path=ppt/notesSlides/notesSlide9.xml><?xml version="1.0" encoding="utf-8"?>
+<p:notes xmlns:a="http://schemas.openxmlformats.org/drawingml/2006/main" xmlns:r="http://schemas.openxmlformats.org/officeDocument/2006/relationships" xmlns:p="http://schemas.openxmlformats.org/presentationml/2006/main">
+  <p:cSld>
+    <p:spTree>
+      <p:nvGrpSpPr>
+        <p:cNvPr id="1" name=""/>
+        <p:cNvGrpSpPr/>
+        <p:nvPr/>
+      </p:nvGrpSpPr>
+      <p:grpSpPr>
+        <a:xfrm>
+          <a:off x="0" y="0"/>
+          <a:ext cx="0" cy="0"/>
+          <a:chOff x="0" y="0"/>
+          <a:chExt cx="0" cy="0"/>
+        </a:xfrm>
+      </p:grpSpPr>
+      <p:sp>
+        <p:nvSpPr>
+          <p:cNvPr id="2" name="Slide Image Placeholder 1"/>
+          <p:cNvSpPr>
+            <a:spLocks noGrp="1" noRot="1" noChangeAspect="1"/>
+          </p:cNvSpPr>
+          <p:nvPr>
+            <p:ph type="sldImg"/>
+          </p:nvPr>
+        </p:nvSpPr>
+        <p:spPr/>
+      </p:sp>
+      <p:sp>
+        <p:nvSpPr>
+          <p:cNvPr id="3" name="Notes Placeholder 2"/>
+          <p:cNvSpPr>
+            <a:spLocks noGrp="1"/>
+          </p:cNvSpPr>
+          <p:nvPr>
+            <p:ph type="body" idx="1"/>
+          </p:nvPr>
+        </p:nvSpPr>
+        <p:spPr/>
+        <p:txBody>
+          <a:bodyPr/>
+          <a:lstStyle/>
+          <a:p>
+            <a:pPr lvl="0" marL="0" indent="0">
+              <a:buNone/>
+            </a:pPr>
+            <a:r>
+              <a:rPr/>
+              <a:t>Here’s</a:t>
+            </a:r>
+            <a:r>
+              <a:rPr/>
+              <a:t> </a:t>
+            </a:r>
+            <a:r>
+              <a:rPr/>
+              <a:t>what</a:t>
+            </a:r>
+            <a:r>
+              <a:rPr/>
+              <a:t> </a:t>
+            </a:r>
+            <a:r>
+              <a:rPr/>
+              <a:t>the</a:t>
+            </a:r>
+            <a:r>
+              <a:rPr/>
+              <a:t> </a:t>
+            </a:r>
+            <a:r>
+              <a:rPr/>
+              <a:t>output</a:t>
+            </a:r>
+            <a:r>
+              <a:rPr/>
+              <a:t> </a:t>
+            </a:r>
+            <a:r>
+              <a:rPr/>
+              <a:t>looks</a:t>
+            </a:r>
+            <a:r>
+              <a:rPr/>
+              <a:t> </a:t>
+            </a:r>
+            <a:r>
+              <a:rPr/>
+              <a:t>like.</a:t>
+            </a:r>
+          </a:p>
+        </p:txBody>
+      </p:sp>
+      <p:sp>
+        <p:nvSpPr>
+          <p:cNvPr id="4" name="Slide Number Placeholder 3"/>
+          <p:cNvSpPr>
+            <a:spLocks noGrp="1"/>
+          </p:cNvSpPr>
+          <p:nvPr>
+            <p:ph type="sldNum" sz="quarter" idx="10"/>
+          </p:nvPr>
+        </p:nvSpPr>
+        <p:spPr/>
+        <p:txBody>
+          <a:bodyPr/>
+          <a:lstStyle/>
+          <a:p>
+            <a:fld id="{18BDFEC3-8487-43E8-A154-7C12CBC1FFF2}" type="slidenum">
+              <a:rPr lang="en-US"/>
+              <a:t>12</a:t>
+            </a:fld>
+            <a:endParaRPr lang="en-US"/>
+          </a:p>
+        </p:txBody>
+      </p:sp>
+    </p:spTree>
+  </p:cSld>
+</p:notes>
 </file>
 
 <file path=ppt/slideLayouts/slideLayout1.xml><?xml version="1.0" encoding="utf-8"?>
@@ -3322,7 +8282,23 @@
             </a:pPr>
             <a:r>
               <a:rPr/>
-              <a:t>Changing</a:t>
+              <a:t>Selecting</a:t>
+            </a:r>
+            <a:r>
+              <a:rPr/>
+              <a:t> </a:t>
+            </a:r>
+            <a:r>
+              <a:rPr/>
+              <a:t>a</a:t>
+            </a:r>
+            <a:r>
+              <a:rPr/>
+              <a:t> </a:t>
+            </a:r>
+            <a:r>
+              <a:rPr/>
+              <a:t>single</a:t>
             </a:r>
             <a:r>
               <a:rPr/>
@@ -3338,7 +8314,23 @@
             </a:r>
             <a:r>
               <a:rPr/>
-              <a:t>names</a:t>
+              <a:t>in</a:t>
+            </a:r>
+            <a:r>
+              <a:rPr/>
+              <a:t> </a:t>
+            </a:r>
+            <a:r>
+              <a:rPr/>
+              <a:t>R</a:t>
+            </a:r>
+            <a:r>
+              <a:rPr/>
+              <a:t> </a:t>
+            </a:r>
+            <a:r>
+              <a:rPr/>
+              <a:t>(2/2)</a:t>
             </a:r>
           </a:p>
         </p:txBody>
@@ -3357,13 +8349,6 @@
         <p:txBody>
           <a:bodyPr/>
           <a:lstStyle/>
-          <a:p>
-            <a:pPr lvl="1"/>
-            <a:r>
-              <a:rPr/>
-              <a:t>SQL code</a:t>
-            </a:r>
-          </a:p>
           <a:p>
             <a:pPr lvl="0" marL="1270000" indent="0">
               <a:buNone/>
@@ -3372,11 +8357,19 @@
               <a:rPr sz="1800">
                 <a:latin typeface="Courier"/>
               </a:rPr>
-              <a:t>select 
-  Airline, 
-  r2017 as current_rate, 
-  r2016 as previous_rate
-  from airlines_table</a:t>
+              <a:t>##       Airline
+## 1       DELTA
+## 2      VIRGIN
+## 3     JETBLUE
+## 4      UNITED
+## 5    HAWAIIAN
+## 6  EXPRESSJET
+## 7     SKYWEST
+## 8    AMERICAN
+## 9      ALASKA
+## 10  SOUTHWEST
+## 11   FRONTIER
+## 12     SPIRIT</a:t>
             </a:r>
           </a:p>
         </p:txBody>
@@ -3423,7 +8416,23 @@
             </a:pPr>
             <a:r>
               <a:rPr/>
-              <a:t>Changing</a:t>
+              <a:t>Select</a:t>
+            </a:r>
+            <a:r>
+              <a:rPr/>
+              <a:t> </a:t>
+            </a:r>
+            <a:r>
+              <a:rPr/>
+              <a:t>a</a:t>
+            </a:r>
+            <a:r>
+              <a:rPr/>
+              <a:t> </a:t>
+            </a:r>
+            <a:r>
+              <a:rPr/>
+              <a:t>single</a:t>
             </a:r>
             <a:r>
               <a:rPr/>
@@ -3439,15 +8448,23 @@
             </a:r>
             <a:r>
               <a:rPr/>
-              <a:t>names</a:t>
-            </a:r>
-            <a:r>
-              <a:rPr/>
-              <a:t> </a:t>
-            </a:r>
-            <a:r>
-              <a:rPr/>
-              <a:t>(2/2)</a:t>
+              <a:t>in</a:t>
+            </a:r>
+            <a:r>
+              <a:rPr/>
+              <a:t> </a:t>
+            </a:r>
+            <a:r>
+              <a:rPr/>
+              <a:t>SAS</a:t>
+            </a:r>
+            <a:r>
+              <a:rPr/>
+              <a:t> </a:t>
+            </a:r>
+            <a:r>
+              <a:rPr/>
+              <a:t>(1/2)</a:t>
             </a:r>
           </a:p>
         </p:txBody>
@@ -3466,6 +8483,13 @@
         <p:txBody>
           <a:bodyPr/>
           <a:lstStyle/>
+          <a:p>
+            <a:pPr lvl="1"/>
+            <a:r>
+              <a:rPr/>
+              <a:t>SAS code</a:t>
+            </a:r>
+          </a:p>
           <a:p>
             <a:pPr lvl="0" marL="1270000" indent="0">
               <a:buNone/>
@@ -3474,19 +8498,1225 @@
               <a:rPr sz="1800">
                 <a:latin typeface="Courier"/>
               </a:rPr>
-              <a:t>##       Airline current_rate previous_rate
-## 1       DELTA         0.07          0.09
-## 2      VIRGIN         0.27          0.13
-## 3     JETBLUE         0.54          0.82
-## 4      UNITED         0.30          0.45
-## 5    HAWAIIAN         0.11          0.04
-## 6  EXPRESSJET         0.67          1.58
-## 7     SKYWEST         0.37          0.96
-## 8    AMERICAN         0.46          0.66
-## 9      ALASKA         0.35          0.41
-## 10  SOUTHWEST         0.58          1.06
-## 11   FRONTIER         0.45          0.63
-## 12     SPIRIT         0.88          0.93</a:t>
+              <a:t>proc sql;
+  create table single_column as
+  select Airline 
+    from sql_lib.airlines_table;
+quit;
+proc print
+    data=single_column;
+run;</a:t>
+            </a:r>
+          </a:p>
+        </p:txBody>
+      </p:sp>
+    </p:spTree>
+  </p:cSld>
+</p:sld>
+</file>
+
+<file path=ppt/slides/slide12.xml><?xml version="1.0" encoding="utf-8"?>
+<p:sld xmlns:a="http://schemas.openxmlformats.org/drawingml/2006/main" xmlns:r="http://schemas.openxmlformats.org/officeDocument/2006/relationships" xmlns:p="http://schemas.openxmlformats.org/presentationml/2006/main">
+  <p:cSld>
+    <p:spTree>
+      <p:nvGrpSpPr>
+        <p:cNvPr id="1" name=""/>
+        <p:cNvGrpSpPr/>
+        <p:nvPr/>
+      </p:nvGrpSpPr>
+      <p:grpSpPr>
+        <a:xfrm>
+          <a:off x="0" y="0"/>
+          <a:ext cx="0" cy="0"/>
+          <a:chOff x="0" y="0"/>
+          <a:chExt cx="0" cy="0"/>
+        </a:xfrm>
+      </p:grpSpPr>
+      <p:sp>
+        <p:nvSpPr>
+          <p:cNvPr id="2" name="Title 1"/>
+          <p:cNvSpPr>
+            <a:spLocks noGrp="1"/>
+          </p:cNvSpPr>
+          <p:nvPr>
+            <p:ph type="title"/>
+          </p:nvPr>
+        </p:nvSpPr>
+        <p:spPr/>
+        <p:txBody>
+          <a:bodyPr/>
+          <a:lstStyle/>
+          <a:p>
+            <a:pPr lvl="0" marL="0" indent="0">
+              <a:buNone/>
+            </a:pPr>
+            <a:r>
+              <a:rPr/>
+              <a:t>Select</a:t>
+            </a:r>
+            <a:r>
+              <a:rPr/>
+              <a:t> </a:t>
+            </a:r>
+            <a:r>
+              <a:rPr/>
+              <a:t>a</a:t>
+            </a:r>
+            <a:r>
+              <a:rPr/>
+              <a:t> </a:t>
+            </a:r>
+            <a:r>
+              <a:rPr/>
+              <a:t>single</a:t>
+            </a:r>
+            <a:r>
+              <a:rPr/>
+              <a:t> </a:t>
+            </a:r>
+            <a:r>
+              <a:rPr/>
+              <a:t>field</a:t>
+            </a:r>
+            <a:r>
+              <a:rPr/>
+              <a:t> </a:t>
+            </a:r>
+            <a:r>
+              <a:rPr/>
+              <a:t>in</a:t>
+            </a:r>
+            <a:r>
+              <a:rPr/>
+              <a:t> </a:t>
+            </a:r>
+            <a:r>
+              <a:rPr/>
+              <a:t>SAS</a:t>
+            </a:r>
+            <a:r>
+              <a:rPr/>
+              <a:t> </a:t>
+            </a:r>
+            <a:r>
+              <a:rPr/>
+              <a:t>(2/2)</a:t>
+            </a:r>
+          </a:p>
+        </p:txBody>
+      </p:sp>
+      <p:pic>
+        <p:nvPicPr>
+          <p:cNvPr descr="../images/select-sas-02.png" id="0" name="Picture 1"/>
+          <p:cNvPicPr>
+            <a:picLocks noGrp="1" noChangeAspect="1"/>
+          </p:cNvPicPr>
+          <p:nvPr/>
+        </p:nvPicPr>
+        <p:blipFill>
+          <a:blip r:embed="rId3"/>
+          <a:stretch>
+            <a:fillRect/>
+          </a:stretch>
+        </p:blipFill>
+        <p:spPr bwMode="auto">
+          <a:xfrm>
+            <a:off x="558800" y="1600200"/>
+            <a:ext cx="8026400" cy="4013200"/>
+          </a:xfrm>
+          <a:prstGeom prst="rect">
+            <a:avLst/>
+          </a:prstGeom>
+          <a:noFill/>
+          <a:ln w="9525">
+            <a:noFill/>
+            <a:headEnd/>
+            <a:tailEnd/>
+          </a:ln>
+        </p:spPr>
+      </p:pic>
+      <p:sp>
+        <p:nvSpPr>
+          <p:cNvPr id="1" name="TextBox 3"/>
+          <p:cNvSpPr txBox="1"/>
+          <p:nvPr/>
+        </p:nvSpPr>
+        <p:spPr>
+          <a:xfrm>
+            <a:off x="457200" y="5613400"/>
+            <a:ext cx="8229600" cy="508000"/>
+          </a:xfrm>
+          <a:prstGeom prst="rect">
+            <a:avLst/>
+          </a:prstGeom>
+          <a:noFill/>
+        </p:spPr>
+        <p:txBody>
+          <a:bodyPr/>
+          <a:lstStyle/>
+          <a:p>
+            <a:pPr lvl="0" marL="0" indent="0" algn="ctr">
+              <a:buNone/>
+            </a:pPr>
+            <a:r>
+              <a:rPr/>
+              <a:t>SAS</a:t>
+            </a:r>
+            <a:r>
+              <a:rPr/>
+              <a:t> </a:t>
+            </a:r>
+            <a:r>
+              <a:rPr/>
+              <a:t>Output</a:t>
+            </a:r>
+          </a:p>
+        </p:txBody>
+      </p:sp>
+    </p:spTree>
+  </p:cSld>
+</p:sld>
+</file>
+
+<file path=ppt/slides/slide13.xml><?xml version="1.0" encoding="utf-8"?>
+<p:sld xmlns:a="http://schemas.openxmlformats.org/drawingml/2006/main" xmlns:r="http://schemas.openxmlformats.org/officeDocument/2006/relationships" xmlns:p="http://schemas.openxmlformats.org/presentationml/2006/main">
+  <p:cSld>
+    <p:spTree>
+      <p:nvGrpSpPr>
+        <p:cNvPr id="1" name=""/>
+        <p:cNvGrpSpPr/>
+        <p:nvPr/>
+      </p:nvGrpSpPr>
+      <p:grpSpPr>
+        <a:xfrm>
+          <a:off x="0" y="0"/>
+          <a:ext cx="0" cy="0"/>
+          <a:chOff x="0" y="0"/>
+          <a:chExt cx="0" cy="0"/>
+        </a:xfrm>
+      </p:grpSpPr>
+      <p:sp>
+        <p:nvSpPr>
+          <p:cNvPr id="2" name="Title 1"/>
+          <p:cNvSpPr>
+            <a:spLocks noGrp="1"/>
+          </p:cNvSpPr>
+          <p:nvPr>
+            <p:ph type="title"/>
+          </p:nvPr>
+        </p:nvSpPr>
+        <p:spPr/>
+        <p:txBody>
+          <a:bodyPr/>
+          <a:lstStyle/>
+          <a:p>
+            <a:pPr lvl="0" marL="0" indent="0">
+              <a:buNone/>
+            </a:pPr>
+            <a:r>
+              <a:rPr/>
+              <a:t>Selecting</a:t>
+            </a:r>
+            <a:r>
+              <a:rPr/>
+              <a:t> </a:t>
+            </a:r>
+            <a:r>
+              <a:rPr/>
+              <a:t>multiple</a:t>
+            </a:r>
+            <a:r>
+              <a:rPr/>
+              <a:t> </a:t>
+            </a:r>
+            <a:r>
+              <a:rPr/>
+              <a:t>fields</a:t>
+            </a:r>
+          </a:p>
+        </p:txBody>
+      </p:sp>
+      <p:sp>
+        <p:nvSpPr>
+          <p:cNvPr id="3" name="Content Placeholder 2"/>
+          <p:cNvSpPr>
+            <a:spLocks noGrp="1"/>
+          </p:cNvSpPr>
+          <p:nvPr>
+            <p:ph idx="1"/>
+          </p:nvPr>
+        </p:nvSpPr>
+        <p:spPr/>
+        <p:txBody>
+          <a:bodyPr/>
+          <a:lstStyle/>
+          <a:p>
+            <a:pPr lvl="1"/>
+            <a:r>
+              <a:rPr/>
+              <a:t>SQL code</a:t>
+            </a:r>
+          </a:p>
+          <a:p>
+            <a:pPr lvl="0" marL="1270000" indent="0">
+              <a:buNone/>
+            </a:pPr>
+            <a:r>
+              <a:rPr sz="1800">
+                <a:latin typeface="Courier"/>
+              </a:rPr>
+              <a:t>select Airline, r2016, r2017
+  from airlines_table</a:t>
+            </a:r>
+          </a:p>
+        </p:txBody>
+      </p:sp>
+    </p:spTree>
+  </p:cSld>
+</p:sld>
+</file>
+
+<file path=ppt/slides/slide14.xml><?xml version="1.0" encoding="utf-8"?>
+<p:sld xmlns:a="http://schemas.openxmlformats.org/drawingml/2006/main" xmlns:r="http://schemas.openxmlformats.org/officeDocument/2006/relationships" xmlns:p="http://schemas.openxmlformats.org/presentationml/2006/main">
+  <p:cSld>
+    <p:spTree>
+      <p:nvGrpSpPr>
+        <p:cNvPr id="1" name=""/>
+        <p:cNvGrpSpPr/>
+        <p:nvPr/>
+      </p:nvGrpSpPr>
+      <p:grpSpPr>
+        <a:xfrm>
+          <a:off x="0" y="0"/>
+          <a:ext cx="0" cy="0"/>
+          <a:chOff x="0" y="0"/>
+          <a:chExt cx="0" cy="0"/>
+        </a:xfrm>
+      </p:grpSpPr>
+      <p:sp>
+        <p:nvSpPr>
+          <p:cNvPr id="2" name="Title 1"/>
+          <p:cNvSpPr>
+            <a:spLocks noGrp="1"/>
+          </p:cNvSpPr>
+          <p:nvPr>
+            <p:ph type="title"/>
+          </p:nvPr>
+        </p:nvSpPr>
+        <p:spPr/>
+        <p:txBody>
+          <a:bodyPr/>
+          <a:lstStyle/>
+          <a:p>
+            <a:pPr lvl="0" marL="0" indent="0">
+              <a:buNone/>
+            </a:pPr>
+            <a:r>
+              <a:rPr/>
+              <a:t>Selecting</a:t>
+            </a:r>
+            <a:r>
+              <a:rPr/>
+              <a:t> </a:t>
+            </a:r>
+            <a:r>
+              <a:rPr/>
+              <a:t>multiple</a:t>
+            </a:r>
+            <a:r>
+              <a:rPr/>
+              <a:t> </a:t>
+            </a:r>
+            <a:r>
+              <a:rPr/>
+              <a:t>fields</a:t>
+            </a:r>
+            <a:r>
+              <a:rPr/>
+              <a:t> </a:t>
+            </a:r>
+            <a:r>
+              <a:rPr/>
+              <a:t>in</a:t>
+            </a:r>
+            <a:r>
+              <a:rPr/>
+              <a:t> </a:t>
+            </a:r>
+            <a:r>
+              <a:rPr/>
+              <a:t>R</a:t>
+            </a:r>
+            <a:r>
+              <a:rPr/>
+              <a:t> </a:t>
+            </a:r>
+            <a:r>
+              <a:rPr/>
+              <a:t>(1/2)</a:t>
+            </a:r>
+          </a:p>
+        </p:txBody>
+      </p:sp>
+      <p:sp>
+        <p:nvSpPr>
+          <p:cNvPr id="3" name="Content Placeholder 2"/>
+          <p:cNvSpPr>
+            <a:spLocks noGrp="1"/>
+          </p:cNvSpPr>
+          <p:nvPr>
+            <p:ph idx="1"/>
+          </p:nvPr>
+        </p:nvSpPr>
+        <p:spPr/>
+        <p:txBody>
+          <a:bodyPr/>
+          <a:lstStyle/>
+          <a:p>
+            <a:pPr lvl="0" marL="1270000" indent="0">
+              <a:buNone/>
+            </a:pPr>
+            <a:r>
+              <a:rPr sz="1800">
+                <a:latin typeface="Courier"/>
+              </a:rPr>
+              <a:t>airline_bump_rates &lt;-</a:t>
+            </a:r>
+            <a:r>
+              <a:rPr sz="1800">
+                <a:solidFill>
+                  <a:srgbClr val="4070A0"/>
+                </a:solidFill>
+                <a:latin typeface="Courier"/>
+              </a:rPr>
+              <a:t> </a:t>
+            </a:r>
+            <a:r>
+              <a:rPr sz="1800" b="1">
+                <a:solidFill>
+                  <a:srgbClr val="007020"/>
+                </a:solidFill>
+                <a:latin typeface="Courier"/>
+              </a:rPr>
+              <a:t>dbGetQuery</a:t>
+            </a:r>
+            <a:r>
+              <a:rPr sz="1800">
+                <a:latin typeface="Courier"/>
+              </a:rPr>
+              <a:t>(</a:t>
+            </a:r>
+            <a:r>
+              <a:rPr sz="1800">
+                <a:solidFill>
+                  <a:srgbClr val="902000"/>
+                </a:solidFill>
+                <a:latin typeface="Courier"/>
+              </a:rPr>
+              <a:t>conn=</a:t>
+            </a:r>
+            <a:r>
+              <a:rPr sz="1800">
+                <a:latin typeface="Courier"/>
+              </a:rPr>
+              <a:t>db,</a:t>
+            </a:r>
+            <a:br/>
+            <a:r>
+              <a:rPr sz="1800">
+                <a:latin typeface="Courier"/>
+              </a:rPr>
+              <a:t> </a:t>
+            </a:r>
+            <a:r>
+              <a:rPr sz="1800">
+                <a:solidFill>
+                  <a:srgbClr val="4070A0"/>
+                </a:solidFill>
+                <a:latin typeface="Courier"/>
+              </a:rPr>
+              <a:t>"select </a:t>
+            </a:r>
+            <a:br/>
+            <a:r>
+              <a:rPr sz="1800">
+                <a:solidFill>
+                  <a:srgbClr val="4070A0"/>
+                </a:solidFill>
+                <a:latin typeface="Courier"/>
+              </a:rPr>
+              <a:t>    Airline, r2016, r2017</a:t>
+            </a:r>
+            <a:br/>
+            <a:r>
+              <a:rPr sz="1800">
+                <a:solidFill>
+                  <a:srgbClr val="4070A0"/>
+                </a:solidFill>
+                <a:latin typeface="Courier"/>
+              </a:rPr>
+              <a:t>   from airlines_table"</a:t>
+            </a:r>
+            <a:r>
+              <a:rPr sz="1800">
+                <a:latin typeface="Courier"/>
+              </a:rPr>
+              <a:t>)</a:t>
+            </a:r>
+            <a:br/>
+            <a:r>
+              <a:rPr sz="1800">
+                <a:latin typeface="Courier"/>
+              </a:rPr>
+              <a:t>airline_bump_rates</a:t>
+            </a:r>
+          </a:p>
+        </p:txBody>
+      </p:sp>
+    </p:spTree>
+  </p:cSld>
+</p:sld>
+</file>
+
+<file path=ppt/slides/slide15.xml><?xml version="1.0" encoding="utf-8"?>
+<p:sld xmlns:a="http://schemas.openxmlformats.org/drawingml/2006/main" xmlns:r="http://schemas.openxmlformats.org/officeDocument/2006/relationships" xmlns:p="http://schemas.openxmlformats.org/presentationml/2006/main">
+  <p:cSld>
+    <p:spTree>
+      <p:nvGrpSpPr>
+        <p:cNvPr id="1" name=""/>
+        <p:cNvGrpSpPr/>
+        <p:nvPr/>
+      </p:nvGrpSpPr>
+      <p:grpSpPr>
+        <a:xfrm>
+          <a:off x="0" y="0"/>
+          <a:ext cx="0" cy="0"/>
+          <a:chOff x="0" y="0"/>
+          <a:chExt cx="0" cy="0"/>
+        </a:xfrm>
+      </p:grpSpPr>
+      <p:sp>
+        <p:nvSpPr>
+          <p:cNvPr id="2" name="Title 1"/>
+          <p:cNvSpPr>
+            <a:spLocks noGrp="1"/>
+          </p:cNvSpPr>
+          <p:nvPr>
+            <p:ph type="title"/>
+          </p:nvPr>
+        </p:nvSpPr>
+        <p:spPr/>
+        <p:txBody>
+          <a:bodyPr/>
+          <a:lstStyle/>
+          <a:p>
+            <a:pPr lvl="0" marL="0" indent="0">
+              <a:buNone/>
+            </a:pPr>
+            <a:r>
+              <a:rPr/>
+              <a:t>Selecting</a:t>
+            </a:r>
+            <a:r>
+              <a:rPr/>
+              <a:t> </a:t>
+            </a:r>
+            <a:r>
+              <a:rPr/>
+              <a:t>multiple</a:t>
+            </a:r>
+            <a:r>
+              <a:rPr/>
+              <a:t> </a:t>
+            </a:r>
+            <a:r>
+              <a:rPr/>
+              <a:t>fields</a:t>
+            </a:r>
+            <a:r>
+              <a:rPr/>
+              <a:t> </a:t>
+            </a:r>
+            <a:r>
+              <a:rPr/>
+              <a:t>in</a:t>
+            </a:r>
+            <a:r>
+              <a:rPr/>
+              <a:t> </a:t>
+            </a:r>
+            <a:r>
+              <a:rPr/>
+              <a:t>R</a:t>
+            </a:r>
+            <a:r>
+              <a:rPr/>
+              <a:t> </a:t>
+            </a:r>
+            <a:r>
+              <a:rPr/>
+              <a:t>(2/2)</a:t>
+            </a:r>
+          </a:p>
+        </p:txBody>
+      </p:sp>
+      <p:sp>
+        <p:nvSpPr>
+          <p:cNvPr id="3" name="Content Placeholder 2"/>
+          <p:cNvSpPr>
+            <a:spLocks noGrp="1"/>
+          </p:cNvSpPr>
+          <p:nvPr>
+            <p:ph idx="1"/>
+          </p:nvPr>
+        </p:nvSpPr>
+        <p:spPr/>
+        <p:txBody>
+          <a:bodyPr/>
+          <a:lstStyle/>
+          <a:p>
+            <a:pPr lvl="0" marL="1270000" indent="0">
+              <a:buNone/>
+            </a:pPr>
+            <a:r>
+              <a:rPr sz="1800">
+                <a:latin typeface="Courier"/>
+              </a:rPr>
+              <a:t>##       Airline r2016 r2017
+## 1       DELTA  0.09  0.07
+## 2      VIRGIN  0.13  0.27
+## 3     JETBLUE  0.82  0.54
+## 4      UNITED  0.45  0.30
+## 5    HAWAIIAN  0.04  0.11
+## 6  EXPRESSJET  1.58  0.67
+## 7     SKYWEST  0.96  0.37
+## 8    AMERICAN  0.66  0.46
+## 9      ALASKA  0.41  0.35
+## 10  SOUTHWEST  1.06  0.58
+## 11   FRONTIER  0.63  0.45
+## 12     SPIRIT  0.93  0.88</a:t>
+            </a:r>
+          </a:p>
+        </p:txBody>
+      </p:sp>
+    </p:spTree>
+  </p:cSld>
+</p:sld>
+</file>
+
+<file path=ppt/slides/slide16.xml><?xml version="1.0" encoding="utf-8"?>
+<p:sld xmlns:a="http://schemas.openxmlformats.org/drawingml/2006/main" xmlns:r="http://schemas.openxmlformats.org/officeDocument/2006/relationships" xmlns:p="http://schemas.openxmlformats.org/presentationml/2006/main">
+  <p:cSld>
+    <p:spTree>
+      <p:nvGrpSpPr>
+        <p:cNvPr id="1" name=""/>
+        <p:cNvGrpSpPr/>
+        <p:nvPr/>
+      </p:nvGrpSpPr>
+      <p:grpSpPr>
+        <a:xfrm>
+          <a:off x="0" y="0"/>
+          <a:ext cx="0" cy="0"/>
+          <a:chOff x="0" y="0"/>
+          <a:chExt cx="0" cy="0"/>
+        </a:xfrm>
+      </p:grpSpPr>
+      <p:sp>
+        <p:nvSpPr>
+          <p:cNvPr id="2" name="Title 1"/>
+          <p:cNvSpPr>
+            <a:spLocks noGrp="1"/>
+          </p:cNvSpPr>
+          <p:nvPr>
+            <p:ph type="title"/>
+          </p:nvPr>
+        </p:nvSpPr>
+        <p:spPr/>
+        <p:txBody>
+          <a:bodyPr/>
+          <a:lstStyle/>
+          <a:p>
+            <a:pPr lvl="0" marL="0" indent="0">
+              <a:buNone/>
+            </a:pPr>
+            <a:r>
+              <a:rPr/>
+              <a:t>Select</a:t>
+            </a:r>
+            <a:r>
+              <a:rPr/>
+              <a:t> </a:t>
+            </a:r>
+            <a:r>
+              <a:rPr/>
+              <a:t>a</a:t>
+            </a:r>
+            <a:r>
+              <a:rPr/>
+              <a:t> </a:t>
+            </a:r>
+            <a:r>
+              <a:rPr/>
+              <a:t>multiple</a:t>
+            </a:r>
+            <a:r>
+              <a:rPr/>
+              <a:t> </a:t>
+            </a:r>
+            <a:r>
+              <a:rPr/>
+              <a:t>fields</a:t>
+            </a:r>
+            <a:r>
+              <a:rPr/>
+              <a:t> </a:t>
+            </a:r>
+            <a:r>
+              <a:rPr/>
+              <a:t>in</a:t>
+            </a:r>
+            <a:r>
+              <a:rPr/>
+              <a:t> </a:t>
+            </a:r>
+            <a:r>
+              <a:rPr/>
+              <a:t>SAS</a:t>
+            </a:r>
+            <a:r>
+              <a:rPr/>
+              <a:t> </a:t>
+            </a:r>
+            <a:r>
+              <a:rPr/>
+              <a:t>(1/2)</a:t>
+            </a:r>
+          </a:p>
+        </p:txBody>
+      </p:sp>
+      <p:sp>
+        <p:nvSpPr>
+          <p:cNvPr id="3" name="Content Placeholder 2"/>
+          <p:cNvSpPr>
+            <a:spLocks noGrp="1"/>
+          </p:cNvSpPr>
+          <p:nvPr>
+            <p:ph idx="1"/>
+          </p:nvPr>
+        </p:nvSpPr>
+        <p:spPr/>
+        <p:txBody>
+          <a:bodyPr/>
+          <a:lstStyle/>
+          <a:p>
+            <a:pPr lvl="1"/>
+            <a:r>
+              <a:rPr/>
+              <a:t>SAS code</a:t>
+            </a:r>
+          </a:p>
+          <a:p>
+            <a:pPr lvl="0" marL="1270000" indent="0">
+              <a:buNone/>
+            </a:pPr>
+            <a:r>
+              <a:rPr sz="1800">
+                <a:latin typeface="Courier"/>
+              </a:rPr>
+              <a:t>proc sql;
+  create table multiple_columns as
+  select Airline, r2017, r2016 
+    from sql_lib.airlines_table;
+quit;
+proc print
+    data=multiple_columns;
+run;</a:t>
+            </a:r>
+          </a:p>
+        </p:txBody>
+      </p:sp>
+    </p:spTree>
+  </p:cSld>
+</p:sld>
+</file>
+
+<file path=ppt/slides/slide17.xml><?xml version="1.0" encoding="utf-8"?>
+<p:sld xmlns:a="http://schemas.openxmlformats.org/drawingml/2006/main" xmlns:r="http://schemas.openxmlformats.org/officeDocument/2006/relationships" xmlns:p="http://schemas.openxmlformats.org/presentationml/2006/main">
+  <p:cSld>
+    <p:spTree>
+      <p:nvGrpSpPr>
+        <p:cNvPr id="1" name=""/>
+        <p:cNvGrpSpPr/>
+        <p:nvPr/>
+      </p:nvGrpSpPr>
+      <p:grpSpPr>
+        <a:xfrm>
+          <a:off x="0" y="0"/>
+          <a:ext cx="0" cy="0"/>
+          <a:chOff x="0" y="0"/>
+          <a:chExt cx="0" cy="0"/>
+        </a:xfrm>
+      </p:grpSpPr>
+      <p:sp>
+        <p:nvSpPr>
+          <p:cNvPr id="2" name="Title 1"/>
+          <p:cNvSpPr>
+            <a:spLocks noGrp="1"/>
+          </p:cNvSpPr>
+          <p:nvPr>
+            <p:ph type="title"/>
+          </p:nvPr>
+        </p:nvSpPr>
+        <p:spPr/>
+        <p:txBody>
+          <a:bodyPr/>
+          <a:lstStyle/>
+          <a:p>
+            <a:pPr lvl="0" marL="0" indent="0">
+              <a:buNone/>
+            </a:pPr>
+            <a:r>
+              <a:rPr/>
+              <a:t>Select</a:t>
+            </a:r>
+            <a:r>
+              <a:rPr/>
+              <a:t> </a:t>
+            </a:r>
+            <a:r>
+              <a:rPr/>
+              <a:t>a</a:t>
+            </a:r>
+            <a:r>
+              <a:rPr/>
+              <a:t> </a:t>
+            </a:r>
+            <a:r>
+              <a:rPr/>
+              <a:t>multiple</a:t>
+            </a:r>
+            <a:r>
+              <a:rPr/>
+              <a:t> </a:t>
+            </a:r>
+            <a:r>
+              <a:rPr/>
+              <a:t>fields</a:t>
+            </a:r>
+            <a:r>
+              <a:rPr/>
+              <a:t> </a:t>
+            </a:r>
+            <a:r>
+              <a:rPr/>
+              <a:t>in</a:t>
+            </a:r>
+            <a:r>
+              <a:rPr/>
+              <a:t> </a:t>
+            </a:r>
+            <a:r>
+              <a:rPr/>
+              <a:t>SAS</a:t>
+            </a:r>
+            <a:r>
+              <a:rPr/>
+              <a:t> </a:t>
+            </a:r>
+            <a:r>
+              <a:rPr/>
+              <a:t>(2/2)</a:t>
+            </a:r>
+          </a:p>
+        </p:txBody>
+      </p:sp>
+      <p:pic>
+        <p:nvPicPr>
+          <p:cNvPr descr="../images/select-sas-03.png" id="0" name="Picture 1"/>
+          <p:cNvPicPr>
+            <a:picLocks noGrp="1" noChangeAspect="1"/>
+          </p:cNvPicPr>
+          <p:nvPr/>
+        </p:nvPicPr>
+        <p:blipFill>
+          <a:blip r:embed="rId3"/>
+          <a:stretch>
+            <a:fillRect/>
+          </a:stretch>
+        </p:blipFill>
+        <p:spPr bwMode="auto">
+          <a:xfrm>
+            <a:off x="558800" y="1600200"/>
+            <a:ext cx="8026400" cy="4013200"/>
+          </a:xfrm>
+          <a:prstGeom prst="rect">
+            <a:avLst/>
+          </a:prstGeom>
+          <a:noFill/>
+          <a:ln w="9525">
+            <a:noFill/>
+            <a:headEnd/>
+            <a:tailEnd/>
+          </a:ln>
+        </p:spPr>
+      </p:pic>
+      <p:sp>
+        <p:nvSpPr>
+          <p:cNvPr id="1" name="TextBox 3"/>
+          <p:cNvSpPr txBox="1"/>
+          <p:nvPr/>
+        </p:nvSpPr>
+        <p:spPr>
+          <a:xfrm>
+            <a:off x="457200" y="5613400"/>
+            <a:ext cx="8229600" cy="508000"/>
+          </a:xfrm>
+          <a:prstGeom prst="rect">
+            <a:avLst/>
+          </a:prstGeom>
+          <a:noFill/>
+        </p:spPr>
+        <p:txBody>
+          <a:bodyPr/>
+          <a:lstStyle/>
+          <a:p>
+            <a:pPr lvl="0" marL="0" indent="0" algn="ctr">
+              <a:buNone/>
+            </a:pPr>
+            <a:r>
+              <a:rPr/>
+              <a:t>SAS</a:t>
+            </a:r>
+            <a:r>
+              <a:rPr/>
+              <a:t> </a:t>
+            </a:r>
+            <a:r>
+              <a:rPr/>
+              <a:t>Output</a:t>
+            </a:r>
+          </a:p>
+        </p:txBody>
+      </p:sp>
+    </p:spTree>
+  </p:cSld>
+</p:sld>
+</file>
+
+<file path=ppt/slides/slide18.xml><?xml version="1.0" encoding="utf-8"?>
+<p:sld xmlns:a="http://schemas.openxmlformats.org/drawingml/2006/main" xmlns:r="http://schemas.openxmlformats.org/officeDocument/2006/relationships" xmlns:p="http://schemas.openxmlformats.org/presentationml/2006/main">
+  <p:cSld>
+    <p:spTree>
+      <p:nvGrpSpPr>
+        <p:cNvPr id="1" name=""/>
+        <p:cNvGrpSpPr/>
+        <p:nvPr/>
+      </p:nvGrpSpPr>
+      <p:grpSpPr>
+        <a:xfrm>
+          <a:off x="0" y="0"/>
+          <a:ext cx="0" cy="0"/>
+          <a:chOff x="0" y="0"/>
+          <a:chExt cx="0" cy="0"/>
+        </a:xfrm>
+      </p:grpSpPr>
+      <p:sp>
+        <p:nvSpPr>
+          <p:cNvPr id="2" name="Title 1"/>
+          <p:cNvSpPr>
+            <a:spLocks noGrp="1"/>
+          </p:cNvSpPr>
+          <p:nvPr>
+            <p:ph type="title"/>
+          </p:nvPr>
+        </p:nvSpPr>
+        <p:spPr/>
+        <p:txBody>
+          <a:bodyPr/>
+          <a:lstStyle/>
+          <a:p>
+            <a:pPr lvl="0" marL="0" indent="0">
+              <a:buNone/>
+            </a:pPr>
+            <a:r>
+              <a:rPr/>
+              <a:t>Changing</a:t>
+            </a:r>
+            <a:r>
+              <a:rPr/>
+              <a:t> </a:t>
+            </a:r>
+            <a:r>
+              <a:rPr/>
+              <a:t>field</a:t>
+            </a:r>
+            <a:r>
+              <a:rPr/>
+              <a:t> </a:t>
+            </a:r>
+            <a:r>
+              <a:rPr/>
+              <a:t>names</a:t>
+            </a:r>
+          </a:p>
+        </p:txBody>
+      </p:sp>
+      <p:sp>
+        <p:nvSpPr>
+          <p:cNvPr id="3" name="Content Placeholder 2"/>
+          <p:cNvSpPr>
+            <a:spLocks noGrp="1"/>
+          </p:cNvSpPr>
+          <p:nvPr>
+            <p:ph idx="1"/>
+          </p:nvPr>
+        </p:nvSpPr>
+        <p:spPr/>
+        <p:txBody>
+          <a:bodyPr/>
+          <a:lstStyle/>
+          <a:p>
+            <a:pPr lvl="1"/>
+            <a:r>
+              <a:rPr/>
+              <a:t>SQL code</a:t>
+            </a:r>
+          </a:p>
+          <a:p>
+            <a:pPr lvl="0" marL="1270000" indent="0">
+              <a:buNone/>
+            </a:pPr>
+            <a:r>
+              <a:rPr sz="1800">
+                <a:latin typeface="Courier"/>
+              </a:rPr>
+              <a:t>select 
+  Airline, 
+  r2017 as current_rate, 
+  r2016 as previous_rate
+  from airlines_table</a:t>
+            </a:r>
+          </a:p>
+        </p:txBody>
+      </p:sp>
+    </p:spTree>
+  </p:cSld>
+</p:sld>
+</file>
+
+<file path=ppt/slides/slide19.xml><?xml version="1.0" encoding="utf-8"?>
+<p:sld xmlns:a="http://schemas.openxmlformats.org/drawingml/2006/main" xmlns:r="http://schemas.openxmlformats.org/officeDocument/2006/relationships" xmlns:p="http://schemas.openxmlformats.org/presentationml/2006/main">
+  <p:cSld>
+    <p:spTree>
+      <p:nvGrpSpPr>
+        <p:cNvPr id="1" name=""/>
+        <p:cNvGrpSpPr/>
+        <p:nvPr/>
+      </p:nvGrpSpPr>
+      <p:grpSpPr>
+        <a:xfrm>
+          <a:off x="0" y="0"/>
+          <a:ext cx="0" cy="0"/>
+          <a:chOff x="0" y="0"/>
+          <a:chExt cx="0" cy="0"/>
+        </a:xfrm>
+      </p:grpSpPr>
+      <p:sp>
+        <p:nvSpPr>
+          <p:cNvPr id="2" name="Title 1"/>
+          <p:cNvSpPr>
+            <a:spLocks noGrp="1"/>
+          </p:cNvSpPr>
+          <p:nvPr>
+            <p:ph type="title"/>
+          </p:nvPr>
+        </p:nvSpPr>
+        <p:spPr/>
+        <p:txBody>
+          <a:bodyPr/>
+          <a:lstStyle/>
+          <a:p>
+            <a:pPr lvl="0" marL="0" indent="0">
+              <a:buNone/>
+            </a:pPr>
+            <a:r>
+              <a:rPr/>
+              <a:t>Changing</a:t>
+            </a:r>
+            <a:r>
+              <a:rPr/>
+              <a:t> </a:t>
+            </a:r>
+            <a:r>
+              <a:rPr/>
+              <a:t>field</a:t>
+            </a:r>
+            <a:r>
+              <a:rPr/>
+              <a:t> </a:t>
+            </a:r>
+            <a:r>
+              <a:rPr/>
+              <a:t>names</a:t>
+            </a:r>
+            <a:r>
+              <a:rPr/>
+              <a:t> </a:t>
+            </a:r>
+            <a:r>
+              <a:rPr/>
+              <a:t>in</a:t>
+            </a:r>
+            <a:r>
+              <a:rPr/>
+              <a:t> </a:t>
+            </a:r>
+            <a:r>
+              <a:rPr/>
+              <a:t>R</a:t>
+            </a:r>
+            <a:r>
+              <a:rPr/>
+              <a:t> </a:t>
+            </a:r>
+            <a:r>
+              <a:rPr/>
+              <a:t>(1/2)</a:t>
+            </a:r>
+          </a:p>
+        </p:txBody>
+      </p:sp>
+      <p:sp>
+        <p:nvSpPr>
+          <p:cNvPr id="3" name="Content Placeholder 2"/>
+          <p:cNvSpPr>
+            <a:spLocks noGrp="1"/>
+          </p:cNvSpPr>
+          <p:nvPr>
+            <p:ph idx="1"/>
+          </p:nvPr>
+        </p:nvSpPr>
+        <p:spPr/>
+        <p:txBody>
+          <a:bodyPr/>
+          <a:lstStyle/>
+          <a:p>
+            <a:pPr lvl="0" marL="1270000" indent="0">
+              <a:buNone/>
+            </a:pPr>
+            <a:r>
+              <a:rPr sz="1800">
+                <a:latin typeface="Courier"/>
+              </a:rPr>
+              <a:t>changed_names &lt;-</a:t>
+            </a:r>
+            <a:r>
+              <a:rPr sz="1800">
+                <a:solidFill>
+                  <a:srgbClr val="4070A0"/>
+                </a:solidFill>
+                <a:latin typeface="Courier"/>
+              </a:rPr>
+              <a:t> </a:t>
+            </a:r>
+            <a:r>
+              <a:rPr sz="1800" b="1">
+                <a:solidFill>
+                  <a:srgbClr val="007020"/>
+                </a:solidFill>
+                <a:latin typeface="Courier"/>
+              </a:rPr>
+              <a:t>dbGetQuery</a:t>
+            </a:r>
+            <a:r>
+              <a:rPr sz="1800">
+                <a:latin typeface="Courier"/>
+              </a:rPr>
+              <a:t>(</a:t>
+            </a:r>
+            <a:r>
+              <a:rPr sz="1800">
+                <a:solidFill>
+                  <a:srgbClr val="902000"/>
+                </a:solidFill>
+                <a:latin typeface="Courier"/>
+              </a:rPr>
+              <a:t>conn=</a:t>
+            </a:r>
+            <a:r>
+              <a:rPr sz="1800">
+                <a:latin typeface="Courier"/>
+              </a:rPr>
+              <a:t>db,</a:t>
+            </a:r>
+            <a:br/>
+            <a:r>
+              <a:rPr sz="1800">
+                <a:latin typeface="Courier"/>
+              </a:rPr>
+              <a:t> </a:t>
+            </a:r>
+            <a:r>
+              <a:rPr sz="1800">
+                <a:solidFill>
+                  <a:srgbClr val="4070A0"/>
+                </a:solidFill>
+                <a:latin typeface="Courier"/>
+              </a:rPr>
+              <a:t>"select</a:t>
+            </a:r>
+            <a:br/>
+            <a:r>
+              <a:rPr sz="1800">
+                <a:solidFill>
+                  <a:srgbClr val="4070A0"/>
+                </a:solidFill>
+                <a:latin typeface="Courier"/>
+              </a:rPr>
+              <a:t>    Airline, </a:t>
+            </a:r>
+            <a:br/>
+            <a:r>
+              <a:rPr sz="1800">
+                <a:solidFill>
+                  <a:srgbClr val="4070A0"/>
+                </a:solidFill>
+                <a:latin typeface="Courier"/>
+              </a:rPr>
+              <a:t>    r2017 as current_rate, </a:t>
+            </a:r>
+            <a:br/>
+            <a:r>
+              <a:rPr sz="1800">
+                <a:solidFill>
+                  <a:srgbClr val="4070A0"/>
+                </a:solidFill>
+                <a:latin typeface="Courier"/>
+              </a:rPr>
+              <a:t>    r2016 as previous_rate</a:t>
+            </a:r>
+            <a:br/>
+            <a:r>
+              <a:rPr sz="1800">
+                <a:solidFill>
+                  <a:srgbClr val="4070A0"/>
+                </a:solidFill>
+                <a:latin typeface="Courier"/>
+              </a:rPr>
+              <a:t>    from airlines_table"</a:t>
+            </a:r>
+            <a:r>
+              <a:rPr sz="1800">
+                <a:latin typeface="Courier"/>
+              </a:rPr>
+              <a:t>)</a:t>
+            </a:r>
+            <a:br/>
+            <a:r>
+              <a:rPr sz="1800">
+                <a:latin typeface="Courier"/>
+              </a:rPr>
+              <a:t>changed_names</a:t>
             </a:r>
           </a:p>
         </p:txBody>
@@ -3557,7 +9787,7 @@
             </a:r>
             <a:r>
               <a:rPr/>
-              <a:t>fat</a:t>
+              <a:t>airlines</a:t>
             </a:r>
             <a:r>
               <a:rPr/>
@@ -3585,12 +9815,419 @@
           <a:bodyPr/>
           <a:lstStyle/>
           <a:p>
+            <a:pPr lvl="1"/>
+            <a:r>
+              <a:rPr/>
+              <a:t>Database airlines_db</a:t>
+            </a:r>
+          </a:p>
+          <a:p>
+            <a:pPr lvl="2"/>
+            <a:r>
+              <a:rPr/>
+              <a:t>Single table, airlines_table.</a:t>
+            </a:r>
+          </a:p>
+          <a:p>
+            <a:pPr lvl="2"/>
+            <a:r>
+              <a:rPr/>
+              <a:t>Number of passengers bumped from their flights due to overbooking.</a:t>
+            </a:r>
+          </a:p>
+          <a:p>
+            <a:pPr lvl="2"/>
+            <a:r>
+              <a:rPr/>
+              <a:t>For years 2016, 2017</a:t>
+            </a:r>
+          </a:p>
+          <a:p>
+            <a:pPr lvl="2"/>
+            <a:r>
+              <a:rPr/>
+              <a:t>Also rate of bumping per thousand passengers.</a:t>
+            </a:r>
+          </a:p>
+          <a:p>
+            <a:pPr lvl="3"/>
+            <a:r>
+              <a:rPr/>
+              <a:t>More details </a:t>
+            </a:r>
+            <a:r>
+              <a:rPr>
+                <a:hlinkClick r:id="rId3"/>
+              </a:rPr>
+              <a:t>at the Data Description website</a:t>
+            </a:r>
+            <a:r>
+              <a:rPr/>
+              <a:t>.</a:t>
+            </a:r>
+          </a:p>
+        </p:txBody>
+      </p:sp>
+    </p:spTree>
+  </p:cSld>
+</p:sld>
+</file>
+
+<file path=ppt/slides/slide20.xml><?xml version="1.0" encoding="utf-8"?>
+<p:sld xmlns:a="http://schemas.openxmlformats.org/drawingml/2006/main" xmlns:r="http://schemas.openxmlformats.org/officeDocument/2006/relationships" xmlns:p="http://schemas.openxmlformats.org/presentationml/2006/main">
+  <p:cSld>
+    <p:spTree>
+      <p:nvGrpSpPr>
+        <p:cNvPr id="1" name=""/>
+        <p:cNvGrpSpPr/>
+        <p:nvPr/>
+      </p:nvGrpSpPr>
+      <p:grpSpPr>
+        <a:xfrm>
+          <a:off x="0" y="0"/>
+          <a:ext cx="0" cy="0"/>
+          <a:chOff x="0" y="0"/>
+          <a:chExt cx="0" cy="0"/>
+        </a:xfrm>
+      </p:grpSpPr>
+      <p:sp>
+        <p:nvSpPr>
+          <p:cNvPr id="2" name="Title 1"/>
+          <p:cNvSpPr>
+            <a:spLocks noGrp="1"/>
+          </p:cNvSpPr>
+          <p:nvPr>
+            <p:ph type="title"/>
+          </p:nvPr>
+        </p:nvSpPr>
+        <p:spPr/>
+        <p:txBody>
+          <a:bodyPr/>
+          <a:lstStyle/>
+          <a:p>
             <a:pPr lvl="0" marL="0" indent="0">
               <a:buNone/>
             </a:pPr>
             <a:r>
               <a:rPr/>
-              <a:t>We will work with the database cigarette. It is stored as a sqlite database with one table, fat.sqlite. If you do not have this database, you can download it from the github site or you can create it using the program, input-first-file.Rmd.</a:t>
+              <a:t>Changing</a:t>
+            </a:r>
+            <a:r>
+              <a:rPr/>
+              <a:t> </a:t>
+            </a:r>
+            <a:r>
+              <a:rPr/>
+              <a:t>field</a:t>
+            </a:r>
+            <a:r>
+              <a:rPr/>
+              <a:t> </a:t>
+            </a:r>
+            <a:r>
+              <a:rPr/>
+              <a:t>names</a:t>
+            </a:r>
+            <a:r>
+              <a:rPr/>
+              <a:t> </a:t>
+            </a:r>
+            <a:r>
+              <a:rPr/>
+              <a:t>in</a:t>
+            </a:r>
+            <a:r>
+              <a:rPr/>
+              <a:t> </a:t>
+            </a:r>
+            <a:r>
+              <a:rPr/>
+              <a:t>R</a:t>
+            </a:r>
+            <a:r>
+              <a:rPr/>
+              <a:t> </a:t>
+            </a:r>
+            <a:r>
+              <a:rPr/>
+              <a:t>(2/2)</a:t>
+            </a:r>
+          </a:p>
+        </p:txBody>
+      </p:sp>
+      <p:sp>
+        <p:nvSpPr>
+          <p:cNvPr id="3" name="Content Placeholder 2"/>
+          <p:cNvSpPr>
+            <a:spLocks noGrp="1"/>
+          </p:cNvSpPr>
+          <p:nvPr>
+            <p:ph idx="1"/>
+          </p:nvPr>
+        </p:nvSpPr>
+        <p:spPr/>
+        <p:txBody>
+          <a:bodyPr/>
+          <a:lstStyle/>
+          <a:p>
+            <a:pPr lvl="0" marL="1270000" indent="0">
+              <a:buNone/>
+            </a:pPr>
+            <a:r>
+              <a:rPr sz="1800">
+                <a:latin typeface="Courier"/>
+              </a:rPr>
+              <a:t>##       Airline current_rate previous_rate
+## 1       DELTA         0.07          0.09
+## 2      VIRGIN         0.27          0.13
+## 3     JETBLUE         0.54          0.82
+## 4      UNITED         0.30          0.45
+## 5    HAWAIIAN         0.11          0.04
+## 6  EXPRESSJET         0.67          1.58
+## 7     SKYWEST         0.37          0.96
+## 8    AMERICAN         0.46          0.66
+## 9      ALASKA         0.35          0.41
+## 10  SOUTHWEST         0.58          1.06
+## 11   FRONTIER         0.45          0.63
+## 12     SPIRIT         0.88          0.93</a:t>
+            </a:r>
+          </a:p>
+        </p:txBody>
+      </p:sp>
+    </p:spTree>
+  </p:cSld>
+</p:sld>
+</file>
+
+<file path=ppt/slides/slide21.xml><?xml version="1.0" encoding="utf-8"?>
+<p:sld xmlns:a="http://schemas.openxmlformats.org/drawingml/2006/main" xmlns:r="http://schemas.openxmlformats.org/officeDocument/2006/relationships" xmlns:p="http://schemas.openxmlformats.org/presentationml/2006/main">
+  <p:cSld>
+    <p:spTree>
+      <p:nvGrpSpPr>
+        <p:cNvPr id="1" name=""/>
+        <p:cNvGrpSpPr/>
+        <p:nvPr/>
+      </p:nvGrpSpPr>
+      <p:grpSpPr>
+        <a:xfrm>
+          <a:off x="0" y="0"/>
+          <a:ext cx="0" cy="0"/>
+          <a:chOff x="0" y="0"/>
+          <a:chExt cx="0" cy="0"/>
+        </a:xfrm>
+      </p:grpSpPr>
+      <p:sp>
+        <p:nvSpPr>
+          <p:cNvPr id="2" name="Title 1"/>
+          <p:cNvSpPr>
+            <a:spLocks noGrp="1"/>
+          </p:cNvSpPr>
+          <p:nvPr>
+            <p:ph type="title"/>
+          </p:nvPr>
+        </p:nvSpPr>
+        <p:spPr/>
+        <p:txBody>
+          <a:bodyPr/>
+          <a:lstStyle/>
+          <a:p>
+            <a:pPr lvl="0" marL="0" indent="0">
+              <a:buNone/>
+            </a:pPr>
+            <a:r>
+              <a:rPr/>
+              <a:t>Renaming</a:t>
+            </a:r>
+            <a:r>
+              <a:rPr/>
+              <a:t> </a:t>
+            </a:r>
+            <a:r>
+              <a:rPr/>
+              <a:t>fields</a:t>
+            </a:r>
+            <a:r>
+              <a:rPr/>
+              <a:t> </a:t>
+            </a:r>
+            <a:r>
+              <a:rPr/>
+              <a:t>(1/2)</a:t>
+            </a:r>
+          </a:p>
+        </p:txBody>
+      </p:sp>
+      <p:sp>
+        <p:nvSpPr>
+          <p:cNvPr id="3" name="Content Placeholder 2"/>
+          <p:cNvSpPr>
+            <a:spLocks noGrp="1"/>
+          </p:cNvSpPr>
+          <p:nvPr>
+            <p:ph idx="1"/>
+          </p:nvPr>
+        </p:nvSpPr>
+        <p:spPr/>
+        <p:txBody>
+          <a:bodyPr/>
+          <a:lstStyle/>
+          <a:p>
+            <a:pPr lvl="1"/>
+            <a:r>
+              <a:rPr/>
+              <a:t>SAS code</a:t>
+            </a:r>
+          </a:p>
+          <a:p>
+            <a:pPr lvl="0" marL="1270000" indent="0">
+              <a:buNone/>
+            </a:pPr>
+            <a:r>
+              <a:rPr sz="1800">
+                <a:latin typeface="Courier"/>
+              </a:rPr>
+              <a:t>proc sql;
+  create table renamed_fields as
+  select
+    Airline,  
+    r2017 as current_rate, 
+    r2016 as previous_rate
+    from sql_lib.airlines_table;
+quit;
+proc print
+    data=renamed_fields;
+run;</a:t>
+            </a:r>
+          </a:p>
+        </p:txBody>
+      </p:sp>
+    </p:spTree>
+  </p:cSld>
+</p:sld>
+</file>
+
+<file path=ppt/slides/slide22.xml><?xml version="1.0" encoding="utf-8"?>
+<p:sld xmlns:a="http://schemas.openxmlformats.org/drawingml/2006/main" xmlns:r="http://schemas.openxmlformats.org/officeDocument/2006/relationships" xmlns:p="http://schemas.openxmlformats.org/presentationml/2006/main">
+  <p:cSld>
+    <p:spTree>
+      <p:nvGrpSpPr>
+        <p:cNvPr id="1" name=""/>
+        <p:cNvGrpSpPr/>
+        <p:nvPr/>
+      </p:nvGrpSpPr>
+      <p:grpSpPr>
+        <a:xfrm>
+          <a:off x="0" y="0"/>
+          <a:ext cx="0" cy="0"/>
+          <a:chOff x="0" y="0"/>
+          <a:chExt cx="0" cy="0"/>
+        </a:xfrm>
+      </p:grpSpPr>
+      <p:sp>
+        <p:nvSpPr>
+          <p:cNvPr id="2" name="Title 1"/>
+          <p:cNvSpPr>
+            <a:spLocks noGrp="1"/>
+          </p:cNvSpPr>
+          <p:nvPr>
+            <p:ph type="title"/>
+          </p:nvPr>
+        </p:nvSpPr>
+        <p:spPr/>
+        <p:txBody>
+          <a:bodyPr/>
+          <a:lstStyle/>
+          <a:p>
+            <a:pPr lvl="0" marL="0" indent="0">
+              <a:buNone/>
+            </a:pPr>
+            <a:r>
+              <a:rPr/>
+              <a:t>Renaming</a:t>
+            </a:r>
+            <a:r>
+              <a:rPr/>
+              <a:t> </a:t>
+            </a:r>
+            <a:r>
+              <a:rPr/>
+              <a:t>fields</a:t>
+            </a:r>
+            <a:r>
+              <a:rPr/>
+              <a:t> </a:t>
+            </a:r>
+            <a:r>
+              <a:rPr/>
+              <a:t>(2/2)</a:t>
+            </a:r>
+          </a:p>
+        </p:txBody>
+      </p:sp>
+      <p:pic>
+        <p:nvPicPr>
+          <p:cNvPr descr="../images/select-sas-04.png" id="0" name="Picture 1"/>
+          <p:cNvPicPr>
+            <a:picLocks noGrp="1" noChangeAspect="1"/>
+          </p:cNvPicPr>
+          <p:nvPr/>
+        </p:nvPicPr>
+        <p:blipFill>
+          <a:blip r:embed="rId3"/>
+          <a:stretch>
+            <a:fillRect/>
+          </a:stretch>
+        </p:blipFill>
+        <p:spPr bwMode="auto">
+          <a:xfrm>
+            <a:off x="558800" y="1600200"/>
+            <a:ext cx="8026400" cy="4013200"/>
+          </a:xfrm>
+          <a:prstGeom prst="rect">
+            <a:avLst/>
+          </a:prstGeom>
+          <a:noFill/>
+          <a:ln w="9525">
+            <a:noFill/>
+            <a:headEnd/>
+            <a:tailEnd/>
+          </a:ln>
+        </p:spPr>
+      </p:pic>
+      <p:sp>
+        <p:nvSpPr>
+          <p:cNvPr id="1" name="TextBox 3"/>
+          <p:cNvSpPr txBox="1"/>
+          <p:nvPr/>
+        </p:nvSpPr>
+        <p:spPr>
+          <a:xfrm>
+            <a:off x="457200" y="5613400"/>
+            <a:ext cx="8229600" cy="508000"/>
+          </a:xfrm>
+          <a:prstGeom prst="rect">
+            <a:avLst/>
+          </a:prstGeom>
+          <a:noFill/>
+        </p:spPr>
+        <p:txBody>
+          <a:bodyPr/>
+          <a:lstStyle/>
+          <a:p>
+            <a:pPr lvl="0" marL="0" indent="0" algn="ctr">
+              <a:buNone/>
+            </a:pPr>
+            <a:r>
+              <a:rPr/>
+              <a:t>SAS</a:t>
+            </a:r>
+            <a:r>
+              <a:rPr/>
+              <a:t> </a:t>
+            </a:r>
+            <a:r>
+              <a:rPr/>
+              <a:t>Output</a:t>
             </a:r>
           </a:p>
         </p:txBody>
@@ -3637,7 +10274,7 @@
             </a:pPr>
             <a:r>
               <a:rPr/>
-              <a:t>Getting</a:t>
+              <a:t>Select</a:t>
             </a:r>
             <a:r>
               <a:rPr/>
@@ -3743,7 +10380,31 @@
             </a:pPr>
             <a:r>
               <a:rPr/>
-              <a:t>Implementation</a:t>
+              <a:t>Select</a:t>
+            </a:r>
+            <a:r>
+              <a:rPr/>
+              <a:t> </a:t>
+            </a:r>
+            <a:r>
+              <a:rPr/>
+              <a:t>an</a:t>
+            </a:r>
+            <a:r>
+              <a:rPr/>
+              <a:t> </a:t>
+            </a:r>
+            <a:r>
+              <a:rPr/>
+              <a:t>entire</a:t>
+            </a:r>
+            <a:r>
+              <a:rPr/>
+              <a:t> </a:t>
+            </a:r>
+            <a:r>
+              <a:rPr/>
+              <a:t>table</a:t>
             </a:r>
             <a:r>
               <a:rPr/>
@@ -3797,15 +10458,182 @@
             <a:pPr lvl="0" marL="1270000" indent="0">
               <a:buNone/>
             </a:pPr>
+            <a:r>
+              <a:rPr sz="1800" b="1">
+                <a:solidFill>
+                  <a:srgbClr val="007020"/>
+                </a:solidFill>
+                <a:latin typeface="Courier"/>
+              </a:rPr>
+              <a:t>library</a:t>
+            </a:r>
             <a:r>
               <a:rPr sz="1800">
                 <a:latin typeface="Courier"/>
               </a:rPr>
-              <a:t>library(sqldf)
-db &lt;- dbConnect(SQLite(), dbname="../data/airlines_db.sqlite")
-airlines_data &lt;- dbGetQuery(conn=db,
- "select * from airlines_table")
-airlines_data</a:t>
+              <a:t>(sqldf)</a:t>
+            </a:r>
+            <a:br/>
+            <a:r>
+              <a:rPr sz="1800">
+                <a:latin typeface="Courier"/>
+              </a:rPr>
+              <a:t>db &lt;-</a:t>
+            </a:r>
+            <a:r>
+              <a:rPr sz="1800">
+                <a:solidFill>
+                  <a:srgbClr val="4070A0"/>
+                </a:solidFill>
+                <a:latin typeface="Courier"/>
+              </a:rPr>
+              <a:t> </a:t>
+            </a:r>
+            <a:r>
+              <a:rPr sz="1800" b="1">
+                <a:solidFill>
+                  <a:srgbClr val="007020"/>
+                </a:solidFill>
+                <a:latin typeface="Courier"/>
+              </a:rPr>
+              <a:t>dbConnect</a:t>
+            </a:r>
+            <a:r>
+              <a:rPr sz="1800">
+                <a:latin typeface="Courier"/>
+              </a:rPr>
+              <a:t>(</a:t>
+            </a:r>
+            <a:r>
+              <a:rPr sz="1800" b="1">
+                <a:solidFill>
+                  <a:srgbClr val="007020"/>
+                </a:solidFill>
+                <a:latin typeface="Courier"/>
+              </a:rPr>
+              <a:t>SQLite</a:t>
+            </a:r>
+            <a:r>
+              <a:rPr sz="1800">
+                <a:latin typeface="Courier"/>
+              </a:rPr>
+              <a:t>(), </a:t>
+            </a:r>
+            <a:br/>
+            <a:r>
+              <a:rPr sz="1800">
+                <a:latin typeface="Courier"/>
+              </a:rPr>
+              <a:t>  </a:t>
+            </a:r>
+            <a:r>
+              <a:rPr sz="1800">
+                <a:solidFill>
+                  <a:srgbClr val="902000"/>
+                </a:solidFill>
+                <a:latin typeface="Courier"/>
+              </a:rPr>
+              <a:t>dbname=</a:t>
+            </a:r>
+            <a:r>
+              <a:rPr sz="1800">
+                <a:solidFill>
+                  <a:srgbClr val="4070A0"/>
+                </a:solidFill>
+                <a:latin typeface="Courier"/>
+              </a:rPr>
+              <a:t>"../data/airlines_db.sqlite"</a:t>
+            </a:r>
+            <a:r>
+              <a:rPr sz="1800">
+                <a:latin typeface="Courier"/>
+              </a:rPr>
+              <a:t>)</a:t>
+            </a:r>
+            <a:br/>
+            <a:r>
+              <a:rPr sz="1800">
+                <a:latin typeface="Courier"/>
+              </a:rPr>
+              <a:t>airlines_data &lt;-</a:t>
+            </a:r>
+            <a:r>
+              <a:rPr sz="1800">
+                <a:solidFill>
+                  <a:srgbClr val="4070A0"/>
+                </a:solidFill>
+                <a:latin typeface="Courier"/>
+              </a:rPr>
+              <a:t> </a:t>
+            </a:r>
+            <a:r>
+              <a:rPr sz="1800" b="1">
+                <a:solidFill>
+                  <a:srgbClr val="007020"/>
+                </a:solidFill>
+                <a:latin typeface="Courier"/>
+              </a:rPr>
+              <a:t>dbGetQuery</a:t>
+            </a:r>
+            <a:r>
+              <a:rPr sz="1800">
+                <a:latin typeface="Courier"/>
+              </a:rPr>
+              <a:t>(</a:t>
+            </a:r>
+            <a:r>
+              <a:rPr sz="1800">
+                <a:solidFill>
+                  <a:srgbClr val="902000"/>
+                </a:solidFill>
+                <a:latin typeface="Courier"/>
+              </a:rPr>
+              <a:t>conn=</a:t>
+            </a:r>
+            <a:r>
+              <a:rPr sz="1800">
+                <a:latin typeface="Courier"/>
+              </a:rPr>
+              <a:t>db,</a:t>
+            </a:r>
+            <a:br/>
+            <a:r>
+              <a:rPr sz="1800">
+                <a:latin typeface="Courier"/>
+              </a:rPr>
+              <a:t> </a:t>
+            </a:r>
+            <a:r>
+              <a:rPr sz="1800">
+                <a:solidFill>
+                  <a:srgbClr val="4070A0"/>
+                </a:solidFill>
+                <a:latin typeface="Courier"/>
+              </a:rPr>
+              <a:t>"select * </a:t>
+            </a:r>
+            <a:br/>
+            <a:r>
+              <a:rPr sz="1800">
+                <a:solidFill>
+                  <a:srgbClr val="4070A0"/>
+                </a:solidFill>
+                <a:latin typeface="Courier"/>
+              </a:rPr>
+              <a:t>    from airlines_table"</a:t>
+            </a:r>
+            <a:r>
+              <a:rPr sz="1800">
+                <a:latin typeface="Courier"/>
+              </a:rPr>
+              <a:t>)</a:t>
+            </a:r>
+            <a:br/>
+            <a:r>
+              <a:rPr sz="1800">
+                <a:latin typeface="Courier"/>
+              </a:rPr>
+              <a:t>airlines_data</a:t>
             </a:r>
           </a:p>
         </p:txBody>
@@ -3852,7 +10680,31 @@
             </a:pPr>
             <a:r>
               <a:rPr/>
-              <a:t>Implementation</a:t>
+              <a:t>Select</a:t>
+            </a:r>
+            <a:r>
+              <a:rPr/>
+              <a:t> </a:t>
+            </a:r>
+            <a:r>
+              <a:rPr/>
+              <a:t>an</a:t>
+            </a:r>
+            <a:r>
+              <a:rPr/>
+              <a:t> </a:t>
+            </a:r>
+            <a:r>
+              <a:rPr/>
+              <a:t>entire</a:t>
+            </a:r>
+            <a:r>
+              <a:rPr/>
+              <a:t> </a:t>
+            </a:r>
+            <a:r>
+              <a:rPr/>
+              <a:t>table</a:t>
             </a:r>
             <a:r>
               <a:rPr/>
@@ -3962,31 +10814,39 @@
             </a:pPr>
             <a:r>
               <a:rPr/>
-              <a:t>Selecting</a:t>
-            </a:r>
-            <a:r>
-              <a:rPr/>
-              <a:t> </a:t>
-            </a:r>
-            <a:r>
-              <a:rPr/>
-              <a:t>a</a:t>
-            </a:r>
-            <a:r>
-              <a:rPr/>
-              <a:t> </a:t>
-            </a:r>
-            <a:r>
-              <a:rPr/>
-              <a:t>single</a:t>
-            </a:r>
-            <a:r>
-              <a:rPr/>
-              <a:t> </a:t>
-            </a:r>
-            <a:r>
-              <a:rPr/>
-              <a:t>field</a:t>
+              <a:t>Select</a:t>
+            </a:r>
+            <a:r>
+              <a:rPr/>
+              <a:t> </a:t>
+            </a:r>
+            <a:r>
+              <a:rPr/>
+              <a:t>entire</a:t>
+            </a:r>
+            <a:r>
+              <a:rPr/>
+              <a:t> </a:t>
+            </a:r>
+            <a:r>
+              <a:rPr/>
+              <a:t>table</a:t>
+            </a:r>
+            <a:r>
+              <a:rPr/>
+              <a:t> </a:t>
+            </a:r>
+            <a:r>
+              <a:rPr/>
+              <a:t>in</a:t>
+            </a:r>
+            <a:r>
+              <a:rPr/>
+              <a:t> </a:t>
+            </a:r>
+            <a:r>
+              <a:rPr/>
+              <a:t>SAS</a:t>
             </a:r>
             <a:r>
               <a:rPr/>
@@ -4017,7 +10877,7 @@
             <a:pPr lvl="1"/>
             <a:r>
               <a:rPr/>
-              <a:t>SQL code</a:t>
+              <a:t>SAS code</a:t>
             </a:r>
           </a:p>
           <a:p>
@@ -4028,8 +10888,16 @@
               <a:rPr sz="1800">
                 <a:latin typeface="Courier"/>
               </a:rPr>
-              <a:t>select airline
-  from airlines_table</a:t>
+              <a:t>libname sql_lib odbc
+  datasrc='sqlite3';
+proc sql;
+  create table full_table as
+  select * 
+    from sql_lib.airlines_table;
+quit;
+proc print
+    data=full_table;
+run;</a:t>
             </a:r>
           </a:p>
         </p:txBody>
@@ -4076,31 +10944,39 @@
             </a:pPr>
             <a:r>
               <a:rPr/>
-              <a:t>Selecting</a:t>
-            </a:r>
-            <a:r>
-              <a:rPr/>
-              <a:t> </a:t>
-            </a:r>
-            <a:r>
-              <a:rPr/>
-              <a:t>a</a:t>
-            </a:r>
-            <a:r>
-              <a:rPr/>
-              <a:t> </a:t>
-            </a:r>
-            <a:r>
-              <a:rPr/>
-              <a:t>single</a:t>
-            </a:r>
-            <a:r>
-              <a:rPr/>
-              <a:t> </a:t>
-            </a:r>
-            <a:r>
-              <a:rPr/>
-              <a:t>field</a:t>
+              <a:t>Select</a:t>
+            </a:r>
+            <a:r>
+              <a:rPr/>
+              <a:t> </a:t>
+            </a:r>
+            <a:r>
+              <a:rPr/>
+              <a:t>entire</a:t>
+            </a:r>
+            <a:r>
+              <a:rPr/>
+              <a:t> </a:t>
+            </a:r>
+            <a:r>
+              <a:rPr/>
+              <a:t>table</a:t>
+            </a:r>
+            <a:r>
+              <a:rPr/>
+              <a:t> </a:t>
+            </a:r>
+            <a:r>
+              <a:rPr/>
+              <a:t>in</a:t>
+            </a:r>
+            <a:r>
+              <a:rPr/>
+              <a:t> </a:t>
+            </a:r>
+            <a:r>
+              <a:rPr/>
+              <a:t>SAS</a:t>
             </a:r>
             <a:r>
               <a:rPr/>
@@ -4113,41 +10989,70 @@
           </a:p>
         </p:txBody>
       </p:sp>
-      <p:sp>
-        <p:nvSpPr>
-          <p:cNvPr id="3" name="Content Placeholder 2"/>
-          <p:cNvSpPr>
-            <a:spLocks noGrp="1"/>
-          </p:cNvSpPr>
-          <p:nvPr>
-            <p:ph idx="1"/>
-          </p:nvPr>
-        </p:nvSpPr>
-        <p:spPr/>
-        <p:txBody>
-          <a:bodyPr/>
-          <a:lstStyle/>
-          <a:p>
-            <a:pPr lvl="0" marL="1270000" indent="0">
+      <p:pic>
+        <p:nvPicPr>
+          <p:cNvPr descr="../images/select-sas-01.png" id="0" name="Picture 1"/>
+          <p:cNvPicPr>
+            <a:picLocks noGrp="1" noChangeAspect="1"/>
+          </p:cNvPicPr>
+          <p:nvPr/>
+        </p:nvPicPr>
+        <p:blipFill>
+          <a:blip r:embed="rId3"/>
+          <a:stretch>
+            <a:fillRect/>
+          </a:stretch>
+        </p:blipFill>
+        <p:spPr bwMode="auto">
+          <a:xfrm>
+            <a:off x="558800" y="1600200"/>
+            <a:ext cx="8026400" cy="4013200"/>
+          </a:xfrm>
+          <a:prstGeom prst="rect">
+            <a:avLst/>
+          </a:prstGeom>
+          <a:noFill/>
+          <a:ln w="9525">
+            <a:noFill/>
+            <a:headEnd/>
+            <a:tailEnd/>
+          </a:ln>
+        </p:spPr>
+      </p:pic>
+      <p:sp>
+        <p:nvSpPr>
+          <p:cNvPr id="1" name="TextBox 3"/>
+          <p:cNvSpPr txBox="1"/>
+          <p:nvPr/>
+        </p:nvSpPr>
+        <p:spPr>
+          <a:xfrm>
+            <a:off x="457200" y="5613400"/>
+            <a:ext cx="8229600" cy="508000"/>
+          </a:xfrm>
+          <a:prstGeom prst="rect">
+            <a:avLst/>
+          </a:prstGeom>
+          <a:noFill/>
+        </p:spPr>
+        <p:txBody>
+          <a:bodyPr/>
+          <a:lstStyle/>
+          <a:p>
+            <a:pPr lvl="0" marL="0" indent="0" algn="ctr">
               <a:buNone/>
             </a:pPr>
             <a:r>
-              <a:rPr sz="1800">
-                <a:latin typeface="Courier"/>
-              </a:rPr>
-              <a:t>##       Airline
-## 1       DELTA
-## 2      VIRGIN
-## 3     JETBLUE
-## 4      UNITED
-## 5    HAWAIIAN
-## 6  EXPRESSJET
-## 7     SKYWEST
-## 8    AMERICAN
-## 9      ALASKA
-## 10  SOUTHWEST
-## 11   FRONTIER
-## 12     SPIRIT</a:t>
+              <a:rPr/>
+              <a:t>SAS</a:t>
+            </a:r>
+            <a:r>
+              <a:rPr/>
+              <a:t> </a:t>
+            </a:r>
+            <a:r>
+              <a:rPr/>
+              <a:t>Output</a:t>
             </a:r>
           </a:p>
         </p:txBody>
@@ -4202,23 +11107,23 @@
             </a:r>
             <a:r>
               <a:rPr/>
-              <a:t>multiple</a:t>
-            </a:r>
-            <a:r>
-              <a:rPr/>
-              <a:t> </a:t>
-            </a:r>
-            <a:r>
-              <a:rPr/>
-              <a:t>fields</a:t>
-            </a:r>
-            <a:r>
-              <a:rPr/>
-              <a:t> </a:t>
-            </a:r>
-            <a:r>
-              <a:rPr/>
-              <a:t>(1/2)</a:t>
+              <a:t>a</a:t>
+            </a:r>
+            <a:r>
+              <a:rPr/>
+              <a:t> </a:t>
+            </a:r>
+            <a:r>
+              <a:rPr/>
+              <a:t>single</a:t>
+            </a:r>
+            <a:r>
+              <a:rPr/>
+              <a:t> </a:t>
+            </a:r>
+            <a:r>
+              <a:rPr/>
+              <a:t>field</a:t>
             </a:r>
           </a:p>
         </p:txBody>
@@ -4252,7 +11157,7 @@
               <a:rPr sz="1800">
                 <a:latin typeface="Courier"/>
               </a:rPr>
-              <a:t>select Airline, r2016, r2017
+              <a:t>select airline
   from airlines_table</a:t>
             </a:r>
           </a:p>
@@ -4308,23 +11213,47 @@
             </a:r>
             <a:r>
               <a:rPr/>
-              <a:t>multiple</a:t>
-            </a:r>
-            <a:r>
-              <a:rPr/>
-              <a:t> </a:t>
-            </a:r>
-            <a:r>
-              <a:rPr/>
-              <a:t>fields</a:t>
-            </a:r>
-            <a:r>
-              <a:rPr/>
-              <a:t> </a:t>
-            </a:r>
-            <a:r>
-              <a:rPr/>
-              <a:t>(2/2)</a:t>
+              <a:t>a</a:t>
+            </a:r>
+            <a:r>
+              <a:rPr/>
+              <a:t> </a:t>
+            </a:r>
+            <a:r>
+              <a:rPr/>
+              <a:t>single</a:t>
+            </a:r>
+            <a:r>
+              <a:rPr/>
+              <a:t> </a:t>
+            </a:r>
+            <a:r>
+              <a:rPr/>
+              <a:t>field</a:t>
+            </a:r>
+            <a:r>
+              <a:rPr/>
+              <a:t> </a:t>
+            </a:r>
+            <a:r>
+              <a:rPr/>
+              <a:t>in</a:t>
+            </a:r>
+            <a:r>
+              <a:rPr/>
+              <a:t> </a:t>
+            </a:r>
+            <a:r>
+              <a:rPr/>
+              <a:t>R</a:t>
+            </a:r>
+            <a:r>
+              <a:rPr/>
+              <a:t> </a:t>
+            </a:r>
+            <a:r>
+              <a:rPr/>
+              <a:t>(1/2)</a:t>
             </a:r>
           </a:p>
         </p:txBody>
@@ -4343,6 +11272,13 @@
         <p:txBody>
           <a:bodyPr/>
           <a:lstStyle/>
+          <a:p>
+            <a:pPr lvl="1"/>
+            <a:r>
+              <a:rPr/>
+              <a:t>R code</a:t>
+            </a:r>
+          </a:p>
           <a:p>
             <a:pPr lvl="0" marL="1270000" indent="0">
               <a:buNone/>
@@ -4351,19 +11287,85 @@
               <a:rPr sz="1800">
                 <a:latin typeface="Courier"/>
               </a:rPr>
-              <a:t>##       Airline r2016 r2017
-## 1       DELTA  0.09  0.07
-## 2      VIRGIN  0.13  0.27
-## 3     JETBLUE  0.82  0.54
-## 4      UNITED  0.45  0.30
-## 5    HAWAIIAN  0.04  0.11
-## 6  EXPRESSJET  1.58  0.67
-## 7     SKYWEST  0.96  0.37
-## 8    AMERICAN  0.66  0.46
-## 9      ALASKA  0.41  0.35
-## 10  SOUTHWEST  1.06  0.58
-## 11   FRONTIER  0.63  0.45
-## 12     SPIRIT  0.93  0.88</a:t>
+              <a:t>airline_names &lt;-</a:t>
+            </a:r>
+            <a:r>
+              <a:rPr sz="1800">
+                <a:solidFill>
+                  <a:srgbClr val="4070A0"/>
+                </a:solidFill>
+                <a:latin typeface="Courier"/>
+              </a:rPr>
+              <a:t> </a:t>
+            </a:r>
+            <a:r>
+              <a:rPr sz="1800" b="1">
+                <a:solidFill>
+                  <a:srgbClr val="007020"/>
+                </a:solidFill>
+                <a:latin typeface="Courier"/>
+              </a:rPr>
+              <a:t>dbGetQuery</a:t>
+            </a:r>
+            <a:r>
+              <a:rPr sz="1800">
+                <a:latin typeface="Courier"/>
+              </a:rPr>
+              <a:t>(</a:t>
+            </a:r>
+            <a:r>
+              <a:rPr sz="1800">
+                <a:solidFill>
+                  <a:srgbClr val="902000"/>
+                </a:solidFill>
+                <a:latin typeface="Courier"/>
+              </a:rPr>
+              <a:t>conn=</a:t>
+            </a:r>
+            <a:r>
+              <a:rPr sz="1800">
+                <a:latin typeface="Courier"/>
+              </a:rPr>
+              <a:t>db,</a:t>
+            </a:r>
+            <a:br/>
+            <a:r>
+              <a:rPr sz="1800">
+                <a:latin typeface="Courier"/>
+              </a:rPr>
+              <a:t> </a:t>
+            </a:r>
+            <a:r>
+              <a:rPr sz="1800">
+                <a:solidFill>
+                  <a:srgbClr val="4070A0"/>
+                </a:solidFill>
+                <a:latin typeface="Courier"/>
+              </a:rPr>
+              <a:t>"select Airline</a:t>
+            </a:r>
+            <a:br/>
+            <a:r>
+              <a:rPr sz="1800">
+                <a:solidFill>
+                  <a:srgbClr val="4070A0"/>
+                </a:solidFill>
+                <a:latin typeface="Courier"/>
+              </a:rPr>
+              <a:t>    from airlines_table"</a:t>
+            </a:r>
+            <a:r>
+              <a:rPr sz="1800">
+                <a:latin typeface="Courier"/>
+              </a:rPr>
+              <a:t>)</a:t>
+            </a:r>
+            <a:br/>
+            <a:r>
+              <a:rPr sz="1800">
+                <a:latin typeface="Courier"/>
+              </a:rPr>
+              <a:t>airline_names</a:t>
             </a:r>
           </a:p>
         </p:txBody>
@@ -4691,4 +11693,265 @@
   </a:objectDefaults>
   <a:extraClrSchemeLst/>
 </a:theme>
+</file>
+
+<file path=ppt/theme/theme2.xml><?xml version="1.0" encoding="utf-8"?>
+<a:theme xmlns:a="http://schemas.openxmlformats.org/drawingml/2006/main" name="Office Theme">
+  <a:themeElements>
+    <a:clrScheme name="Office">
+      <a:dk1>
+        <a:sysClr val="windowText" lastClr="000000"/>
+      </a:dk1>
+      <a:lt1>
+        <a:sysClr val="window" lastClr="FFFFFF"/>
+      </a:lt1>
+      <a:dk2>
+        <a:srgbClr val="44546A"/>
+      </a:dk2>
+      <a:lt2>
+        <a:srgbClr val="E7E6E6"/>
+      </a:lt2>
+      <a:accent1>
+        <a:srgbClr val="5B9BD5"/>
+      </a:accent1>
+      <a:accent2>
+        <a:srgbClr val="ED7D31"/>
+      </a:accent2>
+      <a:accent3>
+        <a:srgbClr val="A5A5A5"/>
+      </a:accent3>
+      <a:accent4>
+        <a:srgbClr val="FFC000"/>
+      </a:accent4>
+      <a:accent5>
+        <a:srgbClr val="4472C4"/>
+      </a:accent5>
+      <a:accent6>
+        <a:srgbClr val="70AD47"/>
+      </a:accent6>
+      <a:hlink>
+        <a:srgbClr val="0563C1"/>
+      </a:hlink>
+      <a:folHlink>
+        <a:srgbClr val="954F72"/>
+      </a:folHlink>
+    </a:clrScheme>
+    <a:fontScheme name="Office">
+      <a:majorFont>
+        <a:latin typeface="Calibri Light" panose="020F0302020204030204"/>
+        <a:ea typeface=""/>
+        <a:cs typeface=""/>
+        <a:font script="Jpan" typeface="ＭＳ Ｐゴシック"/>
+        <a:font script="Hang" typeface="맑은 고딕"/>
+        <a:font script="Hans" typeface="宋体"/>
+        <a:font script="Hant" typeface="新細明體"/>
+        <a:font script="Arab" typeface="Times New Roman"/>
+        <a:font script="Hebr" typeface="Times New Roman"/>
+        <a:font script="Thai" typeface="Angsana New"/>
+        <a:font script="Ethi" typeface="Nyala"/>
+        <a:font script="Beng" typeface="Vrinda"/>
+        <a:font script="Gujr" typeface="Shruti"/>
+        <a:font script="Khmr" typeface="MoolBoran"/>
+        <a:font script="Knda" typeface="Tunga"/>
+        <a:font script="Guru" typeface="Raavi"/>
+        <a:font script="Cans" typeface="Euphemia"/>
+        <a:font script="Cher" typeface="Plantagenet Cherokee"/>
+        <a:font script="Yiii" typeface="Microsoft Yi Baiti"/>
+        <a:font script="Tibt" typeface="Microsoft Himalaya"/>
+        <a:font script="Thaa" typeface="MV Boli"/>
+        <a:font script="Deva" typeface="Mangal"/>
+        <a:font script="Telu" typeface="Gautami"/>
+        <a:font script="Taml" typeface="Latha"/>
+        <a:font script="Syrc" typeface="Estrangelo Edessa"/>
+        <a:font script="Orya" typeface="Kalinga"/>
+        <a:font script="Mlym" typeface="Kartika"/>
+        <a:font script="Laoo" typeface="DokChampa"/>
+        <a:font script="Sinh" typeface="Iskoola Pota"/>
+        <a:font script="Mong" typeface="Mongolian Baiti"/>
+        <a:font script="Viet" typeface="Times New Roman"/>
+        <a:font script="Uigh" typeface="Microsoft Uighur"/>
+        <a:font script="Geor" typeface="Sylfaen"/>
+      </a:majorFont>
+      <a:minorFont>
+        <a:latin typeface="Calibri" panose="020F0502020204030204"/>
+        <a:ea typeface=""/>
+        <a:cs typeface=""/>
+        <a:font script="Jpan" typeface="ＭＳ Ｐゴシック"/>
+        <a:font script="Hang" typeface="맑은 고딕"/>
+        <a:font script="Hans" typeface="宋体"/>
+        <a:font script="Hant" typeface="新細明體"/>
+        <a:font script="Arab" typeface="Arial"/>
+        <a:font script="Hebr" typeface="Arial"/>
+        <a:font script="Thai" typeface="Cordia New"/>
+        <a:font script="Ethi" typeface="Nyala"/>
+        <a:font script="Beng" typeface="Vrinda"/>
+        <a:font script="Gujr" typeface="Shruti"/>
+        <a:font script="Khmr" typeface="DaunPenh"/>
+        <a:font script="Knda" typeface="Tunga"/>
+        <a:font script="Guru" typeface="Raavi"/>
+        <a:font script="Cans" typeface="Euphemia"/>
+        <a:font script="Cher" typeface="Plantagenet Cherokee"/>
+        <a:font script="Yiii" typeface="Microsoft Yi Baiti"/>
+        <a:font script="Tibt" typeface="Microsoft Himalaya"/>
+        <a:font script="Thaa" typeface="MV Boli"/>
+        <a:font script="Deva" typeface="Mangal"/>
+        <a:font script="Telu" typeface="Gautami"/>
+        <a:font script="Taml" typeface="Latha"/>
+        <a:font script="Syrc" typeface="Estrangelo Edessa"/>
+        <a:font script="Orya" typeface="Kalinga"/>
+        <a:font script="Mlym" typeface="Kartika"/>
+        <a:font script="Laoo" typeface="DokChampa"/>
+        <a:font script="Sinh" typeface="Iskoola Pota"/>
+        <a:font script="Mong" typeface="Mongolian Baiti"/>
+        <a:font script="Viet" typeface="Arial"/>
+        <a:font script="Uigh" typeface="Microsoft Uighur"/>
+        <a:font script="Geor" typeface="Sylfaen"/>
+      </a:minorFont>
+    </a:fontScheme>
+    <a:fmtScheme name="Office">
+      <a:fillStyleLst>
+        <a:solidFill>
+          <a:schemeClr val="phClr"/>
+        </a:solidFill>
+        <a:gradFill rotWithShape="1">
+          <a:gsLst>
+            <a:gs pos="0">
+              <a:schemeClr val="phClr">
+                <a:lumMod val="110000"/>
+                <a:satMod val="105000"/>
+                <a:tint val="67000"/>
+              </a:schemeClr>
+            </a:gs>
+            <a:gs pos="50000">
+              <a:schemeClr val="phClr">
+                <a:lumMod val="105000"/>
+                <a:satMod val="103000"/>
+                <a:tint val="73000"/>
+              </a:schemeClr>
+            </a:gs>
+            <a:gs pos="100000">
+              <a:schemeClr val="phClr">
+                <a:lumMod val="105000"/>
+                <a:satMod val="109000"/>
+                <a:tint val="81000"/>
+              </a:schemeClr>
+            </a:gs>
+          </a:gsLst>
+          <a:lin ang="5400000" scaled="0"/>
+        </a:gradFill>
+        <a:gradFill rotWithShape="1">
+          <a:gsLst>
+            <a:gs pos="0">
+              <a:schemeClr val="phClr">
+                <a:satMod val="103000"/>
+                <a:lumMod val="102000"/>
+                <a:tint val="94000"/>
+              </a:schemeClr>
+            </a:gs>
+            <a:gs pos="50000">
+              <a:schemeClr val="phClr">
+                <a:satMod val="110000"/>
+                <a:lumMod val="100000"/>
+                <a:shade val="100000"/>
+              </a:schemeClr>
+            </a:gs>
+            <a:gs pos="100000">
+              <a:schemeClr val="phClr">
+                <a:lumMod val="99000"/>
+                <a:satMod val="120000"/>
+                <a:shade val="78000"/>
+              </a:schemeClr>
+            </a:gs>
+          </a:gsLst>
+          <a:lin ang="5400000" scaled="0"/>
+        </a:gradFill>
+      </a:fillStyleLst>
+      <a:lnStyleLst>
+        <a:ln w="6350" cap="flat" cmpd="sng" algn="ctr">
+          <a:solidFill>
+            <a:schemeClr val="phClr"/>
+          </a:solidFill>
+          <a:prstDash val="solid"/>
+          <a:miter lim="800000"/>
+        </a:ln>
+        <a:ln w="12700" cap="flat" cmpd="sng" algn="ctr">
+          <a:solidFill>
+            <a:schemeClr val="phClr"/>
+          </a:solidFill>
+          <a:prstDash val="solid"/>
+          <a:miter lim="800000"/>
+        </a:ln>
+        <a:ln w="19050" cap="flat" cmpd="sng" algn="ctr">
+          <a:solidFill>
+            <a:schemeClr val="phClr"/>
+          </a:solidFill>
+          <a:prstDash val="solid"/>
+          <a:miter lim="800000"/>
+        </a:ln>
+      </a:lnStyleLst>
+      <a:effectStyleLst>
+        <a:effectStyle>
+          <a:effectLst/>
+        </a:effectStyle>
+        <a:effectStyle>
+          <a:effectLst/>
+        </a:effectStyle>
+        <a:effectStyle>
+          <a:effectLst>
+            <a:outerShdw blurRad="57150" dist="19050" dir="5400000" algn="ctr" rotWithShape="0">
+              <a:srgbClr val="000000">
+                <a:alpha val="63000"/>
+              </a:srgbClr>
+            </a:outerShdw>
+          </a:effectLst>
+        </a:effectStyle>
+      </a:effectStyleLst>
+      <a:bgFillStyleLst>
+        <a:solidFill>
+          <a:schemeClr val="phClr"/>
+        </a:solidFill>
+        <a:solidFill>
+          <a:schemeClr val="phClr">
+            <a:tint val="95000"/>
+            <a:satMod val="170000"/>
+          </a:schemeClr>
+        </a:solidFill>
+        <a:gradFill rotWithShape="1">
+          <a:gsLst>
+            <a:gs pos="0">
+              <a:schemeClr val="phClr">
+                <a:tint val="93000"/>
+                <a:satMod val="150000"/>
+                <a:shade val="98000"/>
+                <a:lumMod val="102000"/>
+              </a:schemeClr>
+            </a:gs>
+            <a:gs pos="50000">
+              <a:schemeClr val="phClr">
+                <a:tint val="98000"/>
+                <a:satMod val="130000"/>
+                <a:shade val="90000"/>
+                <a:lumMod val="103000"/>
+              </a:schemeClr>
+            </a:gs>
+            <a:gs pos="100000">
+              <a:schemeClr val="phClr">
+                <a:shade val="63000"/>
+                <a:satMod val="120000"/>
+              </a:schemeClr>
+            </a:gs>
+          </a:gsLst>
+          <a:lin ang="5400000" scaled="0"/>
+        </a:gradFill>
+      </a:bgFillStyleLst>
+    </a:fmtScheme>
+  </a:themeElements>
+  <a:objectDefaults/>
+  <a:extraClrSchemeLst/>
+  <a:extLst>
+    <a:ext uri="{05A4C25C-085E-4340-85A3-A5531E510DB2}">
+      <thm15:themeFamily xmlns:thm15="http://schemas.microsoft.com/office/thememl/2012/main" name="Office Theme" id="{62F939B6-93AF-4DB8-9C6B-D6C7DFDC589F}" vid="{4A3C46E8-61CC-4603-A589-7422A47A8E4A}"/>
+    </a:ext>
+  </a:extLst>
+</a:theme>
 </file>
--- a/src/select.pptx
+++ b/src/select.pptx
@@ -5,7 +5,7 @@
     <p:sldMasterId id="2147483648" r:id="rId1"/>
   </p:sldMasterIdLst>
   <p:notesMasterIdLst>
-    <p:NotesMasterId r:id="rId24"/>
+    <p:NotesMasterId r:id="rId25"/>
   </p:notesMasterIdLst>
   <p:sldIdLst>
     <p:sldId id="256" r:id="rId2"/>
@@ -30,6 +30,7 @@
     <p:sldId id="275" r:id="rId21"/>
     <p:sldId id="276" r:id="rId22"/>
     <p:sldId id="277" r:id="rId23"/>
+    <p:sldId id="278" r:id="rId24"/>
   </p:sldIdLst>
   <p:sldSz cx="9144000" cy="6858000" type="screen4x3"/>
   <p:notesSz cx="6858000" cy="9144000"/>
@@ -1046,15 +1047,23 @@
             </a:r>
             <a:r>
               <a:rPr/>
-              <a:t>there</a:t>
-            </a:r>
-            <a:r>
-              <a:rPr/>
-              <a:t> </a:t>
-            </a:r>
-            <a:r>
-              <a:rPr/>
-              <a:t>are</a:t>
+              <a:t>I</a:t>
+            </a:r>
+            <a:r>
+              <a:rPr/>
+              <a:t> </a:t>
+            </a:r>
+            <a:r>
+              <a:rPr/>
+              <a:t>did</a:t>
+            </a:r>
+            <a:r>
+              <a:rPr/>
+              <a:t> </a:t>
+            </a:r>
+            <a:r>
+              <a:rPr/>
+              <a:t>make</a:t>
             </a:r>
             <a:r>
               <a:rPr/>
@@ -1168,15 +1177,109 @@
             </a:pPr>
             <a:r>
               <a:rPr/>
-              <a:t>Here’s</a:t>
-            </a:r>
-            <a:r>
-              <a:rPr/>
-              <a:t> </a:t>
-            </a:r>
-            <a:r>
-              <a:rPr/>
-              <a:t>what</a:t>
+              <a:t>This</a:t>
+            </a:r>
+            <a:r>
+              <a:rPr/>
+              <a:t> </a:t>
+            </a:r>
+            <a:r>
+              <a:rPr/>
+              <a:t>is</a:t>
+            </a:r>
+            <a:r>
+              <a:rPr/>
+              <a:t> </a:t>
+            </a:r>
+            <a:r>
+              <a:rPr/>
+              <a:t>how</a:t>
+            </a:r>
+            <a:r>
+              <a:rPr/>
+              <a:t> </a:t>
+            </a:r>
+            <a:r>
+              <a:rPr/>
+              <a:t>you</a:t>
+            </a:r>
+            <a:r>
+              <a:rPr/>
+              <a:t> </a:t>
+            </a:r>
+            <a:r>
+              <a:rPr/>
+              <a:t>select</a:t>
+            </a:r>
+            <a:r>
+              <a:rPr/>
+              <a:t> </a:t>
+            </a:r>
+            <a:r>
+              <a:rPr/>
+              <a:t>a</a:t>
+            </a:r>
+            <a:r>
+              <a:rPr/>
+              <a:t> </a:t>
+            </a:r>
+            <a:r>
+              <a:rPr/>
+              <a:t>single</a:t>
+            </a:r>
+            <a:r>
+              <a:rPr/>
+              <a:t> </a:t>
+            </a:r>
+            <a:r>
+              <a:rPr/>
+              <a:t>field</a:t>
+            </a:r>
+            <a:r>
+              <a:rPr/>
+              <a:t> </a:t>
+            </a:r>
+            <a:r>
+              <a:rPr/>
+              <a:t>in</a:t>
+            </a:r>
+            <a:r>
+              <a:rPr/>
+              <a:t> </a:t>
+            </a:r>
+            <a:r>
+              <a:rPr/>
+              <a:t>SAS.</a:t>
+            </a:r>
+          </a:p>
+          <a:p>
+            <a:pPr lvl="0" marL="0" indent="0">
+              <a:buNone/>
+            </a:pPr>
+          </a:p>
+          <a:p>
+            <a:pPr lvl="0" marL="0" indent="0">
+              <a:buNone/>
+            </a:pPr>
+            <a:r>
+              <a:rPr/>
+              <a:t>As</a:t>
+            </a:r>
+            <a:r>
+              <a:rPr/>
+              <a:t> </a:t>
+            </a:r>
+            <a:r>
+              <a:rPr/>
+              <a:t>before,</a:t>
+            </a:r>
+            <a:r>
+              <a:rPr/>
+              <a:t> </a:t>
+            </a:r>
+            <a:r>
+              <a:rPr/>
+              <a:t>place</a:t>
             </a:r>
             <a:r>
               <a:rPr/>
@@ -1192,23 +1295,221 @@
             </a:r>
             <a:r>
               <a:rPr/>
-              <a:t>output</a:t>
-            </a:r>
-            <a:r>
-              <a:rPr/>
-              <a:t> </a:t>
-            </a:r>
-            <a:r>
-              <a:rPr/>
-              <a:t>looks</a:t>
-            </a:r>
-            <a:r>
-              <a:rPr/>
-              <a:t> </a:t>
-            </a:r>
-            <a:r>
-              <a:rPr/>
-              <a:t>like.</a:t>
+              <a:t>SQL</a:t>
+            </a:r>
+            <a:r>
+              <a:rPr/>
+              <a:t> </a:t>
+            </a:r>
+            <a:r>
+              <a:rPr/>
+              <a:t>query</a:t>
+            </a:r>
+            <a:r>
+              <a:rPr/>
+              <a:t> </a:t>
+            </a:r>
+            <a:r>
+              <a:rPr/>
+              <a:t>inside</a:t>
+            </a:r>
+            <a:r>
+              <a:rPr/>
+              <a:t> </a:t>
+            </a:r>
+            <a:r>
+              <a:rPr/>
+              <a:t>proc</a:t>
+            </a:r>
+            <a:r>
+              <a:rPr/>
+              <a:t> </a:t>
+            </a:r>
+            <a:r>
+              <a:rPr/>
+              <a:t>sql</a:t>
+            </a:r>
+            <a:r>
+              <a:rPr/>
+              <a:t> </a:t>
+            </a:r>
+            <a:r>
+              <a:rPr/>
+              <a:t>and</a:t>
+            </a:r>
+            <a:r>
+              <a:rPr/>
+              <a:t> </a:t>
+            </a:r>
+            <a:r>
+              <a:rPr/>
+              <a:t>use</a:t>
+            </a:r>
+            <a:r>
+              <a:rPr/>
+              <a:t> </a:t>
+            </a:r>
+            <a:r>
+              <a:rPr/>
+              <a:t>the</a:t>
+            </a:r>
+            <a:r>
+              <a:rPr/>
+              <a:t> </a:t>
+            </a:r>
+            <a:r>
+              <a:rPr/>
+              <a:t>create</a:t>
+            </a:r>
+            <a:r>
+              <a:rPr/>
+              <a:t> </a:t>
+            </a:r>
+            <a:r>
+              <a:rPr/>
+              <a:t>table</a:t>
+            </a:r>
+            <a:r>
+              <a:rPr/>
+              <a:t> </a:t>
+            </a:r>
+            <a:r>
+              <a:rPr/>
+              <a:t>as</a:t>
+            </a:r>
+            <a:r>
+              <a:rPr/>
+              <a:t> </a:t>
+            </a:r>
+            <a:r>
+              <a:rPr/>
+              <a:t>statement</a:t>
+            </a:r>
+            <a:r>
+              <a:rPr/>
+              <a:t> </a:t>
+            </a:r>
+            <a:r>
+              <a:rPr/>
+              <a:t>to</a:t>
+            </a:r>
+            <a:r>
+              <a:rPr/>
+              <a:t> </a:t>
+            </a:r>
+            <a:r>
+              <a:rPr/>
+              <a:t>store</a:t>
+            </a:r>
+            <a:r>
+              <a:rPr/>
+              <a:t> </a:t>
+            </a:r>
+            <a:r>
+              <a:rPr/>
+              <a:t>the</a:t>
+            </a:r>
+            <a:r>
+              <a:rPr/>
+              <a:t> </a:t>
+            </a:r>
+            <a:r>
+              <a:rPr/>
+              <a:t>results</a:t>
+            </a:r>
+            <a:r>
+              <a:rPr/>
+              <a:t> </a:t>
+            </a:r>
+            <a:r>
+              <a:rPr/>
+              <a:t>in</a:t>
+            </a:r>
+            <a:r>
+              <a:rPr/>
+              <a:t> </a:t>
+            </a:r>
+            <a:r>
+              <a:rPr/>
+              <a:t>a</a:t>
+            </a:r>
+            <a:r>
+              <a:rPr/>
+              <a:t> </a:t>
+            </a:r>
+            <a:r>
+              <a:rPr/>
+              <a:t>SAS</a:t>
+            </a:r>
+            <a:r>
+              <a:rPr/>
+              <a:t> </a:t>
+            </a:r>
+            <a:r>
+              <a:rPr/>
+              <a:t>data</a:t>
+            </a:r>
+            <a:r>
+              <a:rPr/>
+              <a:t> </a:t>
+            </a:r>
+            <a:r>
+              <a:rPr/>
+              <a:t>set.</a:t>
+            </a:r>
+          </a:p>
+          <a:p>
+            <a:pPr lvl="0" marL="0" indent="0">
+              <a:buNone/>
+            </a:pPr>
+          </a:p>
+          <a:p>
+            <a:pPr lvl="0" marL="0" indent="0">
+              <a:buNone/>
+            </a:pPr>
+            <a:r>
+              <a:rPr/>
+              <a:t>Watch</a:t>
+            </a:r>
+            <a:r>
+              <a:rPr/>
+              <a:t> </a:t>
+            </a:r>
+            <a:r>
+              <a:rPr/>
+              <a:t>your</a:t>
+            </a:r>
+            <a:r>
+              <a:rPr/>
+              <a:t> </a:t>
+            </a:r>
+            <a:r>
+              <a:rPr/>
+              <a:t>semicolons</a:t>
+            </a:r>
+            <a:r>
+              <a:rPr/>
+              <a:t> </a:t>
+            </a:r>
+            <a:r>
+              <a:rPr/>
+              <a:t>carefully</a:t>
+            </a:r>
+            <a:r>
+              <a:rPr/>
+              <a:t> </a:t>
+            </a:r>
+            <a:r>
+              <a:rPr/>
+              <a:t>in</a:t>
+            </a:r>
+            <a:r>
+              <a:rPr/>
+              <a:t> </a:t>
+            </a:r>
+            <a:r>
+              <a:rPr/>
+              <a:t>SAS!</a:t>
             </a:r>
           </a:p>
         </p:txBody>
@@ -1230,7 +1531,7 @@
           <a:p>
             <a:fld id="{18BDFEC3-8487-43E8-A154-7C12CBC1FFF2}" type="slidenum">
               <a:rPr lang="en-US"/>
-              <a:t>15</a:t>
+              <a:t>11</a:t>
             </a:fld>
             <a:endParaRPr lang="en-US"/>
           </a:p>
@@ -1290,55 +1591,47 @@
             </a:pPr>
             <a:r>
               <a:rPr/>
-              <a:t>This</a:t>
-            </a:r>
-            <a:r>
-              <a:rPr/>
-              <a:t> </a:t>
-            </a:r>
-            <a:r>
-              <a:rPr/>
-              <a:t>is</a:t>
-            </a:r>
-            <a:r>
-              <a:rPr/>
-              <a:t> </a:t>
-            </a:r>
-            <a:r>
-              <a:rPr/>
-              <a:t>how</a:t>
-            </a:r>
-            <a:r>
-              <a:rPr/>
-              <a:t> </a:t>
-            </a:r>
-            <a:r>
-              <a:rPr/>
-              <a:t>you</a:t>
-            </a:r>
-            <a:r>
-              <a:rPr/>
-              <a:t> </a:t>
-            </a:r>
-            <a:r>
-              <a:rPr/>
-              <a:t>select</a:t>
-            </a:r>
-            <a:r>
-              <a:rPr/>
-              <a:t> </a:t>
-            </a:r>
-            <a:r>
-              <a:rPr/>
-              <a:t>multiple</a:t>
-            </a:r>
-            <a:r>
-              <a:rPr/>
-              <a:t> </a:t>
-            </a:r>
-            <a:r>
-              <a:rPr/>
-              <a:t>fields.</a:t>
+              <a:t>Here’s</a:t>
+            </a:r>
+            <a:r>
+              <a:rPr/>
+              <a:t> </a:t>
+            </a:r>
+            <a:r>
+              <a:rPr/>
+              <a:t>what</a:t>
+            </a:r>
+            <a:r>
+              <a:rPr/>
+              <a:t> </a:t>
+            </a:r>
+            <a:r>
+              <a:rPr/>
+              <a:t>the</a:t>
+            </a:r>
+            <a:r>
+              <a:rPr/>
+              <a:t> </a:t>
+            </a:r>
+            <a:r>
+              <a:rPr/>
+              <a:t>output</a:t>
+            </a:r>
+            <a:r>
+              <a:rPr/>
+              <a:t> </a:t>
+            </a:r>
+            <a:r>
+              <a:rPr/>
+              <a:t>looks</a:t>
+            </a:r>
+            <a:r>
+              <a:rPr/>
+              <a:t> </a:t>
+            </a:r>
+            <a:r>
+              <a:rPr/>
+              <a:t>like.</a:t>
             </a:r>
           </a:p>
         </p:txBody>
@@ -1360,7 +1653,7 @@
           <a:p>
             <a:fld id="{18BDFEC3-8487-43E8-A154-7C12CBC1FFF2}" type="slidenum">
               <a:rPr lang="en-US"/>
-              <a:t>16</a:t>
+              <a:t>12</a:t>
             </a:fld>
             <a:endParaRPr lang="en-US"/>
           </a:p>
@@ -1420,15 +1713,55 @@
             </a:pPr>
             <a:r>
               <a:rPr/>
-              <a:t>Here’s</a:t>
-            </a:r>
-            <a:r>
-              <a:rPr/>
-              <a:t> </a:t>
-            </a:r>
-            <a:r>
-              <a:rPr/>
-              <a:t>what</a:t>
+              <a:t>To</a:t>
+            </a:r>
+            <a:r>
+              <a:rPr/>
+              <a:t> </a:t>
+            </a:r>
+            <a:r>
+              <a:rPr/>
+              <a:t>select</a:t>
+            </a:r>
+            <a:r>
+              <a:rPr/>
+              <a:t> </a:t>
+            </a:r>
+            <a:r>
+              <a:rPr/>
+              <a:t>multiple</a:t>
+            </a:r>
+            <a:r>
+              <a:rPr/>
+              <a:t> </a:t>
+            </a:r>
+            <a:r>
+              <a:rPr/>
+              <a:t>fields,</a:t>
+            </a:r>
+            <a:r>
+              <a:rPr/>
+              <a:t> </a:t>
+            </a:r>
+            <a:r>
+              <a:rPr/>
+              <a:t>list</a:t>
+            </a:r>
+            <a:r>
+              <a:rPr/>
+              <a:t> </a:t>
+            </a:r>
+            <a:r>
+              <a:rPr/>
+              <a:t>them</a:t>
+            </a:r>
+            <a:r>
+              <a:rPr/>
+              <a:t> </a:t>
+            </a:r>
+            <a:r>
+              <a:rPr/>
+              <a:t>after</a:t>
             </a:r>
             <a:r>
               <a:rPr/>
@@ -1444,23 +1777,175 @@
             </a:r>
             <a:r>
               <a:rPr/>
-              <a:t>output</a:t>
-            </a:r>
-            <a:r>
-              <a:rPr/>
-              <a:t> </a:t>
-            </a:r>
-            <a:r>
-              <a:rPr/>
-              <a:t>looks</a:t>
-            </a:r>
-            <a:r>
-              <a:rPr/>
-              <a:t> </a:t>
-            </a:r>
-            <a:r>
-              <a:rPr/>
-              <a:t>like.</a:t>
+              <a:t>select</a:t>
+            </a:r>
+            <a:r>
+              <a:rPr/>
+              <a:t> </a:t>
+            </a:r>
+            <a:r>
+              <a:rPr/>
+              <a:t>statement</a:t>
+            </a:r>
+            <a:r>
+              <a:rPr/>
+              <a:t> </a:t>
+            </a:r>
+            <a:r>
+              <a:rPr/>
+              <a:t>separated</a:t>
+            </a:r>
+            <a:r>
+              <a:rPr/>
+              <a:t> </a:t>
+            </a:r>
+            <a:r>
+              <a:rPr/>
+              <a:t>by</a:t>
+            </a:r>
+            <a:r>
+              <a:rPr/>
+              <a:t> </a:t>
+            </a:r>
+            <a:r>
+              <a:rPr/>
+              <a:t>commas.</a:t>
+            </a:r>
+            <a:r>
+              <a:rPr/>
+              <a:t> </a:t>
+            </a:r>
+            <a:r>
+              <a:rPr/>
+              <a:t>Don’t</a:t>
+            </a:r>
+            <a:r>
+              <a:rPr/>
+              <a:t> </a:t>
+            </a:r>
+            <a:r>
+              <a:rPr/>
+              <a:t>leave</a:t>
+            </a:r>
+            <a:r>
+              <a:rPr/>
+              <a:t> </a:t>
+            </a:r>
+            <a:r>
+              <a:rPr/>
+              <a:t>out</a:t>
+            </a:r>
+            <a:r>
+              <a:rPr/>
+              <a:t> </a:t>
+            </a:r>
+            <a:r>
+              <a:rPr/>
+              <a:t>the</a:t>
+            </a:r>
+            <a:r>
+              <a:rPr/>
+              <a:t> </a:t>
+            </a:r>
+            <a:r>
+              <a:rPr/>
+              <a:t>commas.</a:t>
+            </a:r>
+            <a:r>
+              <a:rPr/>
+              <a:t> </a:t>
+            </a:r>
+            <a:r>
+              <a:rPr/>
+              <a:t>I</a:t>
+            </a:r>
+            <a:r>
+              <a:rPr/>
+              <a:t> </a:t>
+            </a:r>
+            <a:r>
+              <a:rPr/>
+              <a:t>usually</a:t>
+            </a:r>
+            <a:r>
+              <a:rPr/>
+              <a:t> </a:t>
+            </a:r>
+            <a:r>
+              <a:rPr/>
+              <a:t>do,</a:t>
+            </a:r>
+            <a:r>
+              <a:rPr/>
+              <a:t> </a:t>
+            </a:r>
+            <a:r>
+              <a:rPr/>
+              <a:t>and</a:t>
+            </a:r>
+            <a:r>
+              <a:rPr/>
+              <a:t> </a:t>
+            </a:r>
+            <a:r>
+              <a:rPr/>
+              <a:t>it</a:t>
+            </a:r>
+            <a:r>
+              <a:rPr/>
+              <a:t> </a:t>
+            </a:r>
+            <a:r>
+              <a:rPr/>
+              <a:t>inevitably</a:t>
+            </a:r>
+            <a:r>
+              <a:rPr/>
+              <a:t> </a:t>
+            </a:r>
+            <a:r>
+              <a:rPr/>
+              <a:t>leads</a:t>
+            </a:r>
+            <a:r>
+              <a:rPr/>
+              <a:t> </a:t>
+            </a:r>
+            <a:r>
+              <a:rPr/>
+              <a:t>to</a:t>
+            </a:r>
+            <a:r>
+              <a:rPr/>
+              <a:t> </a:t>
+            </a:r>
+            <a:r>
+              <a:rPr/>
+              <a:t>a</a:t>
+            </a:r>
+            <a:r>
+              <a:rPr/>
+              <a:t> </a:t>
+            </a:r>
+            <a:r>
+              <a:rPr/>
+              <a:t>cryptic</a:t>
+            </a:r>
+            <a:r>
+              <a:rPr/>
+              <a:t> </a:t>
+            </a:r>
+            <a:r>
+              <a:rPr/>
+              <a:t>error</a:t>
+            </a:r>
+            <a:r>
+              <a:rPr/>
+              <a:t> </a:t>
+            </a:r>
+            <a:r>
+              <a:rPr/>
+              <a:t>message.</a:t>
             </a:r>
           </a:p>
         </p:txBody>
@@ -1482,7 +1967,7 @@
           <a:p>
             <a:fld id="{18BDFEC3-8487-43E8-A154-7C12CBC1FFF2}" type="slidenum">
               <a:rPr lang="en-US"/>
-              <a:t>17</a:t>
+              <a:t>13</a:t>
             </a:fld>
             <a:endParaRPr lang="en-US"/>
           </a:p>
@@ -1550,14 +2035,6 @@
             </a:r>
             <a:r>
               <a:rPr/>
-              <a:t>what</a:t>
-            </a:r>
-            <a:r>
-              <a:rPr/>
-              <a:t> </a:t>
-            </a:r>
-            <a:r>
-              <a:rPr/>
               <a:t>the</a:t>
             </a:r>
             <a:r>
@@ -1566,23 +2043,23 @@
             </a:r>
             <a:r>
               <a:rPr/>
-              <a:t>output</a:t>
-            </a:r>
-            <a:r>
-              <a:rPr/>
-              <a:t> </a:t>
-            </a:r>
-            <a:r>
-              <a:rPr/>
-              <a:t>looks</a:t>
-            </a:r>
-            <a:r>
-              <a:rPr/>
-              <a:t> </a:t>
-            </a:r>
-            <a:r>
-              <a:rPr/>
-              <a:t>like.</a:t>
+              <a:t>code</a:t>
+            </a:r>
+            <a:r>
+              <a:rPr/>
+              <a:t> </a:t>
+            </a:r>
+            <a:r>
+              <a:rPr/>
+              <a:t>in</a:t>
+            </a:r>
+            <a:r>
+              <a:rPr/>
+              <a:t> </a:t>
+            </a:r>
+            <a:r>
+              <a:rPr/>
+              <a:t>R.</a:t>
             </a:r>
           </a:p>
         </p:txBody>
@@ -1604,7 +2081,7 @@
           <a:p>
             <a:fld id="{18BDFEC3-8487-43E8-A154-7C12CBC1FFF2}" type="slidenum">
               <a:rPr lang="en-US"/>
-              <a:t>20</a:t>
+              <a:t>14</a:t>
             </a:fld>
             <a:endParaRPr lang="en-US"/>
           </a:p>
@@ -1664,103 +2141,15 @@
             </a:pPr>
             <a:r>
               <a:rPr/>
-              <a:t>You</a:t>
-            </a:r>
-            <a:r>
-              <a:rPr/>
-              <a:t> </a:t>
-            </a:r>
-            <a:r>
-              <a:rPr/>
-              <a:t>can</a:t>
-            </a:r>
-            <a:r>
-              <a:rPr/>
-              <a:t> </a:t>
-            </a:r>
-            <a:r>
-              <a:rPr/>
-              <a:t>rename</a:t>
-            </a:r>
-            <a:r>
-              <a:rPr/>
-              <a:t> </a:t>
-            </a:r>
-            <a:r>
-              <a:rPr/>
-              <a:t>fields</a:t>
-            </a:r>
-            <a:r>
-              <a:rPr/>
-              <a:t> </a:t>
-            </a:r>
-            <a:r>
-              <a:rPr/>
-              <a:t>in</a:t>
-            </a:r>
-            <a:r>
-              <a:rPr/>
-              <a:t> </a:t>
-            </a:r>
-            <a:r>
-              <a:rPr/>
-              <a:t>proc</a:t>
-            </a:r>
-            <a:r>
-              <a:rPr/>
-              <a:t> </a:t>
-            </a:r>
-            <a:r>
-              <a:rPr/>
-              <a:t>sql,</a:t>
-            </a:r>
-            <a:r>
-              <a:rPr/>
-              <a:t> </a:t>
-            </a:r>
-            <a:r>
-              <a:rPr/>
-              <a:t>but</a:t>
-            </a:r>
-            <a:r>
-              <a:rPr/>
-              <a:t> </a:t>
-            </a:r>
-            <a:r>
-              <a:rPr/>
-              <a:t>be</a:t>
-            </a:r>
-            <a:r>
-              <a:rPr/>
-              <a:t> </a:t>
-            </a:r>
-            <a:r>
-              <a:rPr/>
-              <a:t>careful.</a:t>
-            </a:r>
-            <a:r>
-              <a:rPr/>
-              <a:t> </a:t>
-            </a:r>
-            <a:r>
-              <a:rPr/>
-              <a:t>Sometimes</a:t>
-            </a:r>
-            <a:r>
-              <a:rPr/>
-              <a:t> </a:t>
-            </a:r>
-            <a:r>
-              <a:rPr/>
-              <a:t>SAS</a:t>
-            </a:r>
-            <a:r>
-              <a:rPr/>
-              <a:t> </a:t>
-            </a:r>
-            <a:r>
-              <a:rPr/>
-              <a:t>retains</a:t>
+              <a:t>Here’s</a:t>
+            </a:r>
+            <a:r>
+              <a:rPr/>
+              <a:t> </a:t>
+            </a:r>
+            <a:r>
+              <a:rPr/>
+              <a:t>what</a:t>
             </a:r>
             <a:r>
               <a:rPr/>
@@ -1776,175 +2165,23 @@
             </a:r>
             <a:r>
               <a:rPr/>
-              <a:t>original</a:t>
-            </a:r>
-            <a:r>
-              <a:rPr/>
-              <a:t> </a:t>
-            </a:r>
-            <a:r>
-              <a:rPr/>
-              <a:t>name</a:t>
-            </a:r>
-            <a:r>
-              <a:rPr/>
-              <a:t> </a:t>
-            </a:r>
-            <a:r>
-              <a:rPr/>
-              <a:t>as</a:t>
-            </a:r>
-            <a:r>
-              <a:rPr/>
-              <a:t> </a:t>
-            </a:r>
-            <a:r>
-              <a:rPr/>
-              <a:t>the</a:t>
-            </a:r>
-            <a:r>
-              <a:rPr/>
-              <a:t> </a:t>
-            </a:r>
-            <a:r>
-              <a:rPr/>
-              <a:t>variable</a:t>
-            </a:r>
-            <a:r>
-              <a:rPr/>
-              <a:t> </a:t>
-            </a:r>
-            <a:r>
-              <a:rPr/>
-              <a:t>label.</a:t>
-            </a:r>
-            <a:r>
-              <a:rPr/>
-              <a:t> </a:t>
-            </a:r>
-            <a:r>
-              <a:rPr/>
-              <a:t>If</a:t>
-            </a:r>
-            <a:r>
-              <a:rPr/>
-              <a:t> </a:t>
-            </a:r>
-            <a:r>
-              <a:rPr/>
-              <a:t>you</a:t>
-            </a:r>
-            <a:r>
-              <a:rPr/>
-              <a:t> </a:t>
-            </a:r>
-            <a:r>
-              <a:rPr/>
-              <a:t>have</a:t>
-            </a:r>
-            <a:r>
-              <a:rPr/>
-              <a:t> </a:t>
-            </a:r>
-            <a:r>
-              <a:rPr/>
-              <a:t>trouble</a:t>
-            </a:r>
-            <a:r>
-              <a:rPr/>
-              <a:t> </a:t>
-            </a:r>
-            <a:r>
-              <a:rPr/>
-              <a:t>with</a:t>
-            </a:r>
-            <a:r>
-              <a:rPr/>
-              <a:t> </a:t>
-            </a:r>
-            <a:r>
-              <a:rPr/>
-              <a:t>renaming,</a:t>
-            </a:r>
-            <a:r>
-              <a:rPr/>
-              <a:t> </a:t>
-            </a:r>
-            <a:r>
-              <a:rPr/>
-              <a:t>you</a:t>
-            </a:r>
-            <a:r>
-              <a:rPr/>
-              <a:t> </a:t>
-            </a:r>
-            <a:r>
-              <a:rPr/>
-              <a:t>may</a:t>
-            </a:r>
-            <a:r>
-              <a:rPr/>
-              <a:t> </a:t>
-            </a:r>
-            <a:r>
-              <a:rPr/>
-              <a:t>want</a:t>
-            </a:r>
-            <a:r>
-              <a:rPr/>
-              <a:t> </a:t>
-            </a:r>
-            <a:r>
-              <a:rPr/>
-              <a:t>to</a:t>
-            </a:r>
-            <a:r>
-              <a:rPr/>
-              <a:t> </a:t>
-            </a:r>
-            <a:r>
-              <a:rPr/>
-              <a:t>do</a:t>
-            </a:r>
-            <a:r>
-              <a:rPr/>
-              <a:t> </a:t>
-            </a:r>
-            <a:r>
-              <a:rPr/>
-              <a:t>the</a:t>
-            </a:r>
-            <a:r>
-              <a:rPr/>
-              <a:t> </a:t>
-            </a:r>
-            <a:r>
-              <a:rPr/>
-              <a:t>renaming</a:t>
-            </a:r>
-            <a:r>
-              <a:rPr/>
-              <a:t> </a:t>
-            </a:r>
-            <a:r>
-              <a:rPr/>
-              <a:t>in</a:t>
-            </a:r>
-            <a:r>
-              <a:rPr/>
-              <a:t> </a:t>
-            </a:r>
-            <a:r>
-              <a:rPr/>
-              <a:t>SAS</a:t>
-            </a:r>
-            <a:r>
-              <a:rPr/>
-              <a:t> </a:t>
-            </a:r>
-            <a:r>
-              <a:rPr/>
-              <a:t>itself.</a:t>
+              <a:t>output</a:t>
+            </a:r>
+            <a:r>
+              <a:rPr/>
+              <a:t> </a:t>
+            </a:r>
+            <a:r>
+              <a:rPr/>
+              <a:t>looks</a:t>
+            </a:r>
+            <a:r>
+              <a:rPr/>
+              <a:t> </a:t>
+            </a:r>
+            <a:r>
+              <a:rPr/>
+              <a:t>like.</a:t>
             </a:r>
           </a:p>
         </p:txBody>
@@ -1966,7 +2203,7 @@
           <a:p>
             <a:fld id="{18BDFEC3-8487-43E8-A154-7C12CBC1FFF2}" type="slidenum">
               <a:rPr lang="en-US"/>
-              <a:t>21</a:t>
+              <a:t>15</a:t>
             </a:fld>
             <a:endParaRPr lang="en-US"/>
           </a:p>
@@ -2026,47 +2263,71 @@
             </a:pPr>
             <a:r>
               <a:rPr/>
-              <a:t>Here’s</a:t>
-            </a:r>
-            <a:r>
-              <a:rPr/>
-              <a:t> </a:t>
-            </a:r>
-            <a:r>
-              <a:rPr/>
-              <a:t>what</a:t>
-            </a:r>
-            <a:r>
-              <a:rPr/>
-              <a:t> </a:t>
-            </a:r>
-            <a:r>
-              <a:rPr/>
-              <a:t>the</a:t>
-            </a:r>
-            <a:r>
-              <a:rPr/>
-              <a:t> </a:t>
-            </a:r>
-            <a:r>
-              <a:rPr/>
-              <a:t>output</a:t>
-            </a:r>
-            <a:r>
-              <a:rPr/>
-              <a:t> </a:t>
-            </a:r>
-            <a:r>
-              <a:rPr/>
-              <a:t>looks</a:t>
-            </a:r>
-            <a:r>
-              <a:rPr/>
-              <a:t> </a:t>
-            </a:r>
-            <a:r>
-              <a:rPr/>
-              <a:t>like.</a:t>
+              <a:t>This</a:t>
+            </a:r>
+            <a:r>
+              <a:rPr/>
+              <a:t> </a:t>
+            </a:r>
+            <a:r>
+              <a:rPr/>
+              <a:t>is</a:t>
+            </a:r>
+            <a:r>
+              <a:rPr/>
+              <a:t> </a:t>
+            </a:r>
+            <a:r>
+              <a:rPr/>
+              <a:t>how</a:t>
+            </a:r>
+            <a:r>
+              <a:rPr/>
+              <a:t> </a:t>
+            </a:r>
+            <a:r>
+              <a:rPr/>
+              <a:t>you</a:t>
+            </a:r>
+            <a:r>
+              <a:rPr/>
+              <a:t> </a:t>
+            </a:r>
+            <a:r>
+              <a:rPr/>
+              <a:t>select</a:t>
+            </a:r>
+            <a:r>
+              <a:rPr/>
+              <a:t> </a:t>
+            </a:r>
+            <a:r>
+              <a:rPr/>
+              <a:t>multiple</a:t>
+            </a:r>
+            <a:r>
+              <a:rPr/>
+              <a:t> </a:t>
+            </a:r>
+            <a:r>
+              <a:rPr/>
+              <a:t>fields</a:t>
+            </a:r>
+            <a:r>
+              <a:rPr/>
+              <a:t> </a:t>
+            </a:r>
+            <a:r>
+              <a:rPr/>
+              <a:t>in</a:t>
+            </a:r>
+            <a:r>
+              <a:rPr/>
+              <a:t> </a:t>
+            </a:r>
+            <a:r>
+              <a:rPr/>
+              <a:t>SAS.</a:t>
             </a:r>
           </a:p>
         </p:txBody>
@@ -2088,7 +2349,807 @@
           <a:p>
             <a:fld id="{18BDFEC3-8487-43E8-A154-7C12CBC1FFF2}" type="slidenum">
               <a:rPr lang="en-US"/>
-              <a:t>22</a:t>
+              <a:t>16</a:t>
+            </a:fld>
+            <a:endParaRPr lang="en-US"/>
+          </a:p>
+        </p:txBody>
+      </p:sp>
+    </p:spTree>
+  </p:cSld>
+</p:notes>
+</file>
+
+<file path=ppt/notesSlides/notesSlide16.xml><?xml version="1.0" encoding="utf-8"?>
+<p:notes xmlns:a="http://schemas.openxmlformats.org/drawingml/2006/main" xmlns:r="http://schemas.openxmlformats.org/officeDocument/2006/relationships" xmlns:p="http://schemas.openxmlformats.org/presentationml/2006/main">
+  <p:cSld>
+    <p:spTree>
+      <p:nvGrpSpPr>
+        <p:cNvPr id="1" name=""/>
+        <p:cNvGrpSpPr/>
+        <p:nvPr/>
+      </p:nvGrpSpPr>
+      <p:grpSpPr>
+        <a:xfrm>
+          <a:off x="0" y="0"/>
+          <a:ext cx="0" cy="0"/>
+          <a:chOff x="0" y="0"/>
+          <a:chExt cx="0" cy="0"/>
+        </a:xfrm>
+      </p:grpSpPr>
+      <p:sp>
+        <p:nvSpPr>
+          <p:cNvPr id="2" name="Slide Image Placeholder 1"/>
+          <p:cNvSpPr>
+            <a:spLocks noGrp="1" noRot="1" noChangeAspect="1"/>
+          </p:cNvSpPr>
+          <p:nvPr>
+            <p:ph type="sldImg"/>
+          </p:nvPr>
+        </p:nvSpPr>
+        <p:spPr/>
+      </p:sp>
+      <p:sp>
+        <p:nvSpPr>
+          <p:cNvPr id="3" name="Notes Placeholder 2"/>
+          <p:cNvSpPr>
+            <a:spLocks noGrp="1"/>
+          </p:cNvSpPr>
+          <p:nvPr>
+            <p:ph type="body" idx="1"/>
+          </p:nvPr>
+        </p:nvSpPr>
+        <p:spPr/>
+        <p:txBody>
+          <a:bodyPr/>
+          <a:lstStyle/>
+          <a:p>
+            <a:pPr lvl="0" marL="0" indent="0">
+              <a:buNone/>
+            </a:pPr>
+            <a:r>
+              <a:rPr/>
+              <a:t>Here’s</a:t>
+            </a:r>
+            <a:r>
+              <a:rPr/>
+              <a:t> </a:t>
+            </a:r>
+            <a:r>
+              <a:rPr/>
+              <a:t>what</a:t>
+            </a:r>
+            <a:r>
+              <a:rPr/>
+              <a:t> </a:t>
+            </a:r>
+            <a:r>
+              <a:rPr/>
+              <a:t>the</a:t>
+            </a:r>
+            <a:r>
+              <a:rPr/>
+              <a:t> </a:t>
+            </a:r>
+            <a:r>
+              <a:rPr/>
+              <a:t>output</a:t>
+            </a:r>
+            <a:r>
+              <a:rPr/>
+              <a:t> </a:t>
+            </a:r>
+            <a:r>
+              <a:rPr/>
+              <a:t>looks</a:t>
+            </a:r>
+            <a:r>
+              <a:rPr/>
+              <a:t> </a:t>
+            </a:r>
+            <a:r>
+              <a:rPr/>
+              <a:t>like.</a:t>
+            </a:r>
+          </a:p>
+        </p:txBody>
+      </p:sp>
+      <p:sp>
+        <p:nvSpPr>
+          <p:cNvPr id="4" name="Slide Number Placeholder 3"/>
+          <p:cNvSpPr>
+            <a:spLocks noGrp="1"/>
+          </p:cNvSpPr>
+          <p:nvPr>
+            <p:ph type="sldNum" sz="quarter" idx="10"/>
+          </p:nvPr>
+        </p:nvSpPr>
+        <p:spPr/>
+        <p:txBody>
+          <a:bodyPr/>
+          <a:lstStyle/>
+          <a:p>
+            <a:fld id="{18BDFEC3-8487-43E8-A154-7C12CBC1FFF2}" type="slidenum">
+              <a:rPr lang="en-US"/>
+              <a:t>17</a:t>
+            </a:fld>
+            <a:endParaRPr lang="en-US"/>
+          </a:p>
+        </p:txBody>
+      </p:sp>
+    </p:spTree>
+  </p:cSld>
+</p:notes>
+</file>
+
+<file path=ppt/notesSlides/notesSlide17.xml><?xml version="1.0" encoding="utf-8"?>
+<p:notes xmlns:a="http://schemas.openxmlformats.org/drawingml/2006/main" xmlns:r="http://schemas.openxmlformats.org/officeDocument/2006/relationships" xmlns:p="http://schemas.openxmlformats.org/presentationml/2006/main">
+  <p:cSld>
+    <p:spTree>
+      <p:nvGrpSpPr>
+        <p:cNvPr id="1" name=""/>
+        <p:cNvGrpSpPr/>
+        <p:nvPr/>
+      </p:nvGrpSpPr>
+      <p:grpSpPr>
+        <a:xfrm>
+          <a:off x="0" y="0"/>
+          <a:ext cx="0" cy="0"/>
+          <a:chOff x="0" y="0"/>
+          <a:chExt cx="0" cy="0"/>
+        </a:xfrm>
+      </p:grpSpPr>
+      <p:sp>
+        <p:nvSpPr>
+          <p:cNvPr id="2" name="Slide Image Placeholder 1"/>
+          <p:cNvSpPr>
+            <a:spLocks noGrp="1" noRot="1" noChangeAspect="1"/>
+          </p:cNvSpPr>
+          <p:nvPr>
+            <p:ph type="sldImg"/>
+          </p:nvPr>
+        </p:nvSpPr>
+        <p:spPr/>
+      </p:sp>
+      <p:sp>
+        <p:nvSpPr>
+          <p:cNvPr id="3" name="Notes Placeholder 2"/>
+          <p:cNvSpPr>
+            <a:spLocks noGrp="1"/>
+          </p:cNvSpPr>
+          <p:nvPr>
+            <p:ph type="body" idx="1"/>
+          </p:nvPr>
+        </p:nvSpPr>
+        <p:spPr/>
+        <p:txBody>
+          <a:bodyPr/>
+          <a:lstStyle/>
+          <a:p>
+            <a:pPr lvl="0" marL="0" indent="0">
+              <a:buNone/>
+            </a:pPr>
+            <a:r>
+              <a:rPr/>
+              <a:t>Use</a:t>
+            </a:r>
+            <a:r>
+              <a:rPr/>
+              <a:t> </a:t>
+            </a:r>
+            <a:r>
+              <a:rPr/>
+              <a:t>the</a:t>
+            </a:r>
+            <a:r>
+              <a:rPr/>
+              <a:t> </a:t>
+            </a:r>
+            <a:r>
+              <a:rPr/>
+              <a:t>AS</a:t>
+            </a:r>
+            <a:r>
+              <a:rPr/>
+              <a:t> </a:t>
+            </a:r>
+            <a:r>
+              <a:rPr/>
+              <a:t>keyword</a:t>
+            </a:r>
+            <a:r>
+              <a:rPr/>
+              <a:t> </a:t>
+            </a:r>
+            <a:r>
+              <a:rPr/>
+              <a:t>to</a:t>
+            </a:r>
+            <a:r>
+              <a:rPr/>
+              <a:t> </a:t>
+            </a:r>
+            <a:r>
+              <a:rPr/>
+              <a:t>change</a:t>
+            </a:r>
+            <a:r>
+              <a:rPr/>
+              <a:t> </a:t>
+            </a:r>
+            <a:r>
+              <a:rPr/>
+              <a:t>the</a:t>
+            </a:r>
+            <a:r>
+              <a:rPr/>
+              <a:t> </a:t>
+            </a:r>
+            <a:r>
+              <a:rPr/>
+              <a:t>name</a:t>
+            </a:r>
+            <a:r>
+              <a:rPr/>
+              <a:t> </a:t>
+            </a:r>
+            <a:r>
+              <a:rPr/>
+              <a:t>of</a:t>
+            </a:r>
+            <a:r>
+              <a:rPr/>
+              <a:t> </a:t>
+            </a:r>
+            <a:r>
+              <a:rPr/>
+              <a:t>a</a:t>
+            </a:r>
+            <a:r>
+              <a:rPr/>
+              <a:t> </a:t>
+            </a:r>
+            <a:r>
+              <a:rPr/>
+              <a:t>field.</a:t>
+            </a:r>
+            <a:r>
+              <a:rPr/>
+              <a:t> </a:t>
+            </a:r>
+            <a:r>
+              <a:rPr/>
+              <a:t>Notice</a:t>
+            </a:r>
+            <a:r>
+              <a:rPr/>
+              <a:t> </a:t>
+            </a:r>
+            <a:r>
+              <a:rPr/>
+              <a:t>where</a:t>
+            </a:r>
+            <a:r>
+              <a:rPr/>
+              <a:t> </a:t>
+            </a:r>
+            <a:r>
+              <a:rPr/>
+              <a:t>the</a:t>
+            </a:r>
+            <a:r>
+              <a:rPr/>
+              <a:t> </a:t>
+            </a:r>
+            <a:r>
+              <a:rPr/>
+              <a:t>commas</a:t>
+            </a:r>
+            <a:r>
+              <a:rPr/>
+              <a:t> </a:t>
+            </a:r>
+            <a:r>
+              <a:rPr/>
+              <a:t>go.</a:t>
+            </a:r>
+            <a:r>
+              <a:rPr/>
+              <a:t> </a:t>
+            </a:r>
+            <a:r>
+              <a:rPr/>
+              <a:t>This</a:t>
+            </a:r>
+            <a:r>
+              <a:rPr/>
+              <a:t> </a:t>
+            </a:r>
+            <a:r>
+              <a:rPr/>
+              <a:t>code</a:t>
+            </a:r>
+            <a:r>
+              <a:rPr/>
+              <a:t> </a:t>
+            </a:r>
+            <a:r>
+              <a:rPr/>
+              <a:t>renames</a:t>
+            </a:r>
+            <a:r>
+              <a:rPr/>
+              <a:t> </a:t>
+            </a:r>
+            <a:r>
+              <a:rPr/>
+              <a:t>the</a:t>
+            </a:r>
+            <a:r>
+              <a:rPr/>
+              <a:t> </a:t>
+            </a:r>
+            <a:r>
+              <a:rPr/>
+              <a:t>fields</a:t>
+            </a:r>
+            <a:r>
+              <a:rPr/>
+              <a:t> </a:t>
+            </a:r>
+            <a:r>
+              <a:rPr/>
+              <a:t>in</a:t>
+            </a:r>
+            <a:r>
+              <a:rPr/>
+              <a:t> </a:t>
+            </a:r>
+            <a:r>
+              <a:rPr/>
+              <a:t>the</a:t>
+            </a:r>
+            <a:r>
+              <a:rPr/>
+              <a:t> </a:t>
+            </a:r>
+            <a:r>
+              <a:rPr/>
+              <a:t>output,</a:t>
+            </a:r>
+            <a:r>
+              <a:rPr/>
+              <a:t> </a:t>
+            </a:r>
+            <a:r>
+              <a:rPr/>
+              <a:t>but</a:t>
+            </a:r>
+            <a:r>
+              <a:rPr/>
+              <a:t> </a:t>
+            </a:r>
+            <a:r>
+              <a:rPr/>
+              <a:t>the</a:t>
+            </a:r>
+            <a:r>
+              <a:rPr/>
+              <a:t> </a:t>
+            </a:r>
+            <a:r>
+              <a:rPr/>
+              <a:t>names</a:t>
+            </a:r>
+            <a:r>
+              <a:rPr/>
+              <a:t> </a:t>
+            </a:r>
+            <a:r>
+              <a:rPr/>
+              <a:t>in</a:t>
+            </a:r>
+            <a:r>
+              <a:rPr/>
+              <a:t> </a:t>
+            </a:r>
+            <a:r>
+              <a:rPr/>
+              <a:t>the</a:t>
+            </a:r>
+            <a:r>
+              <a:rPr/>
+              <a:t> </a:t>
+            </a:r>
+            <a:r>
+              <a:rPr/>
+              <a:t>original</a:t>
+            </a:r>
+            <a:r>
+              <a:rPr/>
+              <a:t> </a:t>
+            </a:r>
+            <a:r>
+              <a:rPr/>
+              <a:t>database</a:t>
+            </a:r>
+            <a:r>
+              <a:rPr/>
+              <a:t> </a:t>
+            </a:r>
+            <a:r>
+              <a:rPr/>
+              <a:t>remain</a:t>
+            </a:r>
+            <a:r>
+              <a:rPr/>
+              <a:t> </a:t>
+            </a:r>
+            <a:r>
+              <a:rPr/>
+              <a:t>the</a:t>
+            </a:r>
+            <a:r>
+              <a:rPr/>
+              <a:t> </a:t>
+            </a:r>
+            <a:r>
+              <a:rPr/>
+              <a:t>same.</a:t>
+            </a:r>
+          </a:p>
+        </p:txBody>
+      </p:sp>
+      <p:sp>
+        <p:nvSpPr>
+          <p:cNvPr id="4" name="Slide Number Placeholder 3"/>
+          <p:cNvSpPr>
+            <a:spLocks noGrp="1"/>
+          </p:cNvSpPr>
+          <p:nvPr>
+            <p:ph type="sldNum" sz="quarter" idx="10"/>
+          </p:nvPr>
+        </p:nvSpPr>
+        <p:spPr/>
+        <p:txBody>
+          <a:bodyPr/>
+          <a:lstStyle/>
+          <a:p>
+            <a:fld id="{18BDFEC3-8487-43E8-A154-7C12CBC1FFF2}" type="slidenum">
+              <a:rPr lang="en-US"/>
+              <a:t>18</a:t>
+            </a:fld>
+            <a:endParaRPr lang="en-US"/>
+          </a:p>
+        </p:txBody>
+      </p:sp>
+    </p:spTree>
+  </p:cSld>
+</p:notes>
+</file>
+
+<file path=ppt/notesSlides/notesSlide18.xml><?xml version="1.0" encoding="utf-8"?>
+<p:notes xmlns:a="http://schemas.openxmlformats.org/drawingml/2006/main" xmlns:r="http://schemas.openxmlformats.org/officeDocument/2006/relationships" xmlns:p="http://schemas.openxmlformats.org/presentationml/2006/main">
+  <p:cSld>
+    <p:spTree>
+      <p:nvGrpSpPr>
+        <p:cNvPr id="1" name=""/>
+        <p:cNvGrpSpPr/>
+        <p:nvPr/>
+      </p:nvGrpSpPr>
+      <p:grpSpPr>
+        <a:xfrm>
+          <a:off x="0" y="0"/>
+          <a:ext cx="0" cy="0"/>
+          <a:chOff x="0" y="0"/>
+          <a:chExt cx="0" cy="0"/>
+        </a:xfrm>
+      </p:grpSpPr>
+      <p:sp>
+        <p:nvSpPr>
+          <p:cNvPr id="2" name="Slide Image Placeholder 1"/>
+          <p:cNvSpPr>
+            <a:spLocks noGrp="1" noRot="1" noChangeAspect="1"/>
+          </p:cNvSpPr>
+          <p:nvPr>
+            <p:ph type="sldImg"/>
+          </p:nvPr>
+        </p:nvSpPr>
+        <p:spPr/>
+      </p:sp>
+      <p:sp>
+        <p:nvSpPr>
+          <p:cNvPr id="3" name="Notes Placeholder 2"/>
+          <p:cNvSpPr>
+            <a:spLocks noGrp="1"/>
+          </p:cNvSpPr>
+          <p:nvPr>
+            <p:ph type="body" idx="1"/>
+          </p:nvPr>
+        </p:nvSpPr>
+        <p:spPr/>
+        <p:txBody>
+          <a:bodyPr/>
+          <a:lstStyle/>
+          <a:p>
+            <a:pPr lvl="0" marL="0" indent="0">
+              <a:buNone/>
+            </a:pPr>
+            <a:r>
+              <a:rPr/>
+              <a:t>Here’s</a:t>
+            </a:r>
+            <a:r>
+              <a:rPr/>
+              <a:t> </a:t>
+            </a:r>
+            <a:r>
+              <a:rPr/>
+              <a:t>the</a:t>
+            </a:r>
+            <a:r>
+              <a:rPr/>
+              <a:t> </a:t>
+            </a:r>
+            <a:r>
+              <a:rPr/>
+              <a:t>R</a:t>
+            </a:r>
+            <a:r>
+              <a:rPr/>
+              <a:t> </a:t>
+            </a:r>
+            <a:r>
+              <a:rPr/>
+              <a:t>code.</a:t>
+            </a:r>
+            <a:r>
+              <a:rPr/>
+              <a:t> </a:t>
+            </a:r>
+            <a:r>
+              <a:rPr/>
+              <a:t>Since</a:t>
+            </a:r>
+            <a:r>
+              <a:rPr/>
+              <a:t> </a:t>
+            </a:r>
+            <a:r>
+              <a:rPr/>
+              <a:t>this</a:t>
+            </a:r>
+            <a:r>
+              <a:rPr/>
+              <a:t> </a:t>
+            </a:r>
+            <a:r>
+              <a:rPr/>
+              <a:t>is</a:t>
+            </a:r>
+            <a:r>
+              <a:rPr/>
+              <a:t> </a:t>
+            </a:r>
+            <a:r>
+              <a:rPr/>
+              <a:t>the</a:t>
+            </a:r>
+            <a:r>
+              <a:rPr/>
+              <a:t> </a:t>
+            </a:r>
+            <a:r>
+              <a:rPr/>
+              <a:t>last</a:t>
+            </a:r>
+            <a:r>
+              <a:rPr/>
+              <a:t> </a:t>
+            </a:r>
+            <a:r>
+              <a:rPr/>
+              <a:t>query</a:t>
+            </a:r>
+            <a:r>
+              <a:rPr/>
+              <a:t> </a:t>
+            </a:r>
+            <a:r>
+              <a:rPr/>
+              <a:t>in</a:t>
+            </a:r>
+            <a:r>
+              <a:rPr/>
+              <a:t> </a:t>
+            </a:r>
+            <a:r>
+              <a:rPr/>
+              <a:t>R,</a:t>
+            </a:r>
+            <a:r>
+              <a:rPr/>
+              <a:t> </a:t>
+            </a:r>
+            <a:r>
+              <a:rPr/>
+              <a:t>you</a:t>
+            </a:r>
+            <a:r>
+              <a:rPr/>
+              <a:t> </a:t>
+            </a:r>
+            <a:r>
+              <a:rPr/>
+              <a:t>need</a:t>
+            </a:r>
+            <a:r>
+              <a:rPr/>
+              <a:t> </a:t>
+            </a:r>
+            <a:r>
+              <a:rPr/>
+              <a:t>to</a:t>
+            </a:r>
+            <a:r>
+              <a:rPr/>
+              <a:t> </a:t>
+            </a:r>
+            <a:r>
+              <a:rPr/>
+              <a:t>disconnect</a:t>
+            </a:r>
+            <a:r>
+              <a:rPr/>
+              <a:t> </a:t>
+            </a:r>
+            <a:r>
+              <a:rPr/>
+              <a:t>here.</a:t>
+            </a:r>
+          </a:p>
+        </p:txBody>
+      </p:sp>
+      <p:sp>
+        <p:nvSpPr>
+          <p:cNvPr id="4" name="Slide Number Placeholder 3"/>
+          <p:cNvSpPr>
+            <a:spLocks noGrp="1"/>
+          </p:cNvSpPr>
+          <p:nvPr>
+            <p:ph type="sldNum" sz="quarter" idx="10"/>
+          </p:nvPr>
+        </p:nvSpPr>
+        <p:spPr/>
+        <p:txBody>
+          <a:bodyPr/>
+          <a:lstStyle/>
+          <a:p>
+            <a:fld id="{18BDFEC3-8487-43E8-A154-7C12CBC1FFF2}" type="slidenum">
+              <a:rPr lang="en-US"/>
+              <a:t>19</a:t>
+            </a:fld>
+            <a:endParaRPr lang="en-US"/>
+          </a:p>
+        </p:txBody>
+      </p:sp>
+    </p:spTree>
+  </p:cSld>
+</p:notes>
+</file>
+
+<file path=ppt/notesSlides/notesSlide19.xml><?xml version="1.0" encoding="utf-8"?>
+<p:notes xmlns:a="http://schemas.openxmlformats.org/drawingml/2006/main" xmlns:r="http://schemas.openxmlformats.org/officeDocument/2006/relationships" xmlns:p="http://schemas.openxmlformats.org/presentationml/2006/main">
+  <p:cSld>
+    <p:spTree>
+      <p:nvGrpSpPr>
+        <p:cNvPr id="1" name=""/>
+        <p:cNvGrpSpPr/>
+        <p:nvPr/>
+      </p:nvGrpSpPr>
+      <p:grpSpPr>
+        <a:xfrm>
+          <a:off x="0" y="0"/>
+          <a:ext cx="0" cy="0"/>
+          <a:chOff x="0" y="0"/>
+          <a:chExt cx="0" cy="0"/>
+        </a:xfrm>
+      </p:grpSpPr>
+      <p:sp>
+        <p:nvSpPr>
+          <p:cNvPr id="2" name="Slide Image Placeholder 1"/>
+          <p:cNvSpPr>
+            <a:spLocks noGrp="1" noRot="1" noChangeAspect="1"/>
+          </p:cNvSpPr>
+          <p:nvPr>
+            <p:ph type="sldImg"/>
+          </p:nvPr>
+        </p:nvSpPr>
+        <p:spPr/>
+      </p:sp>
+      <p:sp>
+        <p:nvSpPr>
+          <p:cNvPr id="3" name="Notes Placeholder 2"/>
+          <p:cNvSpPr>
+            <a:spLocks noGrp="1"/>
+          </p:cNvSpPr>
+          <p:nvPr>
+            <p:ph type="body" idx="1"/>
+          </p:nvPr>
+        </p:nvSpPr>
+        <p:spPr/>
+        <p:txBody>
+          <a:bodyPr/>
+          <a:lstStyle/>
+          <a:p>
+            <a:pPr lvl="0" marL="0" indent="0">
+              <a:buNone/>
+            </a:pPr>
+            <a:r>
+              <a:rPr/>
+              <a:t>Here’s</a:t>
+            </a:r>
+            <a:r>
+              <a:rPr/>
+              <a:t> </a:t>
+            </a:r>
+            <a:r>
+              <a:rPr/>
+              <a:t>what</a:t>
+            </a:r>
+            <a:r>
+              <a:rPr/>
+              <a:t> </a:t>
+            </a:r>
+            <a:r>
+              <a:rPr/>
+              <a:t>the</a:t>
+            </a:r>
+            <a:r>
+              <a:rPr/>
+              <a:t> </a:t>
+            </a:r>
+            <a:r>
+              <a:rPr/>
+              <a:t>output</a:t>
+            </a:r>
+            <a:r>
+              <a:rPr/>
+              <a:t> </a:t>
+            </a:r>
+            <a:r>
+              <a:rPr/>
+              <a:t>looks</a:t>
+            </a:r>
+            <a:r>
+              <a:rPr/>
+              <a:t> </a:t>
+            </a:r>
+            <a:r>
+              <a:rPr/>
+              <a:t>like.</a:t>
+            </a:r>
+          </a:p>
+        </p:txBody>
+      </p:sp>
+      <p:sp>
+        <p:nvSpPr>
+          <p:cNvPr id="4" name="Slide Number Placeholder 3"/>
+          <p:cNvSpPr>
+            <a:spLocks noGrp="1"/>
+          </p:cNvSpPr>
+          <p:nvPr>
+            <p:ph type="sldNum" sz="quarter" idx="10"/>
+          </p:nvPr>
+        </p:nvSpPr>
+        <p:spPr/>
+        <p:txBody>
+          <a:bodyPr/>
+          <a:lstStyle/>
+          <a:p>
+            <a:fld id="{18BDFEC3-8487-43E8-A154-7C12CBC1FFF2}" type="slidenum">
+              <a:rPr lang="en-US"/>
+              <a:t>20</a:t>
             </a:fld>
             <a:endParaRPr lang="en-US"/>
           </a:p>
@@ -2252,6 +3313,94 @@
             </a:r>
             <a:r>
               <a:rPr/>
+              <a:t>The</a:t>
+            </a:r>
+            <a:r>
+              <a:rPr/>
+              <a:t> </a:t>
+            </a:r>
+            <a:r>
+              <a:rPr/>
+              <a:t>asterisk</a:t>
+            </a:r>
+            <a:r>
+              <a:rPr/>
+              <a:t> </a:t>
+            </a:r>
+            <a:r>
+              <a:rPr/>
+              <a:t>is</a:t>
+            </a:r>
+            <a:r>
+              <a:rPr/>
+              <a:t> </a:t>
+            </a:r>
+            <a:r>
+              <a:rPr/>
+              <a:t>shorthand</a:t>
+            </a:r>
+            <a:r>
+              <a:rPr/>
+              <a:t> </a:t>
+            </a:r>
+            <a:r>
+              <a:rPr/>
+              <a:t>for</a:t>
+            </a:r>
+            <a:r>
+              <a:rPr/>
+              <a:t> </a:t>
+            </a:r>
+            <a:r>
+              <a:rPr/>
+              <a:t>“</a:t>
+            </a:r>
+            <a:r>
+              <a:rPr/>
+              <a:t>every</a:t>
+            </a:r>
+            <a:r>
+              <a:rPr/>
+              <a:t> </a:t>
+            </a:r>
+            <a:r>
+              <a:rPr/>
+              <a:t>field</a:t>
+            </a:r>
+            <a:r>
+              <a:rPr/>
+              <a:t> </a:t>
+            </a:r>
+            <a:r>
+              <a:rPr/>
+              <a:t>in</a:t>
+            </a:r>
+            <a:r>
+              <a:rPr/>
+              <a:t> </a:t>
+            </a:r>
+            <a:r>
+              <a:rPr/>
+              <a:t>the</a:t>
+            </a:r>
+            <a:r>
+              <a:rPr/>
+              <a:t> </a:t>
+            </a:r>
+            <a:r>
+              <a:rPr/>
+              <a:t>table.</a:t>
+            </a:r>
+            <a:r>
+              <a:rPr/>
+              <a:t>”</a:t>
+            </a:r>
+            <a:r>
+              <a:rPr/>
+              <a:t> </a:t>
+            </a:r>
+            <a:r>
+              <a:rPr/>
               <a:t>If</a:t>
             </a:r>
             <a:r>
@@ -2461,6 +3610,236 @@
             <a:r>
               <a:rPr/>
               <a:t>it.</a:t>
+            </a:r>
+          </a:p>
+          <a:p>
+            <a:pPr lvl="0" marL="0" indent="0">
+              <a:buNone/>
+            </a:pPr>
+          </a:p>
+          <a:p>
+            <a:pPr lvl="0" marL="0" indent="0">
+              <a:buNone/>
+            </a:pPr>
+            <a:r>
+              <a:rPr/>
+              <a:t>For</a:t>
+            </a:r>
+            <a:r>
+              <a:rPr/>
+              <a:t> </a:t>
+            </a:r>
+            <a:r>
+              <a:rPr/>
+              <a:t>most</a:t>
+            </a:r>
+            <a:r>
+              <a:rPr/>
+              <a:t> </a:t>
+            </a:r>
+            <a:r>
+              <a:rPr/>
+              <a:t>of</a:t>
+            </a:r>
+            <a:r>
+              <a:rPr/>
+              <a:t> </a:t>
+            </a:r>
+            <a:r>
+              <a:rPr/>
+              <a:t>the</a:t>
+            </a:r>
+            <a:r>
+              <a:rPr/>
+              <a:t> </a:t>
+            </a:r>
+            <a:r>
+              <a:rPr/>
+              <a:t>lectures,</a:t>
+            </a:r>
+            <a:r>
+              <a:rPr/>
+              <a:t> </a:t>
+            </a:r>
+            <a:r>
+              <a:rPr/>
+              <a:t>I</a:t>
+            </a:r>
+            <a:r>
+              <a:rPr/>
+              <a:t> </a:t>
+            </a:r>
+            <a:r>
+              <a:rPr/>
+              <a:t>will</a:t>
+            </a:r>
+            <a:r>
+              <a:rPr/>
+              <a:t> </a:t>
+            </a:r>
+            <a:r>
+              <a:rPr/>
+              <a:t>not</a:t>
+            </a:r>
+            <a:r>
+              <a:rPr/>
+              <a:t> </a:t>
+            </a:r>
+            <a:r>
+              <a:rPr/>
+              <a:t>show</a:t>
+            </a:r>
+            <a:r>
+              <a:rPr/>
+              <a:t> </a:t>
+            </a:r>
+            <a:r>
+              <a:rPr/>
+              <a:t>the</a:t>
+            </a:r>
+            <a:r>
+              <a:rPr/>
+              <a:t> </a:t>
+            </a:r>
+            <a:r>
+              <a:rPr/>
+              <a:t>extra</a:t>
+            </a:r>
+            <a:r>
+              <a:rPr/>
+              <a:t> </a:t>
+            </a:r>
+            <a:r>
+              <a:rPr/>
+              <a:t>SAS</a:t>
+            </a:r>
+            <a:r>
+              <a:rPr/>
+              <a:t> </a:t>
+            </a:r>
+            <a:r>
+              <a:rPr/>
+              <a:t>and</a:t>
+            </a:r>
+            <a:r>
+              <a:rPr/>
+              <a:t> </a:t>
+            </a:r>
+            <a:r>
+              <a:rPr/>
+              <a:t>R</a:t>
+            </a:r>
+            <a:r>
+              <a:rPr/>
+              <a:t> </a:t>
+            </a:r>
+            <a:r>
+              <a:rPr/>
+              <a:t>code,</a:t>
+            </a:r>
+            <a:r>
+              <a:rPr/>
+              <a:t> </a:t>
+            </a:r>
+            <a:r>
+              <a:rPr/>
+              <a:t>but</a:t>
+            </a:r>
+            <a:r>
+              <a:rPr/>
+              <a:t> </a:t>
+            </a:r>
+            <a:r>
+              <a:rPr/>
+              <a:t>I</a:t>
+            </a:r>
+            <a:r>
+              <a:rPr/>
+              <a:t> </a:t>
+            </a:r>
+            <a:r>
+              <a:rPr/>
+              <a:t>wanted</a:t>
+            </a:r>
+            <a:r>
+              <a:rPr/>
+              <a:t> </a:t>
+            </a:r>
+            <a:r>
+              <a:rPr/>
+              <a:t>to</a:t>
+            </a:r>
+            <a:r>
+              <a:rPr/>
+              <a:t> </a:t>
+            </a:r>
+            <a:r>
+              <a:rPr/>
+              <a:t>illustrate</a:t>
+            </a:r>
+            <a:r>
+              <a:rPr/>
+              <a:t> </a:t>
+            </a:r>
+            <a:r>
+              <a:rPr/>
+              <a:t>it</a:t>
+            </a:r>
+            <a:r>
+              <a:rPr/>
+              <a:t> </a:t>
+            </a:r>
+            <a:r>
+              <a:rPr/>
+              <a:t>at</a:t>
+            </a:r>
+            <a:r>
+              <a:rPr/>
+              <a:t> </a:t>
+            </a:r>
+            <a:r>
+              <a:rPr/>
+              <a:t>least</a:t>
+            </a:r>
+            <a:r>
+              <a:rPr/>
+              <a:t> </a:t>
+            </a:r>
+            <a:r>
+              <a:rPr/>
+              <a:t>for</a:t>
+            </a:r>
+            <a:r>
+              <a:rPr/>
+              <a:t> </a:t>
+            </a:r>
+            <a:r>
+              <a:rPr/>
+              <a:t>the</a:t>
+            </a:r>
+            <a:r>
+              <a:rPr/>
+              <a:t> </a:t>
+            </a:r>
+            <a:r>
+              <a:rPr/>
+              <a:t>very</a:t>
+            </a:r>
+            <a:r>
+              <a:rPr/>
+              <a:t> </a:t>
+            </a:r>
+            <a:r>
+              <a:rPr/>
+              <a:t>first</a:t>
+            </a:r>
+            <a:r>
+              <a:rPr/>
+              <a:t> </a:t>
+            </a:r>
+            <a:r>
+              <a:rPr/>
+              <a:t>lecture.</a:t>
             </a:r>
           </a:p>
         </p:txBody>
@@ -2483,6 +3862,1378 @@
             <a:fld id="{18BDFEC3-8487-43E8-A154-7C12CBC1FFF2}" type="slidenum">
               <a:rPr lang="en-US"/>
               <a:t>3</a:t>
+            </a:fld>
+            <a:endParaRPr lang="en-US"/>
+          </a:p>
+        </p:txBody>
+      </p:sp>
+    </p:spTree>
+  </p:cSld>
+</p:notes>
+</file>
+
+<file path=ppt/notesSlides/notesSlide20.xml><?xml version="1.0" encoding="utf-8"?>
+<p:notes xmlns:a="http://schemas.openxmlformats.org/drawingml/2006/main" xmlns:r="http://schemas.openxmlformats.org/officeDocument/2006/relationships" xmlns:p="http://schemas.openxmlformats.org/presentationml/2006/main">
+  <p:cSld>
+    <p:spTree>
+      <p:nvGrpSpPr>
+        <p:cNvPr id="1" name=""/>
+        <p:cNvGrpSpPr/>
+        <p:nvPr/>
+      </p:nvGrpSpPr>
+      <p:grpSpPr>
+        <a:xfrm>
+          <a:off x="0" y="0"/>
+          <a:ext cx="0" cy="0"/>
+          <a:chOff x="0" y="0"/>
+          <a:chExt cx="0" cy="0"/>
+        </a:xfrm>
+      </p:grpSpPr>
+      <p:sp>
+        <p:nvSpPr>
+          <p:cNvPr id="2" name="Slide Image Placeholder 1"/>
+          <p:cNvSpPr>
+            <a:spLocks noGrp="1" noRot="1" noChangeAspect="1"/>
+          </p:cNvSpPr>
+          <p:nvPr>
+            <p:ph type="sldImg"/>
+          </p:nvPr>
+        </p:nvSpPr>
+        <p:spPr/>
+      </p:sp>
+      <p:sp>
+        <p:nvSpPr>
+          <p:cNvPr id="3" name="Notes Placeholder 2"/>
+          <p:cNvSpPr>
+            <a:spLocks noGrp="1"/>
+          </p:cNvSpPr>
+          <p:nvPr>
+            <p:ph type="body" idx="1"/>
+          </p:nvPr>
+        </p:nvSpPr>
+        <p:spPr/>
+        <p:txBody>
+          <a:bodyPr/>
+          <a:lstStyle/>
+          <a:p>
+            <a:pPr lvl="0" marL="0" indent="0">
+              <a:buNone/>
+            </a:pPr>
+            <a:r>
+              <a:rPr/>
+              <a:t>You</a:t>
+            </a:r>
+            <a:r>
+              <a:rPr/>
+              <a:t> </a:t>
+            </a:r>
+            <a:r>
+              <a:rPr/>
+              <a:t>can</a:t>
+            </a:r>
+            <a:r>
+              <a:rPr/>
+              <a:t> </a:t>
+            </a:r>
+            <a:r>
+              <a:rPr/>
+              <a:t>rename</a:t>
+            </a:r>
+            <a:r>
+              <a:rPr/>
+              <a:t> </a:t>
+            </a:r>
+            <a:r>
+              <a:rPr/>
+              <a:t>fields</a:t>
+            </a:r>
+            <a:r>
+              <a:rPr/>
+              <a:t> </a:t>
+            </a:r>
+            <a:r>
+              <a:rPr/>
+              <a:t>in</a:t>
+            </a:r>
+            <a:r>
+              <a:rPr/>
+              <a:t> </a:t>
+            </a:r>
+            <a:r>
+              <a:rPr/>
+              <a:t>proc</a:t>
+            </a:r>
+            <a:r>
+              <a:rPr/>
+              <a:t> </a:t>
+            </a:r>
+            <a:r>
+              <a:rPr/>
+              <a:t>sql,</a:t>
+            </a:r>
+            <a:r>
+              <a:rPr/>
+              <a:t> </a:t>
+            </a:r>
+            <a:r>
+              <a:rPr/>
+              <a:t>but</a:t>
+            </a:r>
+            <a:r>
+              <a:rPr/>
+              <a:t> </a:t>
+            </a:r>
+            <a:r>
+              <a:rPr/>
+              <a:t>be</a:t>
+            </a:r>
+            <a:r>
+              <a:rPr/>
+              <a:t> </a:t>
+            </a:r>
+            <a:r>
+              <a:rPr/>
+              <a:t>careful.</a:t>
+            </a:r>
+            <a:r>
+              <a:rPr/>
+              <a:t> </a:t>
+            </a:r>
+            <a:r>
+              <a:rPr/>
+              <a:t>Sometimes</a:t>
+            </a:r>
+            <a:r>
+              <a:rPr/>
+              <a:t> </a:t>
+            </a:r>
+            <a:r>
+              <a:rPr/>
+              <a:t>SAS</a:t>
+            </a:r>
+            <a:r>
+              <a:rPr/>
+              <a:t> </a:t>
+            </a:r>
+            <a:r>
+              <a:rPr/>
+              <a:t>retains</a:t>
+            </a:r>
+            <a:r>
+              <a:rPr/>
+              <a:t> </a:t>
+            </a:r>
+            <a:r>
+              <a:rPr/>
+              <a:t>the</a:t>
+            </a:r>
+            <a:r>
+              <a:rPr/>
+              <a:t> </a:t>
+            </a:r>
+            <a:r>
+              <a:rPr/>
+              <a:t>original</a:t>
+            </a:r>
+            <a:r>
+              <a:rPr/>
+              <a:t> </a:t>
+            </a:r>
+            <a:r>
+              <a:rPr/>
+              <a:t>name</a:t>
+            </a:r>
+            <a:r>
+              <a:rPr/>
+              <a:t> </a:t>
+            </a:r>
+            <a:r>
+              <a:rPr/>
+              <a:t>as</a:t>
+            </a:r>
+            <a:r>
+              <a:rPr/>
+              <a:t> </a:t>
+            </a:r>
+            <a:r>
+              <a:rPr/>
+              <a:t>the</a:t>
+            </a:r>
+            <a:r>
+              <a:rPr/>
+              <a:t> </a:t>
+            </a:r>
+            <a:r>
+              <a:rPr/>
+              <a:t>variable</a:t>
+            </a:r>
+            <a:r>
+              <a:rPr/>
+              <a:t> </a:t>
+            </a:r>
+            <a:r>
+              <a:rPr/>
+              <a:t>label.</a:t>
+            </a:r>
+            <a:r>
+              <a:rPr/>
+              <a:t> </a:t>
+            </a:r>
+            <a:r>
+              <a:rPr/>
+              <a:t>If</a:t>
+            </a:r>
+            <a:r>
+              <a:rPr/>
+              <a:t> </a:t>
+            </a:r>
+            <a:r>
+              <a:rPr/>
+              <a:t>you</a:t>
+            </a:r>
+            <a:r>
+              <a:rPr/>
+              <a:t> </a:t>
+            </a:r>
+            <a:r>
+              <a:rPr/>
+              <a:t>have</a:t>
+            </a:r>
+            <a:r>
+              <a:rPr/>
+              <a:t> </a:t>
+            </a:r>
+            <a:r>
+              <a:rPr/>
+              <a:t>trouble</a:t>
+            </a:r>
+            <a:r>
+              <a:rPr/>
+              <a:t> </a:t>
+            </a:r>
+            <a:r>
+              <a:rPr/>
+              <a:t>with</a:t>
+            </a:r>
+            <a:r>
+              <a:rPr/>
+              <a:t> </a:t>
+            </a:r>
+            <a:r>
+              <a:rPr/>
+              <a:t>renaming,</a:t>
+            </a:r>
+            <a:r>
+              <a:rPr/>
+              <a:t> </a:t>
+            </a:r>
+            <a:r>
+              <a:rPr/>
+              <a:t>you</a:t>
+            </a:r>
+            <a:r>
+              <a:rPr/>
+              <a:t> </a:t>
+            </a:r>
+            <a:r>
+              <a:rPr/>
+              <a:t>may</a:t>
+            </a:r>
+            <a:r>
+              <a:rPr/>
+              <a:t> </a:t>
+            </a:r>
+            <a:r>
+              <a:rPr/>
+              <a:t>want</a:t>
+            </a:r>
+            <a:r>
+              <a:rPr/>
+              <a:t> </a:t>
+            </a:r>
+            <a:r>
+              <a:rPr/>
+              <a:t>to</a:t>
+            </a:r>
+            <a:r>
+              <a:rPr/>
+              <a:t> </a:t>
+            </a:r>
+            <a:r>
+              <a:rPr/>
+              <a:t>do</a:t>
+            </a:r>
+            <a:r>
+              <a:rPr/>
+              <a:t> </a:t>
+            </a:r>
+            <a:r>
+              <a:rPr/>
+              <a:t>the</a:t>
+            </a:r>
+            <a:r>
+              <a:rPr/>
+              <a:t> </a:t>
+            </a:r>
+            <a:r>
+              <a:rPr/>
+              <a:t>renaming</a:t>
+            </a:r>
+            <a:r>
+              <a:rPr/>
+              <a:t> </a:t>
+            </a:r>
+            <a:r>
+              <a:rPr/>
+              <a:t>in</a:t>
+            </a:r>
+            <a:r>
+              <a:rPr/>
+              <a:t> </a:t>
+            </a:r>
+            <a:r>
+              <a:rPr/>
+              <a:t>SAS</a:t>
+            </a:r>
+            <a:r>
+              <a:rPr/>
+              <a:t> </a:t>
+            </a:r>
+            <a:r>
+              <a:rPr/>
+              <a:t>itself.</a:t>
+            </a:r>
+          </a:p>
+        </p:txBody>
+      </p:sp>
+      <p:sp>
+        <p:nvSpPr>
+          <p:cNvPr id="4" name="Slide Number Placeholder 3"/>
+          <p:cNvSpPr>
+            <a:spLocks noGrp="1"/>
+          </p:cNvSpPr>
+          <p:nvPr>
+            <p:ph type="sldNum" sz="quarter" idx="10"/>
+          </p:nvPr>
+        </p:nvSpPr>
+        <p:spPr/>
+        <p:txBody>
+          <a:bodyPr/>
+          <a:lstStyle/>
+          <a:p>
+            <a:fld id="{18BDFEC3-8487-43E8-A154-7C12CBC1FFF2}" type="slidenum">
+              <a:rPr lang="en-US"/>
+              <a:t>21</a:t>
+            </a:fld>
+            <a:endParaRPr lang="en-US"/>
+          </a:p>
+        </p:txBody>
+      </p:sp>
+    </p:spTree>
+  </p:cSld>
+</p:notes>
+</file>
+
+<file path=ppt/notesSlides/notesSlide21.xml><?xml version="1.0" encoding="utf-8"?>
+<p:notes xmlns:a="http://schemas.openxmlformats.org/drawingml/2006/main" xmlns:r="http://schemas.openxmlformats.org/officeDocument/2006/relationships" xmlns:p="http://schemas.openxmlformats.org/presentationml/2006/main">
+  <p:cSld>
+    <p:spTree>
+      <p:nvGrpSpPr>
+        <p:cNvPr id="1" name=""/>
+        <p:cNvGrpSpPr/>
+        <p:nvPr/>
+      </p:nvGrpSpPr>
+      <p:grpSpPr>
+        <a:xfrm>
+          <a:off x="0" y="0"/>
+          <a:ext cx="0" cy="0"/>
+          <a:chOff x="0" y="0"/>
+          <a:chExt cx="0" cy="0"/>
+        </a:xfrm>
+      </p:grpSpPr>
+      <p:sp>
+        <p:nvSpPr>
+          <p:cNvPr id="2" name="Slide Image Placeholder 1"/>
+          <p:cNvSpPr>
+            <a:spLocks noGrp="1" noRot="1" noChangeAspect="1"/>
+          </p:cNvSpPr>
+          <p:nvPr>
+            <p:ph type="sldImg"/>
+          </p:nvPr>
+        </p:nvSpPr>
+        <p:spPr/>
+      </p:sp>
+      <p:sp>
+        <p:nvSpPr>
+          <p:cNvPr id="3" name="Notes Placeholder 2"/>
+          <p:cNvSpPr>
+            <a:spLocks noGrp="1"/>
+          </p:cNvSpPr>
+          <p:nvPr>
+            <p:ph type="body" idx="1"/>
+          </p:nvPr>
+        </p:nvSpPr>
+        <p:spPr/>
+        <p:txBody>
+          <a:bodyPr/>
+          <a:lstStyle/>
+          <a:p>
+            <a:pPr lvl="0" marL="0" indent="0">
+              <a:buNone/>
+            </a:pPr>
+            <a:r>
+              <a:rPr/>
+              <a:t>Here’s</a:t>
+            </a:r>
+            <a:r>
+              <a:rPr/>
+              <a:t> </a:t>
+            </a:r>
+            <a:r>
+              <a:rPr/>
+              <a:t>what</a:t>
+            </a:r>
+            <a:r>
+              <a:rPr/>
+              <a:t> </a:t>
+            </a:r>
+            <a:r>
+              <a:rPr/>
+              <a:t>the</a:t>
+            </a:r>
+            <a:r>
+              <a:rPr/>
+              <a:t> </a:t>
+            </a:r>
+            <a:r>
+              <a:rPr/>
+              <a:t>output</a:t>
+            </a:r>
+            <a:r>
+              <a:rPr/>
+              <a:t> </a:t>
+            </a:r>
+            <a:r>
+              <a:rPr/>
+              <a:t>looks</a:t>
+            </a:r>
+            <a:r>
+              <a:rPr/>
+              <a:t> </a:t>
+            </a:r>
+            <a:r>
+              <a:rPr/>
+              <a:t>like.</a:t>
+            </a:r>
+          </a:p>
+        </p:txBody>
+      </p:sp>
+      <p:sp>
+        <p:nvSpPr>
+          <p:cNvPr id="4" name="Slide Number Placeholder 3"/>
+          <p:cNvSpPr>
+            <a:spLocks noGrp="1"/>
+          </p:cNvSpPr>
+          <p:nvPr>
+            <p:ph type="sldNum" sz="quarter" idx="10"/>
+          </p:nvPr>
+        </p:nvSpPr>
+        <p:spPr/>
+        <p:txBody>
+          <a:bodyPr/>
+          <a:lstStyle/>
+          <a:p>
+            <a:fld id="{18BDFEC3-8487-43E8-A154-7C12CBC1FFF2}" type="slidenum">
+              <a:rPr lang="en-US"/>
+              <a:t>22</a:t>
+            </a:fld>
+            <a:endParaRPr lang="en-US"/>
+          </a:p>
+        </p:txBody>
+      </p:sp>
+    </p:spTree>
+  </p:cSld>
+</p:notes>
+</file>
+
+<file path=ppt/notesSlides/notesSlide22.xml><?xml version="1.0" encoding="utf-8"?>
+<p:notes xmlns:a="http://schemas.openxmlformats.org/drawingml/2006/main" xmlns:r="http://schemas.openxmlformats.org/officeDocument/2006/relationships" xmlns:p="http://schemas.openxmlformats.org/presentationml/2006/main">
+  <p:cSld>
+    <p:spTree>
+      <p:nvGrpSpPr>
+        <p:cNvPr id="1" name=""/>
+        <p:cNvGrpSpPr/>
+        <p:nvPr/>
+      </p:nvGrpSpPr>
+      <p:grpSpPr>
+        <a:xfrm>
+          <a:off x="0" y="0"/>
+          <a:ext cx="0" cy="0"/>
+          <a:chOff x="0" y="0"/>
+          <a:chExt cx="0" cy="0"/>
+        </a:xfrm>
+      </p:grpSpPr>
+      <p:sp>
+        <p:nvSpPr>
+          <p:cNvPr id="2" name="Slide Image Placeholder 1"/>
+          <p:cNvSpPr>
+            <a:spLocks noGrp="1" noRot="1" noChangeAspect="1"/>
+          </p:cNvSpPr>
+          <p:nvPr>
+            <p:ph type="sldImg"/>
+          </p:nvPr>
+        </p:nvSpPr>
+        <p:spPr/>
+      </p:sp>
+      <p:sp>
+        <p:nvSpPr>
+          <p:cNvPr id="3" name="Notes Placeholder 2"/>
+          <p:cNvSpPr>
+            <a:spLocks noGrp="1"/>
+          </p:cNvSpPr>
+          <p:nvPr>
+            <p:ph type="body" idx="1"/>
+          </p:nvPr>
+        </p:nvSpPr>
+        <p:spPr/>
+        <p:txBody>
+          <a:bodyPr/>
+          <a:lstStyle/>
+          <a:p>
+            <a:pPr lvl="0" marL="0" indent="0">
+              <a:buNone/>
+            </a:pPr>
+            <a:r>
+              <a:rPr/>
+              <a:t>The</a:t>
+            </a:r>
+            <a:r>
+              <a:rPr/>
+              <a:t> </a:t>
+            </a:r>
+            <a:r>
+              <a:rPr/>
+              <a:t>database</a:t>
+            </a:r>
+            <a:r>
+              <a:rPr/>
+              <a:t> </a:t>
+            </a:r>
+            <a:r>
+              <a:rPr/>
+              <a:t>for</a:t>
+            </a:r>
+            <a:r>
+              <a:rPr/>
+              <a:t> </a:t>
+            </a:r>
+            <a:r>
+              <a:rPr/>
+              <a:t>your</a:t>
+            </a:r>
+            <a:r>
+              <a:rPr/>
+              <a:t> </a:t>
+            </a:r>
+            <a:r>
+              <a:rPr/>
+              <a:t>first</a:t>
+            </a:r>
+            <a:r>
+              <a:rPr/>
+              <a:t> </a:t>
+            </a:r>
+            <a:r>
+              <a:rPr/>
+              <a:t>homework</a:t>
+            </a:r>
+            <a:r>
+              <a:rPr/>
+              <a:t> </a:t>
+            </a:r>
+            <a:r>
+              <a:rPr/>
+              <a:t>assignment</a:t>
+            </a:r>
+            <a:r>
+              <a:rPr/>
+              <a:t> </a:t>
+            </a:r>
+            <a:r>
+              <a:rPr/>
+              <a:t>is</a:t>
+            </a:r>
+            <a:r>
+              <a:rPr/>
+              <a:t> </a:t>
+            </a:r>
+            <a:r>
+              <a:rPr/>
+              <a:t>also</a:t>
+            </a:r>
+            <a:r>
+              <a:rPr/>
+              <a:t> </a:t>
+            </a:r>
+            <a:r>
+              <a:rPr/>
+              <a:t>very</a:t>
+            </a:r>
+            <a:r>
+              <a:rPr/>
+              <a:t> </a:t>
+            </a:r>
+            <a:r>
+              <a:rPr/>
+              <a:t>small.</a:t>
+            </a:r>
+            <a:r>
+              <a:rPr/>
+              <a:t> </a:t>
+            </a:r>
+            <a:r>
+              <a:rPr/>
+              <a:t>It</a:t>
+            </a:r>
+            <a:r>
+              <a:rPr/>
+              <a:t> </a:t>
+            </a:r>
+            <a:r>
+              <a:rPr/>
+              <a:t>has</a:t>
+            </a:r>
+            <a:r>
+              <a:rPr/>
+              <a:t> </a:t>
+            </a:r>
+            <a:r>
+              <a:rPr/>
+              <a:t>three</a:t>
+            </a:r>
+            <a:r>
+              <a:rPr/>
+              <a:t> </a:t>
+            </a:r>
+            <a:r>
+              <a:rPr/>
+              <a:t>fields</a:t>
+            </a:r>
+            <a:r>
+              <a:rPr/>
+              <a:t> </a:t>
+            </a:r>
+            <a:r>
+              <a:rPr/>
+              <a:t>and</a:t>
+            </a:r>
+            <a:r>
+              <a:rPr/>
+              <a:t> </a:t>
+            </a:r>
+            <a:r>
+              <a:rPr/>
+              <a:t>twelve</a:t>
+            </a:r>
+            <a:r>
+              <a:rPr/>
+              <a:t> </a:t>
+            </a:r>
+            <a:r>
+              <a:rPr/>
+              <a:t>records.</a:t>
+            </a:r>
+            <a:r>
+              <a:rPr/>
+              <a:t> </a:t>
+            </a:r>
+            <a:r>
+              <a:rPr/>
+              <a:t>This</a:t>
+            </a:r>
+            <a:r>
+              <a:rPr/>
+              <a:t> </a:t>
+            </a:r>
+            <a:r>
+              <a:rPr/>
+              <a:t>data</a:t>
+            </a:r>
+            <a:r>
+              <a:rPr/>
+              <a:t> </a:t>
+            </a:r>
+            <a:r>
+              <a:rPr/>
+              <a:t>came</a:t>
+            </a:r>
+            <a:r>
+              <a:rPr/>
+              <a:t> </a:t>
+            </a:r>
+            <a:r>
+              <a:rPr/>
+              <a:t>from</a:t>
+            </a:r>
+            <a:r>
+              <a:rPr/>
+              <a:t> </a:t>
+            </a:r>
+            <a:r>
+              <a:rPr/>
+              <a:t>a</a:t>
+            </a:r>
+            <a:r>
+              <a:rPr/>
+              <a:t> </a:t>
+            </a:r>
+            <a:r>
+              <a:rPr/>
+              <a:t>research</a:t>
+            </a:r>
+            <a:r>
+              <a:rPr/>
+              <a:t> </a:t>
+            </a:r>
+            <a:r>
+              <a:rPr/>
+              <a:t>publication</a:t>
+            </a:r>
+            <a:r>
+              <a:rPr/>
+              <a:t> </a:t>
+            </a:r>
+            <a:r>
+              <a:rPr/>
+              <a:t>in</a:t>
+            </a:r>
+            <a:r>
+              <a:rPr/>
+              <a:t> </a:t>
+            </a:r>
+            <a:r>
+              <a:rPr/>
+              <a:t>Infant</a:t>
+            </a:r>
+            <a:r>
+              <a:rPr/>
+              <a:t> </a:t>
+            </a:r>
+            <a:r>
+              <a:rPr/>
+              <a:t>Behavior</a:t>
+            </a:r>
+            <a:r>
+              <a:rPr/>
+              <a:t> </a:t>
+            </a:r>
+            <a:r>
+              <a:rPr/>
+              <a:t>and</a:t>
+            </a:r>
+            <a:r>
+              <a:rPr/>
+              <a:t> </a:t>
+            </a:r>
+            <a:r>
+              <a:rPr/>
+              <a:t>Development.</a:t>
+            </a:r>
+            <a:r>
+              <a:rPr/>
+              <a:t> </a:t>
+            </a:r>
+            <a:r>
+              <a:rPr/>
+              <a:t>The</a:t>
+            </a:r>
+            <a:r>
+              <a:rPr/>
+              <a:t> </a:t>
+            </a:r>
+            <a:r>
+              <a:rPr/>
+              <a:t>original</a:t>
+            </a:r>
+            <a:r>
+              <a:rPr/>
+              <a:t> </a:t>
+            </a:r>
+            <a:r>
+              <a:rPr/>
+              <a:t>data</a:t>
+            </a:r>
+            <a:r>
+              <a:rPr/>
+              <a:t> </a:t>
+            </a:r>
+            <a:r>
+              <a:rPr/>
+              <a:t>set</a:t>
+            </a:r>
+            <a:r>
+              <a:rPr/>
+              <a:t> </a:t>
+            </a:r>
+            <a:r>
+              <a:rPr/>
+              <a:t>included</a:t>
+            </a:r>
+            <a:r>
+              <a:rPr/>
+              <a:t> </a:t>
+            </a:r>
+            <a:r>
+              <a:rPr/>
+              <a:t>414</a:t>
+            </a:r>
+            <a:r>
+              <a:rPr/>
+              <a:t> </a:t>
+            </a:r>
+            <a:r>
+              <a:rPr/>
+              <a:t>infants,</a:t>
+            </a:r>
+            <a:r>
+              <a:rPr/>
+              <a:t> </a:t>
+            </a:r>
+            <a:r>
+              <a:rPr/>
+              <a:t>but</a:t>
+            </a:r>
+            <a:r>
+              <a:rPr/>
+              <a:t> </a:t>
+            </a:r>
+            <a:r>
+              <a:rPr/>
+              <a:t>the</a:t>
+            </a:r>
+            <a:r>
+              <a:rPr/>
+              <a:t> </a:t>
+            </a:r>
+            <a:r>
+              <a:rPr/>
+              <a:t>results</a:t>
+            </a:r>
+            <a:r>
+              <a:rPr/>
+              <a:t> </a:t>
+            </a:r>
+            <a:r>
+              <a:rPr/>
+              <a:t>were</a:t>
+            </a:r>
+            <a:r>
+              <a:rPr/>
+              <a:t> </a:t>
+            </a:r>
+            <a:r>
+              <a:rPr/>
+              <a:t>averaged</a:t>
+            </a:r>
+            <a:r>
+              <a:rPr/>
+              <a:t> </a:t>
+            </a:r>
+            <a:r>
+              <a:rPr/>
+              <a:t>by</a:t>
+            </a:r>
+            <a:r>
+              <a:rPr/>
+              <a:t> </a:t>
+            </a:r>
+            <a:r>
+              <a:rPr/>
+              <a:t>birth</a:t>
+            </a:r>
+            <a:r>
+              <a:rPr/>
+              <a:t> </a:t>
+            </a:r>
+            <a:r>
+              <a:rPr/>
+              <a:t>month.</a:t>
+            </a:r>
+            <a:r>
+              <a:rPr/>
+              <a:t> </a:t>
+            </a:r>
+            <a:r>
+              <a:rPr/>
+              <a:t>The</a:t>
+            </a:r>
+            <a:r>
+              <a:rPr/>
+              <a:t> </a:t>
+            </a:r>
+            <a:r>
+              <a:rPr/>
+              <a:t>hypothesis</a:t>
+            </a:r>
+            <a:r>
+              <a:rPr/>
+              <a:t> </a:t>
+            </a:r>
+            <a:r>
+              <a:rPr/>
+              <a:t>is</a:t>
+            </a:r>
+            <a:r>
+              <a:rPr/>
+              <a:t> </a:t>
+            </a:r>
+            <a:r>
+              <a:rPr/>
+              <a:t>that</a:t>
+            </a:r>
+            <a:r>
+              <a:rPr/>
+              <a:t> </a:t>
+            </a:r>
+            <a:r>
+              <a:rPr/>
+              <a:t>the</a:t>
+            </a:r>
+            <a:r>
+              <a:rPr/>
+              <a:t> </a:t>
+            </a:r>
+            <a:r>
+              <a:rPr/>
+              <a:t>colder</a:t>
+            </a:r>
+            <a:r>
+              <a:rPr/>
+              <a:t> </a:t>
+            </a:r>
+            <a:r>
+              <a:rPr/>
+              <a:t>temperature</a:t>
+            </a:r>
+            <a:r>
+              <a:rPr/>
+              <a:t> </a:t>
+            </a:r>
+            <a:r>
+              <a:rPr/>
+              <a:t>around</a:t>
+            </a:r>
+            <a:r>
+              <a:rPr/>
+              <a:t> </a:t>
+            </a:r>
+            <a:r>
+              <a:rPr/>
+              <a:t>the</a:t>
+            </a:r>
+            <a:r>
+              <a:rPr/>
+              <a:t> </a:t>
+            </a:r>
+            <a:r>
+              <a:rPr/>
+              <a:t>time</a:t>
+            </a:r>
+            <a:r>
+              <a:rPr/>
+              <a:t> </a:t>
+            </a:r>
+            <a:r>
+              <a:rPr/>
+              <a:t>when</a:t>
+            </a:r>
+            <a:r>
+              <a:rPr/>
+              <a:t> </a:t>
+            </a:r>
+            <a:r>
+              <a:rPr/>
+              <a:t>infants</a:t>
+            </a:r>
+            <a:r>
+              <a:rPr/>
+              <a:t> </a:t>
+            </a:r>
+            <a:r>
+              <a:rPr/>
+              <a:t>might</a:t>
+            </a:r>
+            <a:r>
+              <a:rPr/>
+              <a:t> </a:t>
+            </a:r>
+            <a:r>
+              <a:rPr/>
+              <a:t>start</a:t>
+            </a:r>
+            <a:r>
+              <a:rPr/>
+              <a:t> </a:t>
+            </a:r>
+            <a:r>
+              <a:rPr/>
+              <a:t>to</a:t>
+            </a:r>
+            <a:r>
+              <a:rPr/>
+              <a:t> </a:t>
+            </a:r>
+            <a:r>
+              <a:rPr/>
+              <a:t>crawl</a:t>
+            </a:r>
+            <a:r>
+              <a:rPr/>
+              <a:t> </a:t>
+            </a:r>
+            <a:r>
+              <a:rPr/>
+              <a:t>might</a:t>
+            </a:r>
+            <a:r>
+              <a:rPr/>
+              <a:t> </a:t>
+            </a:r>
+            <a:r>
+              <a:rPr/>
+              <a:t>adversely</a:t>
+            </a:r>
+            <a:r>
+              <a:rPr/>
+              <a:t> </a:t>
+            </a:r>
+            <a:r>
+              <a:rPr/>
+              <a:t>influence</a:t>
+            </a:r>
+            <a:r>
+              <a:rPr/>
+              <a:t> </a:t>
+            </a:r>
+            <a:r>
+              <a:rPr/>
+              <a:t>the</a:t>
+            </a:r>
+            <a:r>
+              <a:rPr/>
+              <a:t> </a:t>
+            </a:r>
+            <a:r>
+              <a:rPr/>
+              <a:t>age</a:t>
+            </a:r>
+            <a:r>
+              <a:rPr/>
+              <a:t> </a:t>
+            </a:r>
+            <a:r>
+              <a:rPr/>
+              <a:t>at</a:t>
+            </a:r>
+            <a:r>
+              <a:rPr/>
+              <a:t> </a:t>
+            </a:r>
+            <a:r>
+              <a:rPr/>
+              <a:t>which</a:t>
+            </a:r>
+            <a:r>
+              <a:rPr/>
+              <a:t> </a:t>
+            </a:r>
+            <a:r>
+              <a:rPr/>
+              <a:t>the</a:t>
+            </a:r>
+            <a:r>
+              <a:rPr/>
+              <a:t> </a:t>
+            </a:r>
+            <a:r>
+              <a:rPr/>
+              <a:t>infants</a:t>
+            </a:r>
+            <a:r>
+              <a:rPr/>
+              <a:t> </a:t>
+            </a:r>
+            <a:r>
+              <a:rPr/>
+              <a:t>started</a:t>
+            </a:r>
+            <a:r>
+              <a:rPr/>
+              <a:t> </a:t>
+            </a:r>
+            <a:r>
+              <a:rPr/>
+              <a:t>crawling</a:t>
+            </a:r>
+            <a:r>
+              <a:rPr/>
+              <a:t> </a:t>
+            </a:r>
+            <a:r>
+              <a:rPr/>
+              <a:t>because</a:t>
+            </a:r>
+            <a:r>
+              <a:rPr/>
+              <a:t> </a:t>
+            </a:r>
+            <a:r>
+              <a:rPr/>
+              <a:t>the</a:t>
+            </a:r>
+            <a:r>
+              <a:rPr/>
+              <a:t> </a:t>
+            </a:r>
+            <a:r>
+              <a:rPr/>
+              <a:t>bulky</a:t>
+            </a:r>
+            <a:r>
+              <a:rPr/>
+              <a:t> </a:t>
+            </a:r>
+            <a:r>
+              <a:rPr/>
+              <a:t>clothes</a:t>
+            </a:r>
+            <a:r>
+              <a:rPr/>
+              <a:t> </a:t>
+            </a:r>
+            <a:r>
+              <a:rPr/>
+              <a:t>needed</a:t>
+            </a:r>
+            <a:r>
+              <a:rPr/>
+              <a:t> </a:t>
+            </a:r>
+            <a:r>
+              <a:rPr/>
+              <a:t>in</a:t>
+            </a:r>
+            <a:r>
+              <a:rPr/>
+              <a:t> </a:t>
+            </a:r>
+            <a:r>
+              <a:rPr/>
+              <a:t>cold</a:t>
+            </a:r>
+            <a:r>
+              <a:rPr/>
+              <a:t> </a:t>
+            </a:r>
+            <a:r>
+              <a:rPr/>
+              <a:t>weather</a:t>
+            </a:r>
+            <a:r>
+              <a:rPr/>
+              <a:t> </a:t>
+            </a:r>
+            <a:r>
+              <a:rPr/>
+              <a:t>might</a:t>
+            </a:r>
+            <a:r>
+              <a:rPr/>
+              <a:t> </a:t>
+            </a:r>
+            <a:r>
+              <a:rPr/>
+              <a:t>restrict</a:t>
+            </a:r>
+            <a:r>
+              <a:rPr/>
+              <a:t> </a:t>
+            </a:r>
+            <a:r>
+              <a:rPr/>
+              <a:t>movement</a:t>
+            </a:r>
+            <a:r>
+              <a:rPr/>
+              <a:t> </a:t>
+            </a:r>
+            <a:r>
+              <a:rPr/>
+              <a:t>and</a:t>
+            </a:r>
+            <a:r>
+              <a:rPr/>
+              <a:t> </a:t>
+            </a:r>
+            <a:r>
+              <a:rPr/>
+              <a:t>interfere</a:t>
+            </a:r>
+            <a:r>
+              <a:rPr/>
+              <a:t> </a:t>
+            </a:r>
+            <a:r>
+              <a:rPr/>
+              <a:t>with</a:t>
+            </a:r>
+            <a:r>
+              <a:rPr/>
+              <a:t> </a:t>
+            </a:r>
+            <a:r>
+              <a:rPr/>
+              <a:t>their</a:t>
+            </a:r>
+            <a:r>
+              <a:rPr/>
+              <a:t> </a:t>
+            </a:r>
+            <a:r>
+              <a:rPr/>
+              <a:t>normal</a:t>
+            </a:r>
+            <a:r>
+              <a:rPr/>
+              <a:t> </a:t>
+            </a:r>
+            <a:r>
+              <a:rPr/>
+              <a:t>development.</a:t>
+            </a:r>
+          </a:p>
+          <a:p>
+            <a:pPr lvl="0" marL="0" indent="0">
+              <a:buNone/>
+            </a:pPr>
+          </a:p>
+          <a:p>
+            <a:pPr lvl="0" marL="0" indent="0">
+              <a:buNone/>
+            </a:pPr>
+            <a:r>
+              <a:rPr/>
+              <a:t>You</a:t>
+            </a:r>
+            <a:r>
+              <a:rPr/>
+              <a:t> </a:t>
+            </a:r>
+            <a:r>
+              <a:rPr/>
+              <a:t>can</a:t>
+            </a:r>
+            <a:r>
+              <a:rPr/>
+              <a:t> </a:t>
+            </a:r>
+            <a:r>
+              <a:rPr/>
+              <a:t>check</a:t>
+            </a:r>
+            <a:r>
+              <a:rPr/>
+              <a:t> </a:t>
+            </a:r>
+            <a:r>
+              <a:rPr/>
+              <a:t>out</a:t>
+            </a:r>
+            <a:r>
+              <a:rPr/>
+              <a:t> </a:t>
+            </a:r>
+            <a:r>
+              <a:rPr/>
+              <a:t>the</a:t>
+            </a:r>
+            <a:r>
+              <a:rPr/>
+              <a:t> </a:t>
+            </a:r>
+            <a:r>
+              <a:rPr/>
+              <a:t>original</a:t>
+            </a:r>
+            <a:r>
+              <a:rPr/>
+              <a:t> </a:t>
+            </a:r>
+            <a:r>
+              <a:rPr/>
+              <a:t>source</a:t>
+            </a:r>
+            <a:r>
+              <a:rPr/>
+              <a:t> </a:t>
+            </a:r>
+            <a:r>
+              <a:rPr/>
+              <a:t>on</a:t>
+            </a:r>
+            <a:r>
+              <a:rPr/>
+              <a:t> </a:t>
+            </a:r>
+            <a:r>
+              <a:rPr/>
+              <a:t>the</a:t>
+            </a:r>
+            <a:r>
+              <a:rPr/>
+              <a:t> </a:t>
+            </a:r>
+            <a:r>
+              <a:rPr/>
+              <a:t>data</a:t>
+            </a:r>
+            <a:r>
+              <a:rPr/>
+              <a:t> </a:t>
+            </a:r>
+            <a:r>
+              <a:rPr/>
+              <a:t>description</a:t>
+            </a:r>
+            <a:r>
+              <a:rPr/>
+              <a:t> </a:t>
+            </a:r>
+            <a:r>
+              <a:rPr/>
+              <a:t>website.</a:t>
+            </a:r>
+          </a:p>
+        </p:txBody>
+      </p:sp>
+      <p:sp>
+        <p:nvSpPr>
+          <p:cNvPr id="4" name="Slide Number Placeholder 3"/>
+          <p:cNvSpPr>
+            <a:spLocks noGrp="1"/>
+          </p:cNvSpPr>
+          <p:nvPr>
+            <p:ph type="sldNum" sz="quarter" idx="10"/>
+          </p:nvPr>
+        </p:nvSpPr>
+        <p:spPr/>
+        <p:txBody>
+          <a:bodyPr/>
+          <a:lstStyle/>
+          <a:p>
+            <a:fld id="{18BDFEC3-8487-43E8-A154-7C12CBC1FFF2}" type="slidenum">
+              <a:rPr lang="en-US"/>
+              <a:t>23</a:t>
             </a:fld>
             <a:endParaRPr lang="en-US"/>
           </a:p>
@@ -3333,6 +6084,260 @@
               <a:t>airlines_data.</a:t>
             </a:r>
           </a:p>
+          <a:p>
+            <a:pPr lvl="0" marL="0" indent="0">
+              <a:buNone/>
+            </a:pPr>
+          </a:p>
+          <a:p>
+            <a:pPr lvl="0" marL="0" indent="0">
+              <a:buNone/>
+            </a:pPr>
+            <a:r>
+              <a:rPr/>
+              <a:t>Always</a:t>
+            </a:r>
+            <a:r>
+              <a:rPr/>
+              <a:t> </a:t>
+            </a:r>
+            <a:r>
+              <a:rPr/>
+              <a:t>remember</a:t>
+            </a:r>
+            <a:r>
+              <a:rPr/>
+              <a:t> </a:t>
+            </a:r>
+            <a:r>
+              <a:rPr/>
+              <a:t>to</a:t>
+            </a:r>
+            <a:r>
+              <a:rPr/>
+              <a:t> </a:t>
+            </a:r>
+            <a:r>
+              <a:rPr/>
+              <a:t>disconnect</a:t>
+            </a:r>
+            <a:r>
+              <a:rPr/>
+              <a:t> </a:t>
+            </a:r>
+            <a:r>
+              <a:rPr/>
+              <a:t>when</a:t>
+            </a:r>
+            <a:r>
+              <a:rPr/>
+              <a:t> </a:t>
+            </a:r>
+            <a:r>
+              <a:rPr/>
+              <a:t>you</a:t>
+            </a:r>
+            <a:r>
+              <a:rPr/>
+              <a:t> </a:t>
+            </a:r>
+            <a:r>
+              <a:rPr/>
+              <a:t>are</a:t>
+            </a:r>
+            <a:r>
+              <a:rPr/>
+              <a:t> </a:t>
+            </a:r>
+            <a:r>
+              <a:rPr/>
+              <a:t>done.</a:t>
+            </a:r>
+            <a:r>
+              <a:rPr/>
+              <a:t> </a:t>
+            </a:r>
+            <a:r>
+              <a:rPr/>
+              <a:t>This</a:t>
+            </a:r>
+            <a:r>
+              <a:rPr/>
+              <a:t> </a:t>
+            </a:r>
+            <a:r>
+              <a:rPr/>
+              <a:t>doesn’t</a:t>
+            </a:r>
+            <a:r>
+              <a:rPr/>
+              <a:t> </a:t>
+            </a:r>
+            <a:r>
+              <a:rPr/>
+              <a:t>have</a:t>
+            </a:r>
+            <a:r>
+              <a:rPr/>
+              <a:t> </a:t>
+            </a:r>
+            <a:r>
+              <a:rPr/>
+              <a:t>to</a:t>
+            </a:r>
+            <a:r>
+              <a:rPr/>
+              <a:t> </a:t>
+            </a:r>
+            <a:r>
+              <a:rPr/>
+              <a:t>be</a:t>
+            </a:r>
+            <a:r>
+              <a:rPr/>
+              <a:t> </a:t>
+            </a:r>
+            <a:r>
+              <a:rPr/>
+              <a:t>right</a:t>
+            </a:r>
+            <a:r>
+              <a:rPr/>
+              <a:t> </a:t>
+            </a:r>
+            <a:r>
+              <a:rPr/>
+              <a:t>away,</a:t>
+            </a:r>
+            <a:r>
+              <a:rPr/>
+              <a:t> </a:t>
+            </a:r>
+            <a:r>
+              <a:rPr/>
+              <a:t>but</a:t>
+            </a:r>
+            <a:r>
+              <a:rPr/>
+              <a:t> </a:t>
+            </a:r>
+            <a:r>
+              <a:rPr/>
+              <a:t>you</a:t>
+            </a:r>
+            <a:r>
+              <a:rPr/>
+              <a:t> </a:t>
+            </a:r>
+            <a:r>
+              <a:rPr/>
+              <a:t>should</a:t>
+            </a:r>
+            <a:r>
+              <a:rPr/>
+              <a:t> </a:t>
+            </a:r>
+            <a:r>
+              <a:rPr/>
+              <a:t>disconnect</a:t>
+            </a:r>
+            <a:r>
+              <a:rPr/>
+              <a:t> </a:t>
+            </a:r>
+            <a:r>
+              <a:rPr/>
+              <a:t>somewhere</a:t>
+            </a:r>
+            <a:r>
+              <a:rPr/>
+              <a:t> </a:t>
+            </a:r>
+            <a:r>
+              <a:rPr/>
+              <a:t>rather</a:t>
+            </a:r>
+            <a:r>
+              <a:rPr/>
+              <a:t> </a:t>
+            </a:r>
+            <a:r>
+              <a:rPr/>
+              <a:t>than</a:t>
+            </a:r>
+            <a:r>
+              <a:rPr/>
+              <a:t> </a:t>
+            </a:r>
+            <a:r>
+              <a:rPr/>
+              <a:t>leaving</a:t>
+            </a:r>
+            <a:r>
+              <a:rPr/>
+              <a:t> </a:t>
+            </a:r>
+            <a:r>
+              <a:rPr/>
+              <a:t>the</a:t>
+            </a:r>
+            <a:r>
+              <a:rPr/>
+              <a:t> </a:t>
+            </a:r>
+            <a:r>
+              <a:rPr/>
+              <a:t>connection</a:t>
+            </a:r>
+            <a:r>
+              <a:rPr/>
+              <a:t> </a:t>
+            </a:r>
+            <a:r>
+              <a:rPr/>
+              <a:t>open</a:t>
+            </a:r>
+            <a:r>
+              <a:rPr/>
+              <a:t> </a:t>
+            </a:r>
+            <a:r>
+              <a:rPr/>
+              <a:t>when</a:t>
+            </a:r>
+            <a:r>
+              <a:rPr/>
+              <a:t> </a:t>
+            </a:r>
+            <a:r>
+              <a:rPr/>
+              <a:t>your</a:t>
+            </a:r>
+            <a:r>
+              <a:rPr/>
+              <a:t> </a:t>
+            </a:r>
+            <a:r>
+              <a:rPr/>
+              <a:t>program</a:t>
+            </a:r>
+            <a:r>
+              <a:rPr/>
+              <a:t> </a:t>
+            </a:r>
+            <a:r>
+              <a:rPr/>
+              <a:t>is</a:t>
+            </a:r>
+            <a:r>
+              <a:rPr/>
+              <a:t> </a:t>
+            </a:r>
+            <a:r>
+              <a:rPr/>
+              <a:t>done.</a:t>
+            </a:r>
+          </a:p>
         </p:txBody>
       </p:sp>
       <p:sp>
@@ -3662,23 +6667,15 @@
             </a:r>
             <a:r>
               <a:rPr/>
-              <a:t>The</a:t>
-            </a:r>
-            <a:r>
-              <a:rPr/>
-              <a:t> </a:t>
-            </a:r>
-            <a:r>
-              <a:rPr/>
-              <a:t>first</a:t>
-            </a:r>
-            <a:r>
-              <a:rPr/>
-              <a:t> </a:t>
-            </a:r>
-            <a:r>
-              <a:rPr/>
-              <a:t>example</a:t>
+              <a:t>This</a:t>
+            </a:r>
+            <a:r>
+              <a:rPr/>
+              <a:t> </a:t>
+            </a:r>
+            <a:r>
+              <a:rPr/>
+              <a:t>code</a:t>
             </a:r>
             <a:r>
               <a:rPr/>
@@ -3694,63 +6691,111 @@
             </a:r>
             <a:r>
               <a:rPr/>
-              <a:t>how</a:t>
-            </a:r>
-            <a:r>
-              <a:rPr/>
-              <a:t> </a:t>
-            </a:r>
-            <a:r>
-              <a:rPr/>
-              <a:t>to</a:t>
-            </a:r>
-            <a:r>
-              <a:rPr/>
-              <a:t> </a:t>
-            </a:r>
-            <a:r>
-              <a:rPr/>
-              <a:t>select</a:t>
-            </a:r>
-            <a:r>
-              <a:rPr/>
-              <a:t> </a:t>
-            </a:r>
-            <a:r>
-              <a:rPr/>
-              <a:t>an</a:t>
-            </a:r>
-            <a:r>
-              <a:rPr/>
-              <a:t> </a:t>
-            </a:r>
-            <a:r>
-              <a:rPr/>
-              <a:t>entire</a:t>
-            </a:r>
-            <a:r>
-              <a:rPr/>
-              <a:t> </a:t>
-            </a:r>
-            <a:r>
-              <a:rPr/>
-              <a:t>table</a:t>
-            </a:r>
-            <a:r>
-              <a:rPr/>
-              <a:t> </a:t>
-            </a:r>
-            <a:r>
-              <a:rPr/>
-              <a:t>(all</a:t>
-            </a:r>
-            <a:r>
-              <a:rPr/>
-              <a:t> </a:t>
-            </a:r>
-            <a:r>
-              <a:rPr/>
-              <a:t>records</a:t>
+              <a:t>all</a:t>
+            </a:r>
+            <a:r>
+              <a:rPr/>
+              <a:t> </a:t>
+            </a:r>
+            <a:r>
+              <a:rPr/>
+              <a:t>the</a:t>
+            </a:r>
+            <a:r>
+              <a:rPr/>
+              <a:t> </a:t>
+            </a:r>
+            <a:r>
+              <a:rPr/>
+              <a:t>steps</a:t>
+            </a:r>
+            <a:r>
+              <a:rPr/>
+              <a:t> </a:t>
+            </a:r>
+            <a:r>
+              <a:rPr/>
+              <a:t>that</a:t>
+            </a:r>
+            <a:r>
+              <a:rPr/>
+              <a:t> </a:t>
+            </a:r>
+            <a:r>
+              <a:rPr/>
+              <a:t>you</a:t>
+            </a:r>
+            <a:r>
+              <a:rPr/>
+              <a:t> </a:t>
+            </a:r>
+            <a:r>
+              <a:rPr/>
+              <a:t>need</a:t>
+            </a:r>
+            <a:r>
+              <a:rPr/>
+              <a:t> </a:t>
+            </a:r>
+            <a:r>
+              <a:rPr/>
+              <a:t>for</a:t>
+            </a:r>
+            <a:r>
+              <a:rPr/>
+              <a:t> </a:t>
+            </a:r>
+            <a:r>
+              <a:rPr/>
+              <a:t>a</a:t>
+            </a:r>
+            <a:r>
+              <a:rPr/>
+              <a:t> </a:t>
+            </a:r>
+            <a:r>
+              <a:rPr/>
+              <a:t>simple</a:t>
+            </a:r>
+            <a:r>
+              <a:rPr/>
+              <a:t> </a:t>
+            </a:r>
+            <a:r>
+              <a:rPr/>
+              <a:t>query</a:t>
+            </a:r>
+            <a:r>
+              <a:rPr/>
+              <a:t> </a:t>
+            </a:r>
+            <a:r>
+              <a:rPr/>
+              <a:t>that</a:t>
+            </a:r>
+            <a:r>
+              <a:rPr/>
+              <a:t> </a:t>
+            </a:r>
+            <a:r>
+              <a:rPr/>
+              <a:t>selects</a:t>
+            </a:r>
+            <a:r>
+              <a:rPr/>
+              <a:t> </a:t>
+            </a:r>
+            <a:r>
+              <a:rPr/>
+              <a:t>every</a:t>
+            </a:r>
+            <a:r>
+              <a:rPr/>
+              <a:t> </a:t>
+            </a:r>
+            <a:r>
+              <a:rPr/>
+              <a:t>record</a:t>
             </a:r>
             <a:r>
               <a:rPr/>
@@ -3774,7 +6819,39 @@
             </a:r>
             <a:r>
               <a:rPr/>
-              <a:t>fields).</a:t>
+              <a:t>fields</a:t>
+            </a:r>
+            <a:r>
+              <a:rPr/>
+              <a:t> </a:t>
+            </a:r>
+            <a:r>
+              <a:rPr/>
+              <a:t>within</a:t>
+            </a:r>
+            <a:r>
+              <a:rPr/>
+              <a:t> </a:t>
+            </a:r>
+            <a:r>
+              <a:rPr/>
+              <a:t>a</a:t>
+            </a:r>
+            <a:r>
+              <a:rPr/>
+              <a:t> </a:t>
+            </a:r>
+            <a:r>
+              <a:rPr/>
+              <a:t>single</a:t>
+            </a:r>
+            <a:r>
+              <a:rPr/>
+              <a:t> </a:t>
+            </a:r>
+            <a:r>
+              <a:rPr/>
+              <a:t>table.</a:t>
             </a:r>
           </a:p>
           <a:p>
@@ -4484,15 +7561,79 @@
             </a:pPr>
             <a:r>
               <a:rPr/>
-              <a:t>Here’s</a:t>
-            </a:r>
-            <a:r>
-              <a:rPr/>
-              <a:t> </a:t>
-            </a:r>
-            <a:r>
-              <a:rPr/>
-              <a:t>what</a:t>
+              <a:t>To</a:t>
+            </a:r>
+            <a:r>
+              <a:rPr/>
+              <a:t> </a:t>
+            </a:r>
+            <a:r>
+              <a:rPr/>
+              <a:t>select</a:t>
+            </a:r>
+            <a:r>
+              <a:rPr/>
+              <a:t> </a:t>
+            </a:r>
+            <a:r>
+              <a:rPr/>
+              <a:t>a</a:t>
+            </a:r>
+            <a:r>
+              <a:rPr/>
+              <a:t> </a:t>
+            </a:r>
+            <a:r>
+              <a:rPr/>
+              <a:t>single</a:t>
+            </a:r>
+            <a:r>
+              <a:rPr/>
+              <a:t> </a:t>
+            </a:r>
+            <a:r>
+              <a:rPr/>
+              <a:t>field,</a:t>
+            </a:r>
+            <a:r>
+              <a:rPr/>
+              <a:t> </a:t>
+            </a:r>
+            <a:r>
+              <a:rPr/>
+              <a:t>list</a:t>
+            </a:r>
+            <a:r>
+              <a:rPr/>
+              <a:t> </a:t>
+            </a:r>
+            <a:r>
+              <a:rPr/>
+              <a:t>that</a:t>
+            </a:r>
+            <a:r>
+              <a:rPr/>
+              <a:t> </a:t>
+            </a:r>
+            <a:r>
+              <a:rPr/>
+              <a:t>field’s</a:t>
+            </a:r>
+            <a:r>
+              <a:rPr/>
+              <a:t> </a:t>
+            </a:r>
+            <a:r>
+              <a:rPr/>
+              <a:t>name</a:t>
+            </a:r>
+            <a:r>
+              <a:rPr/>
+              <a:t> </a:t>
+            </a:r>
+            <a:r>
+              <a:rPr/>
+              <a:t>after</a:t>
             </a:r>
             <a:r>
               <a:rPr/>
@@ -4508,23 +7649,15 @@
             </a:r>
             <a:r>
               <a:rPr/>
-              <a:t>output</a:t>
-            </a:r>
-            <a:r>
-              <a:rPr/>
-              <a:t> </a:t>
-            </a:r>
-            <a:r>
-              <a:rPr/>
-              <a:t>looks</a:t>
-            </a:r>
-            <a:r>
-              <a:rPr/>
-              <a:t> </a:t>
-            </a:r>
-            <a:r>
-              <a:rPr/>
-              <a:t>like.</a:t>
+              <a:t>select</a:t>
+            </a:r>
+            <a:r>
+              <a:rPr/>
+              <a:t> </a:t>
+            </a:r>
+            <a:r>
+              <a:rPr/>
+              <a:t>statement.</a:t>
             </a:r>
           </a:p>
         </p:txBody>
@@ -4546,7 +7679,7 @@
           <a:p>
             <a:fld id="{18BDFEC3-8487-43E8-A154-7C12CBC1FFF2}" type="slidenum">
               <a:rPr lang="en-US"/>
-              <a:t>10</a:t>
+              <a:t>8</a:t>
             </a:fld>
             <a:endParaRPr lang="en-US"/>
           </a:p>
@@ -4606,23 +7739,15 @@
             </a:pPr>
             <a:r>
               <a:rPr/>
-              <a:t>This</a:t>
-            </a:r>
-            <a:r>
-              <a:rPr/>
-              <a:t> </a:t>
-            </a:r>
-            <a:r>
-              <a:rPr/>
-              <a:t>is</a:t>
-            </a:r>
-            <a:r>
-              <a:rPr/>
-              <a:t> </a:t>
-            </a:r>
-            <a:r>
-              <a:rPr/>
-              <a:t>how</a:t>
+              <a:t>In</a:t>
+            </a:r>
+            <a:r>
+              <a:rPr/>
+              <a:t> </a:t>
+            </a:r>
+            <a:r>
+              <a:rPr/>
+              <a:t>R,</a:t>
             </a:r>
             <a:r>
               <a:rPr/>
@@ -4638,77 +7763,111 @@
             </a:r>
             <a:r>
               <a:rPr/>
-              <a:t>select</a:t>
-            </a:r>
-            <a:r>
-              <a:rPr/>
-              <a:t> </a:t>
-            </a:r>
-            <a:r>
-              <a:rPr/>
-              <a:t>a</a:t>
-            </a:r>
-            <a:r>
-              <a:rPr/>
-              <a:t> </a:t>
-            </a:r>
-            <a:r>
-              <a:rPr/>
-              <a:t>single</a:t>
-            </a:r>
-            <a:r>
-              <a:rPr/>
-              <a:t> </a:t>
-            </a:r>
-            <a:r>
-              <a:rPr/>
-              <a:t>field</a:t>
-            </a:r>
-            <a:r>
-              <a:rPr/>
-              <a:t> </a:t>
-            </a:r>
-            <a:r>
-              <a:rPr/>
-              <a:t>in</a:t>
-            </a:r>
-            <a:r>
-              <a:rPr/>
-              <a:t> </a:t>
-            </a:r>
-            <a:r>
-              <a:rPr/>
-              <a:t>SAS.</a:t>
-            </a:r>
-          </a:p>
-          <a:p>
-            <a:pPr lvl="0" marL="0" indent="0">
-              <a:buNone/>
-            </a:pPr>
-          </a:p>
-          <a:p>
-            <a:pPr lvl="0" marL="0" indent="0">
-              <a:buNone/>
-            </a:pPr>
-            <a:r>
-              <a:rPr/>
-              <a:t>As</a:t>
-            </a:r>
-            <a:r>
-              <a:rPr/>
-              <a:t> </a:t>
-            </a:r>
-            <a:r>
-              <a:rPr/>
-              <a:t>before,</a:t>
-            </a:r>
-            <a:r>
-              <a:rPr/>
-              <a:t> </a:t>
-            </a:r>
-            <a:r>
-              <a:rPr/>
-              <a:t>place</a:t>
+              <a:t>need</a:t>
+            </a:r>
+            <a:r>
+              <a:rPr/>
+              <a:t> </a:t>
+            </a:r>
+            <a:r>
+              <a:rPr/>
+              <a:t>to</a:t>
+            </a:r>
+            <a:r>
+              <a:rPr/>
+              <a:t> </a:t>
+            </a:r>
+            <a:r>
+              <a:rPr/>
+              <a:t>connect</a:t>
+            </a:r>
+            <a:r>
+              <a:rPr/>
+              <a:t> </a:t>
+            </a:r>
+            <a:r>
+              <a:rPr/>
+              <a:t>again</a:t>
+            </a:r>
+            <a:r>
+              <a:rPr/>
+              <a:t> </a:t>
+            </a:r>
+            <a:r>
+              <a:rPr/>
+              <a:t>(skip</a:t>
+            </a:r>
+            <a:r>
+              <a:rPr/>
+              <a:t> </a:t>
+            </a:r>
+            <a:r>
+              <a:rPr/>
+              <a:t>this</a:t>
+            </a:r>
+            <a:r>
+              <a:rPr/>
+              <a:t> </a:t>
+            </a:r>
+            <a:r>
+              <a:rPr/>
+              <a:t>step</a:t>
+            </a:r>
+            <a:r>
+              <a:rPr/>
+              <a:t> </a:t>
+            </a:r>
+            <a:r>
+              <a:rPr/>
+              <a:t>if</a:t>
+            </a:r>
+            <a:r>
+              <a:rPr/>
+              <a:t> </a:t>
+            </a:r>
+            <a:r>
+              <a:rPr/>
+              <a:t>you</a:t>
+            </a:r>
+            <a:r>
+              <a:rPr/>
+              <a:t> </a:t>
+            </a:r>
+            <a:r>
+              <a:rPr/>
+              <a:t>didn’t</a:t>
+            </a:r>
+            <a:r>
+              <a:rPr/>
+              <a:t> </a:t>
+            </a:r>
+            <a:r>
+              <a:rPr/>
+              <a:t>disconnect</a:t>
+            </a:r>
+            <a:r>
+              <a:rPr/>
+              <a:t> </a:t>
+            </a:r>
+            <a:r>
+              <a:rPr/>
+              <a:t>earlier).</a:t>
+            </a:r>
+            <a:r>
+              <a:rPr/>
+              <a:t> </a:t>
+            </a:r>
+            <a:r>
+              <a:rPr/>
+              <a:t>Then</a:t>
+            </a:r>
+            <a:r>
+              <a:rPr/>
+              <a:t> </a:t>
+            </a:r>
+            <a:r>
+              <a:rPr/>
+              <a:t>call</a:t>
             </a:r>
             <a:r>
               <a:rPr/>
@@ -4724,6 +7883,38 @@
             </a:r>
             <a:r>
               <a:rPr/>
+              <a:t>dbGetQuery</a:t>
+            </a:r>
+            <a:r>
+              <a:rPr/>
+              <a:t> </a:t>
+            </a:r>
+            <a:r>
+              <a:rPr/>
+              <a:t>function</a:t>
+            </a:r>
+            <a:r>
+              <a:rPr/>
+              <a:t> </a:t>
+            </a:r>
+            <a:r>
+              <a:rPr/>
+              <a:t>with</a:t>
+            </a:r>
+            <a:r>
+              <a:rPr/>
+              <a:t> </a:t>
+            </a:r>
+            <a:r>
+              <a:rPr/>
+              <a:t>the</a:t>
+            </a:r>
+            <a:r>
+              <a:rPr/>
+              <a:t> </a:t>
+            </a:r>
+            <a:r>
+              <a:rPr/>
               <a:t>SQL</a:t>
             </a:r>
             <a:r>
@@ -4732,47 +7923,23 @@
             </a:r>
             <a:r>
               <a:rPr/>
-              <a:t>query</a:t>
-            </a:r>
-            <a:r>
-              <a:rPr/>
-              <a:t> </a:t>
-            </a:r>
-            <a:r>
-              <a:rPr/>
-              <a:t>inside</a:t>
-            </a:r>
-            <a:r>
-              <a:rPr/>
-              <a:t> </a:t>
-            </a:r>
-            <a:r>
-              <a:rPr/>
-              <a:t>proc</a:t>
-            </a:r>
-            <a:r>
-              <a:rPr/>
-              <a:t> </a:t>
-            </a:r>
-            <a:r>
-              <a:rPr/>
-              <a:t>sql</a:t>
-            </a:r>
-            <a:r>
-              <a:rPr/>
-              <a:t> </a:t>
-            </a:r>
-            <a:r>
-              <a:rPr/>
-              <a:t>and</a:t>
-            </a:r>
-            <a:r>
-              <a:rPr/>
-              <a:t> </a:t>
-            </a:r>
-            <a:r>
-              <a:rPr/>
-              <a:t>use</a:t>
+              <a:t>code</a:t>
+            </a:r>
+            <a:r>
+              <a:rPr/>
+              <a:t> </a:t>
+            </a:r>
+            <a:r>
+              <a:rPr/>
+              <a:t>inserted.</a:t>
+            </a:r>
+            <a:r>
+              <a:rPr/>
+              <a:t> </a:t>
+            </a:r>
+            <a:r>
+              <a:rPr/>
+              <a:t>Keep</a:t>
             </a:r>
             <a:r>
               <a:rPr/>
@@ -4788,31 +7955,31 @@
             </a:r>
             <a:r>
               <a:rPr/>
-              <a:t>create</a:t>
-            </a:r>
-            <a:r>
-              <a:rPr/>
-              <a:t> </a:t>
-            </a:r>
-            <a:r>
-              <a:rPr/>
-              <a:t>table</a:t>
-            </a:r>
-            <a:r>
-              <a:rPr/>
-              <a:t> </a:t>
-            </a:r>
-            <a:r>
-              <a:rPr/>
-              <a:t>as</a:t>
-            </a:r>
-            <a:r>
-              <a:rPr/>
-              <a:t> </a:t>
-            </a:r>
-            <a:r>
-              <a:rPr/>
-              <a:t>statement</a:t>
+              <a:t>connection</a:t>
+            </a:r>
+            <a:r>
+              <a:rPr/>
+              <a:t> </a:t>
+            </a:r>
+            <a:r>
+              <a:rPr/>
+              <a:t>open</a:t>
+            </a:r>
+            <a:r>
+              <a:rPr/>
+              <a:t> </a:t>
+            </a:r>
+            <a:r>
+              <a:rPr/>
+              <a:t>for</a:t>
+            </a:r>
+            <a:r>
+              <a:rPr/>
+              <a:t> </a:t>
+            </a:r>
+            <a:r>
+              <a:rPr/>
+              <a:t>now</a:t>
             </a:r>
             <a:r>
               <a:rPr/>
@@ -4828,7 +7995,23 @@
             </a:r>
             <a:r>
               <a:rPr/>
-              <a:t>store</a:t>
+              <a:t>save</a:t>
+            </a:r>
+            <a:r>
+              <a:rPr/>
+              <a:t> </a:t>
+            </a:r>
+            <a:r>
+              <a:rPr/>
+              <a:t>time</a:t>
+            </a:r>
+            <a:r>
+              <a:rPr/>
+              <a:t> </a:t>
+            </a:r>
+            <a:r>
+              <a:rPr/>
+              <a:t>with</a:t>
             </a:r>
             <a:r>
               <a:rPr/>
@@ -4844,101 +8027,31 @@
             </a:r>
             <a:r>
               <a:rPr/>
-              <a:t>results</a:t>
-            </a:r>
-            <a:r>
-              <a:rPr/>
-              <a:t> </a:t>
-            </a:r>
-            <a:r>
-              <a:rPr/>
-              <a:t>in</a:t>
-            </a:r>
-            <a:r>
-              <a:rPr/>
-              <a:t> </a:t>
-            </a:r>
-            <a:r>
-              <a:rPr/>
-              <a:t>a</a:t>
-            </a:r>
-            <a:r>
-              <a:rPr/>
-              <a:t> </a:t>
-            </a:r>
-            <a:r>
-              <a:rPr/>
-              <a:t>SAS</a:t>
-            </a:r>
-            <a:r>
-              <a:rPr/>
-              <a:t> </a:t>
-            </a:r>
-            <a:r>
-              <a:rPr/>
-              <a:t>data</a:t>
-            </a:r>
-            <a:r>
-              <a:rPr/>
-              <a:t> </a:t>
-            </a:r>
-            <a:r>
-              <a:rPr/>
-              <a:t>set.</a:t>
-            </a:r>
-          </a:p>
-          <a:p>
-            <a:pPr lvl="0" marL="0" indent="0">
-              <a:buNone/>
-            </a:pPr>
-          </a:p>
-          <a:p>
-            <a:pPr lvl="0" marL="0" indent="0">
-              <a:buNone/>
-            </a:pPr>
-            <a:r>
-              <a:rPr/>
-              <a:t>Watch</a:t>
-            </a:r>
-            <a:r>
-              <a:rPr/>
-              <a:t> </a:t>
-            </a:r>
-            <a:r>
-              <a:rPr/>
-              <a:t>your</a:t>
-            </a:r>
-            <a:r>
-              <a:rPr/>
-              <a:t> </a:t>
-            </a:r>
-            <a:r>
-              <a:rPr/>
-              <a:t>semicolons</a:t>
-            </a:r>
-            <a:r>
-              <a:rPr/>
-              <a:t> </a:t>
-            </a:r>
-            <a:r>
-              <a:rPr/>
-              <a:t>carefully</a:t>
-            </a:r>
-            <a:r>
-              <a:rPr/>
-              <a:t> </a:t>
-            </a:r>
-            <a:r>
-              <a:rPr/>
-              <a:t>in</a:t>
-            </a:r>
-            <a:r>
-              <a:rPr/>
-              <a:t> </a:t>
-            </a:r>
-            <a:r>
-              <a:rPr/>
-              <a:t>SAS!</a:t>
+              <a:t>next</a:t>
+            </a:r>
+            <a:r>
+              <a:rPr/>
+              <a:t> </a:t>
+            </a:r>
+            <a:r>
+              <a:rPr/>
+              <a:t>couple</a:t>
+            </a:r>
+            <a:r>
+              <a:rPr/>
+              <a:t> </a:t>
+            </a:r>
+            <a:r>
+              <a:rPr/>
+              <a:t>of</a:t>
+            </a:r>
+            <a:r>
+              <a:rPr/>
+              <a:t> </a:t>
+            </a:r>
+            <a:r>
+              <a:rPr/>
+              <a:t>queries.</a:t>
             </a:r>
           </a:p>
         </p:txBody>
@@ -4960,7 +8073,7 @@
           <a:p>
             <a:fld id="{18BDFEC3-8487-43E8-A154-7C12CBC1FFF2}" type="slidenum">
               <a:rPr lang="en-US"/>
-              <a:t>11</a:t>
+              <a:t>9</a:t>
             </a:fld>
             <a:endParaRPr lang="en-US"/>
           </a:p>
@@ -5082,7 +8195,7 @@
           <a:p>
             <a:fld id="{18BDFEC3-8487-43E8-A154-7C12CBC1FFF2}" type="slidenum">
               <a:rPr lang="en-US"/>
-              <a:t>12</a:t>
+              <a:t>10</a:t>
             </a:fld>
             <a:endParaRPr lang="en-US"/>
           </a:p>
@@ -9718,6 +12831,37 @@
               </a:rPr>
               <a:t>changed_names</a:t>
             </a:r>
+            <a:br/>
+            <a:r>
+              <a:rPr sz="1800" b="1">
+                <a:solidFill>
+                  <a:srgbClr val="007020"/>
+                </a:solidFill>
+                <a:latin typeface="Courier"/>
+              </a:rPr>
+              <a:t>dbDisconnect</a:t>
+            </a:r>
+            <a:r>
+              <a:rPr sz="1800">
+                <a:latin typeface="Courier"/>
+              </a:rPr>
+              <a:t>(</a:t>
+            </a:r>
+            <a:r>
+              <a:rPr sz="1800">
+                <a:solidFill>
+                  <a:srgbClr val="902000"/>
+                </a:solidFill>
+                <a:latin typeface="Courier"/>
+              </a:rPr>
+              <a:t>conn=</a:t>
+            </a:r>
+            <a:r>
+              <a:rPr sz="1800">
+                <a:latin typeface="Courier"/>
+              </a:rPr>
+              <a:t>db)</a:t>
+            </a:r>
           </a:p>
         </p:txBody>
       </p:sp>
@@ -9846,20 +12990,20 @@
             <a:pPr lvl="2"/>
             <a:r>
               <a:rPr/>
-              <a:t>Also rate of bumping per thousand passengers.</a:t>
+              <a:t>Also rate of bumping per ten thousand passengers.</a:t>
             </a:r>
           </a:p>
           <a:p>
             <a:pPr lvl="3"/>
             <a:r>
               <a:rPr/>
-              <a:t>More details </a:t>
+              <a:t>More details at the </a:t>
             </a:r>
             <a:r>
               <a:rPr>
                 <a:hlinkClick r:id="rId3"/>
               </a:rPr>
-              <a:t>at the Data Description website</a:t>
+              <a:t>Data Description website</a:t>
             </a:r>
             <a:r>
               <a:rPr/>
@@ -10237,6 +13381,150 @@
 </p:sld>
 </file>
 
+<file path=ppt/slides/slide23.xml><?xml version="1.0" encoding="utf-8"?>
+<p:sld xmlns:a="http://schemas.openxmlformats.org/drawingml/2006/main" xmlns:r="http://schemas.openxmlformats.org/officeDocument/2006/relationships" xmlns:p="http://schemas.openxmlformats.org/presentationml/2006/main">
+  <p:cSld>
+    <p:spTree>
+      <p:nvGrpSpPr>
+        <p:cNvPr id="1" name=""/>
+        <p:cNvGrpSpPr/>
+        <p:nvPr/>
+      </p:nvGrpSpPr>
+      <p:grpSpPr>
+        <a:xfrm>
+          <a:off x="0" y="0"/>
+          <a:ext cx="0" cy="0"/>
+          <a:chOff x="0" y="0"/>
+          <a:chExt cx="0" cy="0"/>
+        </a:xfrm>
+      </p:grpSpPr>
+      <p:sp>
+        <p:nvSpPr>
+          <p:cNvPr id="2" name="Title 1"/>
+          <p:cNvSpPr>
+            <a:spLocks noGrp="1"/>
+          </p:cNvSpPr>
+          <p:nvPr>
+            <p:ph type="title"/>
+          </p:nvPr>
+        </p:nvSpPr>
+        <p:spPr/>
+        <p:txBody>
+          <a:bodyPr/>
+          <a:lstStyle/>
+          <a:p>
+            <a:pPr lvl="0" marL="0" indent="0">
+              <a:buNone/>
+            </a:pPr>
+            <a:r>
+              <a:rPr/>
+              <a:t>Your</a:t>
+            </a:r>
+            <a:r>
+              <a:rPr/>
+              <a:t> </a:t>
+            </a:r>
+            <a:r>
+              <a:rPr/>
+              <a:t>homework</a:t>
+            </a:r>
+          </a:p>
+        </p:txBody>
+      </p:sp>
+      <p:sp>
+        <p:nvSpPr>
+          <p:cNvPr id="3" name="Content Placeholder 2"/>
+          <p:cNvSpPr>
+            <a:spLocks noGrp="1"/>
+          </p:cNvSpPr>
+          <p:nvPr>
+            <p:ph idx="1"/>
+          </p:nvPr>
+        </p:nvSpPr>
+        <p:spPr/>
+        <p:txBody>
+          <a:bodyPr/>
+          <a:lstStyle/>
+          <a:p>
+            <a:pPr lvl="1"/>
+            <a:r>
+              <a:rPr/>
+              <a:t>Database crawling_db</a:t>
+            </a:r>
+          </a:p>
+          <a:p>
+            <a:pPr lvl="2"/>
+            <a:r>
+              <a:rPr/>
+              <a:t>Single table, crawling_table.</a:t>
+            </a:r>
+          </a:p>
+          <a:p>
+            <a:pPr lvl="3"/>
+            <a:r>
+              <a:rPr/>
+              <a:t>Birth_month (self-explanatory)</a:t>
+            </a:r>
+          </a:p>
+          <a:p>
+            <a:pPr lvl="3"/>
+            <a:r>
+              <a:rPr/>
+              <a:t>Temperature (Average temperature (F) six months after birth)</a:t>
+            </a:r>
+          </a:p>
+          <a:p>
+            <a:pPr lvl="3"/>
+            <a:r>
+              <a:rPr/>
+              <a:t>avg_crawling_age (in weeks)</a:t>
+            </a:r>
+          </a:p>
+          <a:p>
+            <a:pPr lvl="2"/>
+            <a:r>
+              <a:rPr/>
+              <a:t>More details at the </a:t>
+            </a:r>
+            <a:r>
+              <a:rPr>
+                <a:hlinkClick r:id="rId3"/>
+              </a:rPr>
+              <a:t>Data Description website</a:t>
+            </a:r>
+            <a:r>
+              <a:rPr/>
+              <a:t>.</a:t>
+            </a:r>
+          </a:p>
+          <a:p>
+            <a:pPr lvl="2"/>
+            <a:r>
+              <a:rPr/>
+              <a:t>Read all three fields and all records</a:t>
+            </a:r>
+          </a:p>
+          <a:p>
+            <a:pPr lvl="3"/>
+            <a:r>
+              <a:rPr/>
+              <a:t>Change Temperature to Temperature_F</a:t>
+            </a:r>
+          </a:p>
+          <a:p>
+            <a:pPr lvl="3"/>
+            <a:r>
+              <a:rPr/>
+              <a:t>Put your code and the output in a single PDF file</a:t>
+            </a:r>
+          </a:p>
+        </p:txBody>
+      </p:sp>
+    </p:spTree>
+  </p:cSld>
+</p:sld>
+</file>
+
 <file path=ppt/slides/slide3.xml><?xml version="1.0" encoding="utf-8"?>
 <p:sld xmlns:a="http://schemas.openxmlformats.org/drawingml/2006/main" xmlns:r="http://schemas.openxmlformats.org/officeDocument/2006/relationships" xmlns:p="http://schemas.openxmlformats.org/presentationml/2006/main">
   <p:cSld>
@@ -10634,6 +13922,37 @@
                 <a:latin typeface="Courier"/>
               </a:rPr>
               <a:t>airlines_data</a:t>
+            </a:r>
+            <a:br/>
+            <a:r>
+              <a:rPr sz="1800" b="1">
+                <a:solidFill>
+                  <a:srgbClr val="007020"/>
+                </a:solidFill>
+                <a:latin typeface="Courier"/>
+              </a:rPr>
+              <a:t>dbDisconnect</a:t>
+            </a:r>
+            <a:r>
+              <a:rPr sz="1800">
+                <a:latin typeface="Courier"/>
+              </a:rPr>
+              <a:t>(</a:t>
+            </a:r>
+            <a:r>
+              <a:rPr sz="1800">
+                <a:solidFill>
+                  <a:srgbClr val="902000"/>
+                </a:solidFill>
+                <a:latin typeface="Courier"/>
+              </a:rPr>
+              <a:t>conn=</a:t>
+            </a:r>
+            <a:r>
+              <a:rPr sz="1800">
+                <a:latin typeface="Courier"/>
+              </a:rPr>
+              <a:t>db)</a:t>
             </a:r>
           </a:p>
         </p:txBody>
@@ -11283,6 +14602,83 @@
             <a:pPr lvl="0" marL="1270000" indent="0">
               <a:buNone/>
             </a:pPr>
+            <a:r>
+              <a:rPr sz="1800">
+                <a:latin typeface="Courier"/>
+              </a:rPr>
+              <a:t>db &lt;-</a:t>
+            </a:r>
+            <a:r>
+              <a:rPr sz="1800">
+                <a:solidFill>
+                  <a:srgbClr val="4070A0"/>
+                </a:solidFill>
+                <a:latin typeface="Courier"/>
+              </a:rPr>
+              <a:t> </a:t>
+            </a:r>
+            <a:r>
+              <a:rPr sz="1800" b="1">
+                <a:solidFill>
+                  <a:srgbClr val="007020"/>
+                </a:solidFill>
+                <a:latin typeface="Courier"/>
+              </a:rPr>
+              <a:t>dbConnect</a:t>
+            </a:r>
+            <a:r>
+              <a:rPr sz="1800">
+                <a:latin typeface="Courier"/>
+              </a:rPr>
+              <a:t>(</a:t>
+            </a:r>
+            <a:r>
+              <a:rPr sz="1800" b="1">
+                <a:solidFill>
+                  <a:srgbClr val="007020"/>
+                </a:solidFill>
+                <a:latin typeface="Courier"/>
+              </a:rPr>
+              <a:t>SQLite</a:t>
+            </a:r>
+            <a:r>
+              <a:rPr sz="1800">
+                <a:latin typeface="Courier"/>
+              </a:rPr>
+              <a:t>(), </a:t>
+            </a:r>
+            <a:br/>
+            <a:r>
+              <a:rPr sz="1800">
+                <a:latin typeface="Courier"/>
+              </a:rPr>
+              <a:t>  </a:t>
+            </a:r>
+            <a:r>
+              <a:rPr sz="1800">
+                <a:solidFill>
+                  <a:srgbClr val="902000"/>
+                </a:solidFill>
+                <a:latin typeface="Courier"/>
+              </a:rPr>
+              <a:t>dbname=</a:t>
+            </a:r>
+            <a:r>
+              <a:rPr sz="1800">
+                <a:solidFill>
+                  <a:srgbClr val="4070A0"/>
+                </a:solidFill>
+                <a:latin typeface="Courier"/>
+              </a:rPr>
+              <a:t>"../data/airlines_db.sqlite"</a:t>
+            </a:r>
+            <a:r>
+              <a:rPr sz="1800">
+                <a:latin typeface="Courier"/>
+              </a:rPr>
+              <a:t>)</a:t>
+            </a:r>
+            <a:br/>
             <a:r>
               <a:rPr sz="1800">
                 <a:latin typeface="Courier"/>

--- a/src/select.pptx
+++ b/src/select.pptx
@@ -11299,6 +11299,22 @@
             <a:br/>
             <a:r>
               <a:rPr/>
+              <a:t>Suman</a:t>
+            </a:r>
+            <a:r>
+              <a:rPr/>
+              <a:t> </a:t>
+            </a:r>
+            <a:r>
+              <a:rPr/>
+              <a:t>Sahil,</a:t>
+            </a:r>
+            <a:r>
+              <a:rPr/>
+              <a:t> </a:t>
+            </a:r>
+            <a:r>
+              <a:rPr/>
               <a:t>Steve</a:t>
             </a:r>
             <a:r>
@@ -11332,23 +11348,23 @@
             </a:pPr>
             <a:r>
               <a:rPr/>
-              <a:t>September</a:t>
-            </a:r>
-            <a:r>
-              <a:rPr/>
-              <a:t> </a:t>
-            </a:r>
-            <a:r>
-              <a:rPr/>
-              <a:t>12,</a:t>
-            </a:r>
-            <a:r>
-              <a:rPr/>
-              <a:t> </a:t>
-            </a:r>
-            <a:r>
-              <a:rPr/>
-              <a:t>2017</a:t>
+              <a:t>Creation</a:t>
+            </a:r>
+            <a:r>
+              <a:rPr/>
+              <a:t> </a:t>
+            </a:r>
+            <a:r>
+              <a:rPr/>
+              <a:t>date:</a:t>
+            </a:r>
+            <a:r>
+              <a:rPr/>
+              <a:t> </a:t>
+            </a:r>
+            <a:r>
+              <a:rPr/>
+              <a:t>2017-09-12</a:t>
             </a:r>
           </a:p>
         </p:txBody>
